--- a/EHotel Fizibilite Sunumu.pptx
+++ b/EHotel Fizibilite Sunumu.pptx
@@ -21244,10 +21244,10 @@
       </p:sp>
       <p:pic>
         <p:nvPicPr>
-          <p:cNvPr id="21" name="Resim 20">
+          <p:cNvPr id="3" name="Resim 2">
             <a:extLst>
               <a:ext uri="{FF2B5EF4-FFF2-40B4-BE49-F238E27FC236}">
-                <a16:creationId xmlns:a16="http://schemas.microsoft.com/office/drawing/2014/main" id="{FC173DE7-5645-1253-FAE2-727EF8A2C4FD}"/>
+                <a16:creationId xmlns:a16="http://schemas.microsoft.com/office/drawing/2014/main" id="{828CBCF5-CB16-5AE0-1DC3-E5842B855DC3}"/>
               </a:ext>
             </a:extLst>
           </p:cNvPr>
@@ -21264,8 +21264,8 @@
         </p:blipFill>
         <p:spPr>
           <a:xfrm>
-            <a:off x="2945" y="-4157"/>
-            <a:ext cx="11647146" cy="6858000"/>
+            <a:off x="0" y="4157"/>
+            <a:ext cx="11687578" cy="6858000"/>
           </a:xfrm>
           <a:prstGeom prst="rect">
             <a:avLst/>
@@ -21400,7 +21400,7 @@
               </a:spcAft>
             </a:pPr>
             <a:r>
-              <a:rPr lang="tr-TR" noProof="0" dirty="0"/>
+              <a:rPr lang="tr-TR" noProof="0"/>
               <a:t>Barış Keskin</a:t>
             </a:r>
           </a:p>
@@ -25522,12 +25522,12 @@
 </file>
 
 <file path=customXml/item1.xml><?xml version="1.0" encoding="utf-8"?>
-<p:properties xmlns:p="http://schemas.microsoft.com/office/2006/metadata/properties" xmlns:xsi="http://www.w3.org/2001/XMLSchema-instance" xmlns:pc="http://schemas.microsoft.com/office/infopath/2007/PartnerControls">
-  <documentManagement>
-    <Status xmlns="71af3243-3dd4-4a8d-8c0d-dd76da1f02a5">Not started</Status>
-    <MediaServiceKeyPoints xmlns="71af3243-3dd4-4a8d-8c0d-dd76da1f02a5" xsi:nil="true"/>
-  </documentManagement>
-</p:properties>
+<?mso-contentType ?>
+<FormTemplates xmlns="http://schemas.microsoft.com/sharepoint/v3/contenttype/forms">
+  <Display>DocumentLibraryForm</Display>
+  <Edit>DocumentLibraryForm</Edit>
+  <New>DocumentLibraryForm</New>
+</FormTemplates>
 </file>
 
 <file path=customXml/item2.xml><?xml version="1.0" encoding="utf-8"?>
@@ -25752,27 +25752,18 @@
 </file>
 
 <file path=customXml/item3.xml><?xml version="1.0" encoding="utf-8"?>
-<?mso-contentType ?>
-<FormTemplates xmlns="http://schemas.microsoft.com/sharepoint/v3/contenttype/forms">
-  <Display>DocumentLibraryForm</Display>
-  <Edit>DocumentLibraryForm</Edit>
-  <New>DocumentLibraryForm</New>
-</FormTemplates>
+<p:properties xmlns:p="http://schemas.microsoft.com/office/2006/metadata/properties" xmlns:xsi="http://www.w3.org/2001/XMLSchema-instance" xmlns:pc="http://schemas.microsoft.com/office/infopath/2007/PartnerControls">
+  <documentManagement>
+    <Status xmlns="71af3243-3dd4-4a8d-8c0d-dd76da1f02a5">Not started</Status>
+    <MediaServiceKeyPoints xmlns="71af3243-3dd4-4a8d-8c0d-dd76da1f02a5" xsi:nil="true"/>
+  </documentManagement>
+</p:properties>
 </file>
 
 <file path=customXml/itemProps1.xml><?xml version="1.0" encoding="utf-8"?>
-<ds:datastoreItem xmlns:ds="http://schemas.openxmlformats.org/officeDocument/2006/customXml" ds:itemID="{99919F73-B6C2-4A43-95E2-833EC48925FE}">
+<ds:datastoreItem xmlns:ds="http://schemas.openxmlformats.org/officeDocument/2006/customXml" ds:itemID="{3C8E00D1-8EA3-4E42-801D-0253E1EAFC21}">
   <ds:schemaRefs>
-    <ds:schemaRef ds:uri="16c05727-aa75-4e4a-9b5f-8a80a1165891"/>
-    <ds:schemaRef ds:uri="71af3243-3dd4-4a8d-8c0d-dd76da1f02a5"/>
-    <ds:schemaRef ds:uri="http://purl.org/dc/dcmitype/"/>
-    <ds:schemaRef ds:uri="http://purl.org/dc/elements/1.1/"/>
-    <ds:schemaRef ds:uri="http://purl.org/dc/terms/"/>
-    <ds:schemaRef ds:uri="http://schemas.microsoft.com/office/2006/documentManagement/types"/>
-    <ds:schemaRef ds:uri="http://schemas.microsoft.com/office/2006/metadata/properties"/>
-    <ds:schemaRef ds:uri="http://schemas.microsoft.com/office/infopath/2007/PartnerControls"/>
-    <ds:schemaRef ds:uri="http://schemas.openxmlformats.org/package/2006/metadata/core-properties"/>
-    <ds:schemaRef ds:uri="http://www.w3.org/XML/1998/namespace"/>
+    <ds:schemaRef ds:uri="http://schemas.microsoft.com/sharepoint/v3/contenttype/forms"/>
   </ds:schemaRefs>
 </ds:datastoreItem>
 </file>
@@ -25797,9 +25788,18 @@
 </file>
 
 <file path=customXml/itemProps3.xml><?xml version="1.0" encoding="utf-8"?>
-<ds:datastoreItem xmlns:ds="http://schemas.openxmlformats.org/officeDocument/2006/customXml" ds:itemID="{3C8E00D1-8EA3-4E42-801D-0253E1EAFC21}">
+<ds:datastoreItem xmlns:ds="http://schemas.openxmlformats.org/officeDocument/2006/customXml" ds:itemID="{99919F73-B6C2-4A43-95E2-833EC48925FE}">
   <ds:schemaRefs>
-    <ds:schemaRef ds:uri="http://schemas.microsoft.com/sharepoint/v3/contenttype/forms"/>
+    <ds:schemaRef ds:uri="http://purl.org/dc/terms/"/>
+    <ds:schemaRef ds:uri="http://schemas.microsoft.com/office/infopath/2007/PartnerControls"/>
+    <ds:schemaRef ds:uri="http://schemas.openxmlformats.org/package/2006/metadata/core-properties"/>
+    <ds:schemaRef ds:uri="http://schemas.microsoft.com/office/2006/documentManagement/types"/>
+    <ds:schemaRef ds:uri="16c05727-aa75-4e4a-9b5f-8a80a1165891"/>
+    <ds:schemaRef ds:uri="http://purl.org/dc/elements/1.1/"/>
+    <ds:schemaRef ds:uri="71af3243-3dd4-4a8d-8c0d-dd76da1f02a5"/>
+    <ds:schemaRef ds:uri="http://schemas.microsoft.com/office/2006/metadata/properties"/>
+    <ds:schemaRef ds:uri="http://www.w3.org/XML/1998/namespace"/>
+    <ds:schemaRef ds:uri="http://purl.org/dc/dcmitype/"/>
   </ds:schemaRefs>
 </ds:datastoreItem>
 </file>
--- a/EHotel Fizibilite Sunumu.pptx
+++ b/EHotel Fizibilite Sunumu.pptx
@@ -5,24 +5,25 @@
     <p:sldMasterId id="2147483696" r:id="rId4"/>
   </p:sldMasterIdLst>
   <p:notesMasterIdLst>
-    <p:notesMasterId r:id="rId17"/>
+    <p:notesMasterId r:id="rId18"/>
   </p:notesMasterIdLst>
   <p:handoutMasterIdLst>
-    <p:handoutMasterId r:id="rId18"/>
+    <p:handoutMasterId r:id="rId19"/>
   </p:handoutMasterIdLst>
   <p:sldIdLst>
     <p:sldId id="306" r:id="rId5"/>
     <p:sldId id="313" r:id="rId6"/>
     <p:sldId id="324" r:id="rId7"/>
-    <p:sldId id="295" r:id="rId8"/>
-    <p:sldId id="319" r:id="rId9"/>
-    <p:sldId id="318" r:id="rId10"/>
-    <p:sldId id="325" r:id="rId11"/>
+    <p:sldId id="319" r:id="rId8"/>
+    <p:sldId id="318" r:id="rId9"/>
+    <p:sldId id="329" r:id="rId10"/>
+    <p:sldId id="328" r:id="rId11"/>
     <p:sldId id="320" r:id="rId12"/>
     <p:sldId id="321" r:id="rId13"/>
-    <p:sldId id="322" r:id="rId14"/>
-    <p:sldId id="323" r:id="rId15"/>
-    <p:sldId id="312" r:id="rId16"/>
+    <p:sldId id="323" r:id="rId14"/>
+    <p:sldId id="295" r:id="rId15"/>
+    <p:sldId id="326" r:id="rId16"/>
+    <p:sldId id="312" r:id="rId17"/>
   </p:sldIdLst>
   <p:sldSz cx="12192000" cy="6858000"/>
   <p:notesSz cx="6858000" cy="9144000"/>
@@ -157,9 +158,12 @@
 <file path=ppt/revisionInfo.xml><?xml version="1.0" encoding="utf-8"?>
 <p1510:revInfo xmlns:a="http://schemas.openxmlformats.org/drawingml/2006/main" xmlns:r="http://schemas.openxmlformats.org/officeDocument/2006/relationships" xmlns:p1510="http://schemas.microsoft.com/office/powerpoint/2015/10/main">
   <p1510:revLst>
-    <p1510:client id="{0C67B01D-D6E5-41A0-AE9C-CC8297FA76B9}" v="341" dt="2024-03-24T09:29:58.850"/>
-    <p1510:client id="{79B93AE3-5096-4728-B121-7FDEFC7656FE}" v="248" dt="2024-03-24T09:39:39.220"/>
-    <p1510:client id="{DD6F7856-FF4B-4791-8B37-72AE54289765}" v="79" dt="2024-03-24T17:31:20.673"/>
+    <p1510:client id="{1C5F913C-B950-4021-A1CB-4E2DBAB69586}" v="264" dt="2024-03-25T10:27:06.270"/>
+    <p1510:client id="{34355DC7-1BAA-459F-972A-ED1364E576A0}" v="74" dt="2024-03-25T10:14:45.334"/>
+    <p1510:client id="{3F4992A3-B2EA-42CF-907F-B3E883456614}" v="129" dt="2024-03-25T13:43:02.727"/>
+    <p1510:client id="{72A5B2A6-1F92-472D-B37B-AB03748A402D}" v="403" dt="2024-03-25T13:49:58.913"/>
+    <p1510:client id="{A8F09ED3-A51A-470A-AA82-0E5C9098925A}" v="927" dt="2024-03-25T12:38:44.841"/>
+    <p1510:client id="{C571DC71-9106-4B42-B114-AB5A84B66DD6}" v="236" dt="2024-03-25T10:42:29.159"/>
   </p1510:revLst>
 </p1510:revInfo>
 </file>
@@ -1016,12 +1020,42 @@
               <a:latin typeface="+mj-lt"/>
             </a:defRPr>
           </a:pPr>
+          <a:r>
+            <a:rPr lang="tr-TR" sz="1600" b="0" noProof="0">
+              <a:solidFill>
+                <a:schemeClr val="bg1">
+                  <a:lumMod val="95000"/>
+                </a:schemeClr>
+              </a:solidFill>
+              <a:latin typeface="Univers"/>
+            </a:rPr>
+            <a:t>Yazılım Geliştirici</a:t>
+          </a:r>
           <a:endParaRPr lang="tr-TR" sz="2000" b="0" noProof="0">
             <a:solidFill>
               <a:schemeClr val="bg1">
                 <a:lumMod val="95000"/>
               </a:schemeClr>
             </a:solidFill>
+            <a:latin typeface="Univers"/>
+          </a:endParaRPr>
+        </a:p>
+        <a:p>
+          <a:pPr algn="ctr" rtl="0">
+            <a:lnSpc>
+              <a:spcPct val="100000"/>
+            </a:lnSpc>
+            <a:defRPr b="1" spc="20">
+              <a:latin typeface="+mj-lt"/>
+            </a:defRPr>
+          </a:pPr>
+          <a:endParaRPr lang="tr-TR" sz="2000" b="0" noProof="0">
+            <a:solidFill>
+              <a:schemeClr val="bg1">
+                <a:lumMod val="95000"/>
+              </a:schemeClr>
+            </a:solidFill>
+            <a:latin typeface="Univers"/>
           </a:endParaRPr>
         </a:p>
       </dgm:t>
@@ -1075,17 +1109,7 @@
             </a:rPr>
             <a:t>Barış Keskin</a:t>
           </a:r>
-        </a:p>
-        <a:p>
-          <a:pPr algn="ctr">
-            <a:lnSpc>
-              <a:spcPct val="100000"/>
-            </a:lnSpc>
-            <a:defRPr b="1" spc="20">
-              <a:latin typeface="+mj-lt"/>
-            </a:defRPr>
-          </a:pPr>
-          <a:endParaRPr lang="tr-TR" sz="800" b="0" noProof="0">
+          <a:endParaRPr lang="tr-TR" sz="1600" b="0" noProof="0">
             <a:solidFill>
               <a:schemeClr val="bg1">
                 <a:lumMod val="95000"/>
@@ -1105,13 +1129,33 @@
           <a:r>
             <a:rPr lang="tr-TR" sz="1600" b="0" noProof="0">
               <a:solidFill>
-                <a:schemeClr val="bg1">
-                  <a:lumMod val="95000"/>
-                </a:schemeClr>
+                <a:schemeClr val="bg1"/>
               </a:solidFill>
             </a:rPr>
-            <a:t>UI/UX Designer</a:t>
+            <a:t>Analiz ve Tasarım Uzmanı</a:t>
           </a:r>
+          <a:endParaRPr lang="tr-TR" sz="1600" b="0">
+            <a:solidFill>
+              <a:schemeClr val="bg1"/>
+            </a:solidFill>
+          </a:endParaRPr>
+        </a:p>
+        <a:p>
+          <a:pPr algn="ctr">
+            <a:lnSpc>
+              <a:spcPct val="100000"/>
+            </a:lnSpc>
+            <a:defRPr b="1" spc="20">
+              <a:latin typeface="+mj-lt"/>
+            </a:defRPr>
+          </a:pPr>
+          <a:endParaRPr lang="tr-TR" sz="1600" b="0" noProof="0">
+            <a:solidFill>
+              <a:schemeClr val="bg1">
+                <a:lumMod val="95000"/>
+              </a:schemeClr>
+            </a:solidFill>
+          </a:endParaRPr>
         </a:p>
       </dgm:t>
     </dgm:pt>
@@ -1163,7 +1207,47 @@
               </a:solidFill>
               <a:latin typeface="+mj-lt"/>
             </a:rPr>
-            <a:t>Hilal Dedek</a:t>
+            <a:t>Hilal </a:t>
+          </a:r>
+          <a:r>
+            <a:rPr lang="tr-TR" sz="2000" b="0" noProof="0" err="1">
+              <a:solidFill>
+                <a:schemeClr val="bg1">
+                  <a:lumMod val="95000"/>
+                </a:schemeClr>
+              </a:solidFill>
+              <a:latin typeface="+mj-lt"/>
+            </a:rPr>
+            <a:t>Dedek</a:t>
+          </a:r>
+          <a:endParaRPr lang="tr-TR" sz="1600" b="0" noProof="0">
+            <a:solidFill>
+              <a:schemeClr val="bg1">
+                <a:lumMod val="95000"/>
+              </a:schemeClr>
+            </a:solidFill>
+            <a:latin typeface="+mj-lt"/>
+          </a:endParaRPr>
+        </a:p>
+        <a:p>
+          <a:pPr algn="ctr" rtl="0">
+            <a:lnSpc>
+              <a:spcPct val="100000"/>
+            </a:lnSpc>
+            <a:defRPr b="1" spc="20">
+              <a:latin typeface="+mj-lt"/>
+            </a:defRPr>
+          </a:pPr>
+          <a:r>
+            <a:rPr lang="tr-TR" sz="1600" b="0" noProof="0">
+              <a:solidFill>
+                <a:schemeClr val="bg1">
+                  <a:lumMod val="95000"/>
+                </a:schemeClr>
+              </a:solidFill>
+              <a:latin typeface="+mj-lt"/>
+            </a:rPr>
+            <a:t>İş Analisti</a:t>
           </a:r>
         </a:p>
         <a:p>
@@ -1186,6 +1270,7 @@
             </a:rPr>
             <a:t>Yazılım Geliştirici</a:t>
           </a:r>
+          <a:endParaRPr lang="tr-TR" sz="1600"/>
         </a:p>
         <a:p>
           <a:pPr algn="ctr">
@@ -1544,7 +1629,7 @@
           </a:blip>
           <a:srcRect/>
           <a:stretch>
-            <a:fillRect t="-24000" b="-24000"/>
+            <a:fillRect t="-25000" b="-25000"/>
           </a:stretch>
         </a:blipFill>
       </dgm:spPr>
@@ -1828,7 +1913,54 @@
               </a:solidFill>
               <a:latin typeface="+mj-lt"/>
             </a:rPr>
-            <a:t>Hilal Dedek</a:t>
+            <a:t>Hilal </a:t>
+          </a:r>
+          <a:r>
+            <a:rPr lang="tr-TR" sz="2000" b="0" kern="1200" noProof="0" err="1">
+              <a:solidFill>
+                <a:schemeClr val="bg1">
+                  <a:lumMod val="95000"/>
+                </a:schemeClr>
+              </a:solidFill>
+              <a:latin typeface="+mj-lt"/>
+            </a:rPr>
+            <a:t>Dedek</a:t>
+          </a:r>
+          <a:endParaRPr lang="tr-TR" sz="1600" b="0" kern="1200" noProof="0">
+            <a:solidFill>
+              <a:schemeClr val="bg1">
+                <a:lumMod val="95000"/>
+              </a:schemeClr>
+            </a:solidFill>
+            <a:latin typeface="+mj-lt"/>
+          </a:endParaRPr>
+        </a:p>
+        <a:p>
+          <a:pPr marL="0" lvl="0" indent="0" algn="ctr" defTabSz="889000" rtl="0">
+            <a:lnSpc>
+              <a:spcPct val="100000"/>
+            </a:lnSpc>
+            <a:spcBef>
+              <a:spcPct val="0"/>
+            </a:spcBef>
+            <a:spcAft>
+              <a:spcPct val="35000"/>
+            </a:spcAft>
+            <a:buNone/>
+            <a:defRPr b="1" spc="20">
+              <a:latin typeface="+mj-lt"/>
+            </a:defRPr>
+          </a:pPr>
+          <a:r>
+            <a:rPr lang="tr-TR" sz="1600" b="0" kern="1200" noProof="0">
+              <a:solidFill>
+                <a:schemeClr val="bg1">
+                  <a:lumMod val="95000"/>
+                </a:schemeClr>
+              </a:solidFill>
+              <a:latin typeface="+mj-lt"/>
+            </a:rPr>
+            <a:t>İş Analisti</a:t>
           </a:r>
         </a:p>
         <a:p>
@@ -1858,6 +1990,7 @@
             </a:rPr>
             <a:t>Yazılım Geliştirici</a:t>
           </a:r>
+          <a:endParaRPr lang="tr-TR" sz="1600" kern="1200"/>
         </a:p>
         <a:p>
           <a:pPr marL="0" lvl="0" indent="0" algn="ctr" defTabSz="889000">
@@ -2108,12 +2241,49 @@
               <a:latin typeface="+mj-lt"/>
             </a:defRPr>
           </a:pPr>
+          <a:r>
+            <a:rPr lang="tr-TR" sz="1600" b="0" kern="1200" noProof="0">
+              <a:solidFill>
+                <a:schemeClr val="bg1">
+                  <a:lumMod val="95000"/>
+                </a:schemeClr>
+              </a:solidFill>
+              <a:latin typeface="Univers"/>
+            </a:rPr>
+            <a:t>Yazılım Geliştirici</a:t>
+          </a:r>
           <a:endParaRPr lang="tr-TR" sz="2000" b="0" kern="1200" noProof="0">
             <a:solidFill>
               <a:schemeClr val="bg1">
                 <a:lumMod val="95000"/>
               </a:schemeClr>
             </a:solidFill>
+            <a:latin typeface="Univers"/>
+          </a:endParaRPr>
+        </a:p>
+        <a:p>
+          <a:pPr marL="0" lvl="0" indent="0" algn="ctr" defTabSz="889000" rtl="0">
+            <a:lnSpc>
+              <a:spcPct val="100000"/>
+            </a:lnSpc>
+            <a:spcBef>
+              <a:spcPct val="0"/>
+            </a:spcBef>
+            <a:spcAft>
+              <a:spcPct val="35000"/>
+            </a:spcAft>
+            <a:buNone/>
+            <a:defRPr b="1" spc="20">
+              <a:latin typeface="+mj-lt"/>
+            </a:defRPr>
+          </a:pPr>
+          <a:endParaRPr lang="tr-TR" sz="2000" b="0" kern="1200" noProof="0">
+            <a:solidFill>
+              <a:schemeClr val="bg1">
+                <a:lumMod val="95000"/>
+              </a:schemeClr>
+            </a:solidFill>
+            <a:latin typeface="Univers"/>
           </a:endParaRPr>
         </a:p>
       </dsp:txBody>
@@ -2271,24 +2441,7 @@
             </a:rPr>
             <a:t>Barış Keskin</a:t>
           </a:r>
-        </a:p>
-        <a:p>
-          <a:pPr marL="0" lvl="0" indent="0" algn="ctr" defTabSz="889000">
-            <a:lnSpc>
-              <a:spcPct val="100000"/>
-            </a:lnSpc>
-            <a:spcBef>
-              <a:spcPct val="0"/>
-            </a:spcBef>
-            <a:spcAft>
-              <a:spcPct val="35000"/>
-            </a:spcAft>
-            <a:buNone/>
-            <a:defRPr b="1" spc="20">
-              <a:latin typeface="+mj-lt"/>
-            </a:defRPr>
-          </a:pPr>
-          <a:endParaRPr lang="tr-TR" sz="800" b="0" kern="1200" noProof="0">
+          <a:endParaRPr lang="tr-TR" sz="1600" b="0" kern="1200" noProof="0">
             <a:solidFill>
               <a:schemeClr val="bg1">
                 <a:lumMod val="95000"/>
@@ -2315,13 +2468,40 @@
           <a:r>
             <a:rPr lang="tr-TR" sz="1600" b="0" kern="1200" noProof="0">
               <a:solidFill>
-                <a:schemeClr val="bg1">
-                  <a:lumMod val="95000"/>
-                </a:schemeClr>
+                <a:schemeClr val="bg1"/>
               </a:solidFill>
             </a:rPr>
-            <a:t>UI/UX Designer</a:t>
+            <a:t>Analiz ve Tasarım Uzmanı</a:t>
           </a:r>
+          <a:endParaRPr lang="tr-TR" sz="1600" b="0" kern="1200">
+            <a:solidFill>
+              <a:schemeClr val="bg1"/>
+            </a:solidFill>
+          </a:endParaRPr>
+        </a:p>
+        <a:p>
+          <a:pPr marL="0" lvl="0" indent="0" algn="ctr" defTabSz="889000">
+            <a:lnSpc>
+              <a:spcPct val="100000"/>
+            </a:lnSpc>
+            <a:spcBef>
+              <a:spcPct val="0"/>
+            </a:spcBef>
+            <a:spcAft>
+              <a:spcPct val="35000"/>
+            </a:spcAft>
+            <a:buNone/>
+            <a:defRPr b="1" spc="20">
+              <a:latin typeface="+mj-lt"/>
+            </a:defRPr>
+          </a:pPr>
+          <a:endParaRPr lang="tr-TR" sz="1600" b="0" kern="1200" noProof="0">
+            <a:solidFill>
+              <a:schemeClr val="bg1">
+                <a:lumMod val="95000"/>
+              </a:schemeClr>
+            </a:solidFill>
+          </a:endParaRPr>
         </a:p>
       </dsp:txBody>
       <dsp:txXfrm>
@@ -2384,7 +2564,7 @@
           </a:blip>
           <a:srcRect/>
           <a:stretch>
-            <a:fillRect t="-24000" b="-24000"/>
+            <a:fillRect t="-25000" b="-25000"/>
           </a:stretch>
         </a:blipFill>
         <a:ln w="12700" cap="flat" cmpd="sng" algn="ctr">
@@ -4066,7 +4246,7 @@
           <a:p>
             <a:fld id="{AF536ADF-3EC2-4D6F-9F7F-1F88E3288139}" type="datetime1">
               <a:rPr lang="tr-TR" smtClean="0"/>
-              <a:t>24.03.2024</a:t>
+              <a:t>25.03.2024</a:t>
             </a:fld>
             <a:endParaRPr lang="tr-TR"/>
           </a:p>
@@ -4168,62 +4348,6 @@
     <inkml:context xml:id="ctx0">
       <inkml:inkSource xml:id="inkSrc0">
         <inkml:traceFormat>
-          <inkml:channel name="X" type="integer" min="-2.14748E9" max="2.14748E9" units="cm"/>
-          <inkml:channel name="Y" type="integer" min="-2.14748E9" max="2.14748E9" units="cm"/>
-          <inkml:channel name="F" type="integer" max="32767" units="dev"/>
-        </inkml:traceFormat>
-        <inkml:channelProperties>
-          <inkml:channelProperty channel="X" name="resolution" value="1000" units="1/cm"/>
-          <inkml:channelProperty channel="Y" name="resolution" value="1000" units="1/cm"/>
-          <inkml:channelProperty channel="F" name="resolution" value="0" units="1/dev"/>
-        </inkml:channelProperties>
-      </inkml:inkSource>
-      <inkml:timestamp xml:id="ts0" timeString="2024-03-21T09:50:30.368"/>
-    </inkml:context>
-    <inkml:brush xml:id="br0">
-      <inkml:brushProperty name="width" value="0.35" units="cm"/>
-      <inkml:brushProperty name="height" value="0.35" units="cm"/>
-      <inkml:brushProperty name="color" value="#FFFFFF"/>
-    </inkml:brush>
-  </inkml:definitions>
-  <inkml:trace contextRef="#ctx0" brushRef="#br0">1380 1 24575,'-1'6'0,"0"-1"0,0 1 0,0-1 0,-1 1 0,0-1 0,0 0 0,0 0 0,-1 0 0,-3 6 0,-14 31 0,8 11 0,2 1 0,-4 84 0,12-110 0,0 1 0,-2-1 0,-1 0 0,-2-1 0,0 1 0,-14 30 0,11-28 0,0 1 0,2 0 0,2 0 0,-4 37 0,5-33 0,-24 135 0,23-111 0,2-1 0,7 75 0,-1-26 0,-2-80 0,0 0 0,2 0 0,1 0 0,12 50 0,-9-55 0,-4-14 0,0 1 0,0-1 0,1 0 0,0 0 0,5 8 0,-4-16 0,-2-10 0,0-10 0,-1-464 0,-3 230 0,2 767 0,-2-492 0,-1 0 0,0 0 0,-2 0 0,0 0 0,-1-1 0,-15 34 0,4-11 0,-9 19 0,17-45 0,2 0 0,0 0 0,1 1 0,-6 33 0,-16 204 0,25-232 0,-1-1 0,-1 1 0,-1-1 0,-1 0 0,-1 0 0,-1-1 0,0 0 0,-17 26 0,17-29 0,1 1 0,0-1 0,1 2 0,2-1 0,0 1 0,1 0 0,-3 31 0,5-39 0,-1 1 0,0 0 0,-1-1 0,-1 1 0,0-1 0,0 0 0,-1-1 0,-1 1 0,0-1 0,0-1 0,-1 1 0,0-1 0,-1-1 0,0 1 0,-1-1 0,-14 10 0,23-18 0,0 0 0,-1-1 0,1 1 0,0 0 0,0-1 0,0 1 0,-1 0 0,1-1 0,0 1 0,-1-1 0,1 0 0,0 0 0,-1 1 0,1-1 0,0 0 0,-1 0 0,1 0 0,0 0 0,-1 0 0,1-1 0,-1 1 0,1 0 0,0-1 0,0 1 0,-1-1 0,1 1 0,0-1 0,0 1 0,-1-1 0,1 0 0,0 0 0,0 0 0,0 1 0,0-1 0,0 0 0,0 0 0,0-1 0,1 1 0,-1 0 0,0 0 0,0 0 0,1 0 0,-1-1 0,1 1 0,-1-3 0,-3-7 0,1 0 0,1 0 0,0-1 0,-1-17 0,2 14 0,-38-380 0,36 353 0,3 33 0,0-1 0,0 1 0,-1 0 0,-1-1 0,0 1 0,0 0 0,0 0 0,-1 0 0,-8-15 0,3 9 0,0-1 0,1 0 0,0 0 0,1-1 0,1 0 0,1 0 0,-3-28 0,3-6 0,3-65 0,1 83 0,1 30 0,-1-1 0,0 0 0,0 0 0,-1 1 0,1-1 0,-1 0 0,0 0 0,0 1 0,0-1 0,0 1 0,-1-1 0,0 1 0,1 0 0,-5-6 0,4 7 0,0 1 0,0-1 0,0 1 0,0 0 0,0 0 0,0 0 0,0 0 0,-1 0 0,1 0 0,0 0 0,-1 1 0,1-1 0,-1 1 0,1 0 0,-1-1 0,1 1 0,-1 0 0,1 1 0,-1-1 0,1 0 0,0 1 0,-1-1 0,1 1 0,-4 1 0,-38 14 0,1 1 0,0 3 0,-71 44 0,-6 3 0,-58 13 0,170-74 342</inkml:trace>
-</inkml:ink>
-</file>
-
-<file path=ppt/ink/ink2.xml><?xml version="1.0" encoding="utf-8"?>
-<inkml:ink xmlns:inkml="http://www.w3.org/2003/InkML">
-  <inkml:definitions>
-    <inkml:context xml:id="ctx0">
-      <inkml:inkSource xml:id="inkSrc0">
-        <inkml:traceFormat>
-          <inkml:channel name="X" type="integer" min="-2.14748E9" max="2.14748E9" units="cm"/>
-          <inkml:channel name="Y" type="integer" min="-2.14748E9" max="2.14748E9" units="cm"/>
-          <inkml:channel name="F" type="integer" max="32767" units="dev"/>
-        </inkml:traceFormat>
-        <inkml:channelProperties>
-          <inkml:channelProperty channel="X" name="resolution" value="1000" units="1/cm"/>
-          <inkml:channelProperty channel="Y" name="resolution" value="1000" units="1/cm"/>
-          <inkml:channelProperty channel="F" name="resolution" value="0" units="1/dev"/>
-        </inkml:channelProperties>
-      </inkml:inkSource>
-      <inkml:timestamp xml:id="ts0" timeString="2024-03-21T09:50:46.429"/>
-    </inkml:context>
-    <inkml:brush xml:id="br0">
-      <inkml:brushProperty name="width" value="0.35" units="cm"/>
-      <inkml:brushProperty name="height" value="0.35" units="cm"/>
-      <inkml:brushProperty name="color" value="#FFFFFF"/>
-    </inkml:brush>
-  </inkml:definitions>
-  <inkml:trace contextRef="#ctx0" brushRef="#br0">314 0 24575,'1'1'0,"1"-1"0,-1 0 0,0 1 0,0 0 0,0-1 0,0 1 0,0 0 0,0-1 0,0 1 0,0 0 0,0 0 0,0 0 0,0 0 0,0 0 0,0 0 0,-1 0 0,1 0 0,0 0 0,-1 0 0,1 1 0,-1-1 0,0 0 0,1 0 0,-1 0 0,0 1 0,0-1 0,1 0 0,-1 2 0,4 42 0,-3-40 0,1 411 0,-4-214 0,3-127 0,1-28 0,-2 0 0,-13 93 0,2-63 0,4 0 0,3 0 0,7 81 0,-1-27 0,-1-33 0,-3 115 0,0-198 0,0-1 0,-2 0 0,0 0 0,0-1 0,-1 1 0,-10 18 0,7-15 0,0 1 0,1 0 0,-4 22 0,8-28 0,1 1 0,0 1 0,1-1 0,1 0 0,0 0 0,1 0 0,0 1 0,1-1 0,1 0 0,0-1 0,0 1 0,10 21 0,-6-16 0,-2 0 0,1-1 0,-2 2 0,-1-1 0,3 36 0,-7 97 0,-1-65 0,2 1448 0,-3-1508 0,-1 1 0,0-1 0,-2 0 0,-1-1 0,-12 30 0,4-12 0,2 0 0,1 1 0,-9 72 0,17-86 0,-19 282 0,21-181 0,6 128 0,-2-239 0,2-1 0,1 0 0,0 0 0,9 19 0,-5-12 0,-8-24 0,-1 1 0,1-1 0,0 0 0,0 0 0,0 0 0,0 0 0,0 0 0,0 0 0,0 0 0,1-1 0,-1 1 0,1 0 0,-1-1 0,1 1 0,0-1 0,-1 1 0,1-1 0,0 0 0,0 0 0,0 1 0,0-2 0,0 1 0,0 0 0,1 0 0,2 0 0,-2-1 0,0 0 0,1-1 0,-1 1 0,0-1 0,0 0 0,0 0 0,0 0 0,-1 0 0,1 0 0,0-1 0,0 1 0,-1-1 0,1 0 0,-1 0 0,1 0 0,-1 0 0,0 0 0,4-5 0,14-19 0,-1-2 0,-1 0 0,24-52 0,-15 26 0,-18 37 0,-2 0 0,0-1 0,-1 1 0,-1-1 0,0 0 0,-2-1 0,3-21 0,-3-16 0,-5-59 0,0 37 0,2 67 0,1 7 0,-1-1 0,0 0 0,0 0 0,0 1 0,-1-1 0,1 0 0,-1 1 0,0-1 0,0 0 0,-1 1 0,0-1 0,-2-4 0,4 9 0,0 0 0,0 0 0,-1 0 0,1 0 0,0 0 0,0 0 0,-1 0 0,1 0 0,0 1 0,0-1 0,0 0 0,-1 0 0,1 0 0,0 0 0,0 0 0,0 0 0,-1 0 0,1 1 0,0-1 0,0 0 0,0 0 0,-1 0 0,1 0 0,0 1 0,0-1 0,0 0 0,0 0 0,0 1 0,0-1 0,-1 0 0,1 0 0,0 0 0,0 1 0,0-1 0,0 0 0,0 0 0,0 1 0,0-1 0,0 0 0,0 0 0,0 1 0,-15 46 0,-16 94 0,22-96 0,-5 35 0,-5 140 0,19 83 0,2-126 0,-1-157 0,2 0 0,0-1 0,1 1 0,12 35 0,3 11 0,30 188 0,-42-192 0,-3 1 0,-5 93 0,-1-47 0,3-11 0,-3 110 0,-2-180 0,-1-1 0,-1 1 0,-17 47 0,12-41 0,-13 59 0,6 1 0,-37 109 0,29-140 0,20-52 0,0 0 0,1 1 0,1 0 0,0 0 0,1 0 0,-3 15 0,-19 193 0,20-191 0,-2 1 0,-20 55 0,17-57 0,2-1 0,0 1 0,-6 44 0,-12 186 0,13-161 0,-39 135 0,-7 49 0,51-193 0,8 152 0,2-100 0,-2-90 0,1 60 0,-1-108 0,0 0 0,0-1 0,0 1 0,0 0 0,0 0 0,1-1 0,-1 1 0,0 0 0,1-1 0,0 1 0,-1-1 0,1 1 0,0-1 0,0 1 0,0-1 0,0 1 0,0-1 0,0 0 0,2 2 0,-3-2 0,1-1 0,0 0 0,0 0 0,0 0 0,0 0 0,0 0 0,0 0 0,0 0 0,0 0 0,0 0 0,0-1 0,0 1 0,0 0 0,0-1 0,-1 1 0,1 0 0,0-1 0,0 1 0,0-1 0,0 1 0,-1-1 0,1 0 0,0 1 0,0-2 0,7-5 0,-1-1 0,0-1 0,0 1 0,8-16 0,90-134 0,27-48 0,-119 182 0,-2-1 0,-2-1 0,0 0 0,-1 0 0,-2-1 0,-1 0 0,3-33 0,-3-197 0,-6 168 0,2 8 0,-3-83 0,2 162 0,0-1 0,0 1 0,-1-1 0,1 0 0,0 1 0,-1-1 0,0 1 0,0-1 0,1 1 0,-2 0 0,1-1 0,0 1 0,0 0 0,-1 0 0,1-1 0,-1 1 0,0 1 0,-2-4 0,4 5 0,-1-1 0,0 1 0,0 0 0,0-1 0,0 1 0,0 0 0,0 0 0,0-1 0,0 1 0,0 0 0,0 0 0,0 0 0,0 0 0,0 0 0,0 1 0,0-1 0,0 0 0,0 0 0,-1 1 0,-1 0 0,0 1 0,0-1 0,1 1 0,-1 0 0,0 0 0,1 0 0,-1 0 0,-2 4 0,-9 10 0,1 1 0,0 0 0,2 1 0,0 0 0,-12 30 0,-35 102 0,30-62 0,4 1 0,5 1 0,-16 166 0,12-111 0,14-106 0,3 0 0,-4 67 0,12 677 0,0-744 0,2 0 0,1 0 0,2-1 0,2 0 0,1 0 0,26 60 0,-33-90 0,0-1 0,1 1 0,0-1 0,1 0 0,-1 0 0,1-1 0,0 1 0,1-1 0,7 6 0,-11-10 0,1 1 0,0-1 0,1 0 0,-1-1 0,0 1 0,1 0 0,-1-1 0,0 0 0,1 0 0,0 0 0,-1 0 0,1-1 0,0 1 0,-1-1 0,1 0 0,0 0 0,-1 0 0,1-1 0,0 1 0,-1-1 0,1 0 0,5-2 0,12-7 0,0-1 0,-1 0 0,-1-2 0,0 0 0,0-1 0,-2-1 0,0-1 0,24-27 0,-31 32 0,0-1 0,-1 0 0,0-1 0,-1 0 0,12-23 0,-18 31 0,0-1 0,0 1 0,-1-1 0,1 0 0,-1 0 0,-1 1 0,1-1 0,-1 0 0,0 0 0,0 0 0,-1 0 0,1 0 0,-1 0 0,-1 1 0,1-1 0,-1 0 0,-4-8 0,-7-13 0,-32-43 0,29 46 0,-21-41 0,33 55 0,0-1 0,0 0 0,1 1 0,0-1 0,0 0 0,2 0 0,-2-19 0,6-212 0,-1 111 0,-2 1625 0,-13-1282 0,-1 7 0,15 608 0,-3-798 0,-1 0 0,-1 0 0,-11 40 0,-7 42 0,19-82 0,-2 19 0,-2 0 0,-1 0 0,-17 50 0,8-39 0,2 2 0,4 0 0,1 0 0,4 1 0,2 100 0,3-136 0,-1 0 0,-7 32 0,-2 25 0,6 401 0,8-268 0,-3-29 0,2-219 0,2-1 0,11-46 0,-4 20 0,3-2 0,3 1 0,28-66 0,22-76 0,-63 179 0,-2 0 0,0 0 0,-1 0 0,-2-31 0,-1 34 0,1 0 0,2 0 0,0 0 0,1 0 0,7-29 0,-9 50 0,0-1 0,0 0 0,0 0 0,0 0 0,0 0 0,0 0 0,0 0 0,0 0 0,1 0 0,-1 0 0,0 0 0,0 0 0,0 0 0,0 0 0,0 0 0,0 0 0,0 0 0,1 0 0,-1 0 0,0 0 0,0 0 0,0 0 0,0 0 0,0 0 0,0 0 0,0 0 0,1 0 0,-1 0 0,0 0 0,0 0 0,0 0 0,0 0 0,0 0 0,0 0 0,0 0 0,0 0 0,0 0 0,1 0 0,-1-1 0,0 1 0,0 0 0,0 0 0,0 0 0,0 0 0,0 0 0,0 0 0,0 0 0,0 0 0,0-1 0,0 1 0,0 0 0,0 0 0,0 0 0,0 0 0,0 0 0,0 0 0,0 0 0,0-1 0,4 18 0,0 28 0,-6 44 0,-4 0 0,-4-1 0,-4 0 0,-3-1 0,-47 140 0,53-194 0,2 1 0,2 0 0,0 0 0,3 0 0,1 1 0,3 65 0,4 625 0,-7-390 0,4-323 0,-1-1 0,2 1 0,-1-1 0,2 0 0,0 0 0,0 0 0,1 0 0,6 15 0,-6-19 0,0 0 0,0 0 0,1 0 0,-1-1 0,1 1 0,1-1 0,-1-1 0,1 1 0,0-1 0,1 0 0,-1 0 0,13 7 0,-12-10-105,-1 2 0,1-1 0,-1 1 0,0-1 0,0 2 0,0-1 0,0 1 0,-1 0 0,0 0 0,0 0 0,0 1 0,6 9 0</inkml:trace>
-</inkml:ink>
-</file>
-
-<file path=ppt/ink/ink3.xml><?xml version="1.0" encoding="utf-8"?>
-<inkml:ink xmlns:inkml="http://www.w3.org/2003/InkML">
-  <inkml:definitions>
-    <inkml:context xml:id="ctx0">
-      <inkml:inkSource xml:id="inkSrc0">
-        <inkml:traceFormat>
           <inkml:channel name="X" type="integer" min="-2.14748E9" max="2.14748E9" units="dev"/>
           <inkml:channel name="Y" type="integer" min="-2.14748E9" max="2.14748E9" units="dev"/>
         </inkml:traceFormat>
@@ -4303,6 +4427,62 @@
   <inkml:trace contextRef="#ctx0" brushRef="#br0">20846 19792,'106'368,"-463"-505</inkml:trace>
   <inkml:trace contextRef="#ctx0" brushRef="#br0">10955 21772,'1614'1905</inkml:trace>
   <inkml:trace contextRef="#ctx0" brushRef="#br0">12471 23276,'98'401,"-478"-564</inkml:trace>
+</inkml:ink>
+</file>
+
+<file path=ppt/ink/ink2.xml><?xml version="1.0" encoding="utf-8"?>
+<inkml:ink xmlns:inkml="http://www.w3.org/2003/InkML">
+  <inkml:definitions>
+    <inkml:context xml:id="ctx0">
+      <inkml:inkSource xml:id="inkSrc0">
+        <inkml:traceFormat>
+          <inkml:channel name="X" type="integer" min="-2.14748E9" max="2.14748E9" units="cm"/>
+          <inkml:channel name="Y" type="integer" min="-2.14748E9" max="2.14748E9" units="cm"/>
+          <inkml:channel name="F" type="integer" max="32767" units="dev"/>
+        </inkml:traceFormat>
+        <inkml:channelProperties>
+          <inkml:channelProperty channel="X" name="resolution" value="1000" units="1/cm"/>
+          <inkml:channelProperty channel="Y" name="resolution" value="1000" units="1/cm"/>
+          <inkml:channelProperty channel="F" name="resolution" value="0" units="1/dev"/>
+        </inkml:channelProperties>
+      </inkml:inkSource>
+      <inkml:timestamp xml:id="ts0" timeString="2024-03-21T09:50:30.368"/>
+    </inkml:context>
+    <inkml:brush xml:id="br0">
+      <inkml:brushProperty name="width" value="0.35" units="cm"/>
+      <inkml:brushProperty name="height" value="0.35" units="cm"/>
+      <inkml:brushProperty name="color" value="#FFFFFF"/>
+    </inkml:brush>
+  </inkml:definitions>
+  <inkml:trace contextRef="#ctx0" brushRef="#br0">1380 1 24575,'-1'6'0,"0"-1"0,0 1 0,0-1 0,-1 1 0,0-1 0,0 0 0,0 0 0,-1 0 0,-3 6 0,-14 31 0,8 11 0,2 1 0,-4 84 0,12-110 0,0 1 0,-2-1 0,-1 0 0,-2-1 0,0 1 0,-14 30 0,11-28 0,0 1 0,2 0 0,2 0 0,-4 37 0,5-33 0,-24 135 0,23-111 0,2-1 0,7 75 0,-1-26 0,-2-80 0,0 0 0,2 0 0,1 0 0,12 50 0,-9-55 0,-4-14 0,0 1 0,0-1 0,1 0 0,0 0 0,5 8 0,-4-16 0,-2-10 0,0-10 0,-1-464 0,-3 230 0,2 767 0,-2-492 0,-1 0 0,0 0 0,-2 0 0,0 0 0,-1-1 0,-15 34 0,4-11 0,-9 19 0,17-45 0,2 0 0,0 0 0,1 1 0,-6 33 0,-16 204 0,25-232 0,-1-1 0,-1 1 0,-1-1 0,-1 0 0,-1 0 0,-1-1 0,0 0 0,-17 26 0,17-29 0,1 1 0,0-1 0,1 2 0,2-1 0,0 1 0,1 0 0,-3 31 0,5-39 0,-1 1 0,0 0 0,-1-1 0,-1 1 0,0-1 0,0 0 0,-1-1 0,-1 1 0,0-1 0,0-1 0,-1 1 0,0-1 0,-1-1 0,0 1 0,-1-1 0,-14 10 0,23-18 0,0 0 0,-1-1 0,1 1 0,0 0 0,0-1 0,0 1 0,-1 0 0,1-1 0,0 1 0,-1-1 0,1 0 0,0 0 0,-1 1 0,1-1 0,0 0 0,-1 0 0,1 0 0,0 0 0,-1 0 0,1-1 0,-1 1 0,1 0 0,0-1 0,0 1 0,-1-1 0,1 1 0,0-1 0,0 1 0,-1-1 0,1 0 0,0 0 0,0 0 0,0 1 0,0-1 0,0 0 0,0 0 0,0-1 0,1 1 0,-1 0 0,0 0 0,0 0 0,1 0 0,-1-1 0,1 1 0,-1-3 0,-3-7 0,1 0 0,1 0 0,0-1 0,-1-17 0,2 14 0,-38-380 0,36 353 0,3 33 0,0-1 0,0 1 0,-1 0 0,-1-1 0,0 1 0,0 0 0,0 0 0,-1 0 0,-8-15 0,3 9 0,0-1 0,1 0 0,0 0 0,1-1 0,1 0 0,1 0 0,-3-28 0,3-6 0,3-65 0,1 83 0,1 30 0,-1-1 0,0 0 0,0 0 0,-1 1 0,1-1 0,-1 0 0,0 0 0,0 1 0,0-1 0,0 1 0,-1-1 0,0 1 0,1 0 0,-5-6 0,4 7 0,0 1 0,0-1 0,0 1 0,0 0 0,0 0 0,0 0 0,0 0 0,-1 0 0,1 0 0,0 0 0,-1 1 0,1-1 0,-1 1 0,1 0 0,-1-1 0,1 1 0,-1 0 0,1 1 0,-1-1 0,1 0 0,0 1 0,-1-1 0,1 1 0,-4 1 0,-38 14 0,1 1 0,0 3 0,-71 44 0,-6 3 0,-58 13 0,170-74 342</inkml:trace>
+</inkml:ink>
+</file>
+
+<file path=ppt/ink/ink3.xml><?xml version="1.0" encoding="utf-8"?>
+<inkml:ink xmlns:inkml="http://www.w3.org/2003/InkML">
+  <inkml:definitions>
+    <inkml:context xml:id="ctx0">
+      <inkml:inkSource xml:id="inkSrc0">
+        <inkml:traceFormat>
+          <inkml:channel name="X" type="integer" min="-2.14748E9" max="2.14748E9" units="cm"/>
+          <inkml:channel name="Y" type="integer" min="-2.14748E9" max="2.14748E9" units="cm"/>
+          <inkml:channel name="F" type="integer" max="32767" units="dev"/>
+        </inkml:traceFormat>
+        <inkml:channelProperties>
+          <inkml:channelProperty channel="X" name="resolution" value="1000" units="1/cm"/>
+          <inkml:channelProperty channel="Y" name="resolution" value="1000" units="1/cm"/>
+          <inkml:channelProperty channel="F" name="resolution" value="0" units="1/dev"/>
+        </inkml:channelProperties>
+      </inkml:inkSource>
+      <inkml:timestamp xml:id="ts0" timeString="2024-03-21T09:50:46.429"/>
+    </inkml:context>
+    <inkml:brush xml:id="br0">
+      <inkml:brushProperty name="width" value="0.35" units="cm"/>
+      <inkml:brushProperty name="height" value="0.35" units="cm"/>
+      <inkml:brushProperty name="color" value="#FFFFFF"/>
+    </inkml:brush>
+  </inkml:definitions>
+  <inkml:trace contextRef="#ctx0" brushRef="#br0">314 0 24575,'1'1'0,"1"-1"0,-1 0 0,0 1 0,0 0 0,0-1 0,0 1 0,0 0 0,0-1 0,0 1 0,0 0 0,0 0 0,0 0 0,0 0 0,0 0 0,0 0 0,-1 0 0,1 0 0,0 0 0,-1 0 0,1 1 0,-1-1 0,0 0 0,1 0 0,-1 0 0,0 1 0,0-1 0,1 0 0,-1 2 0,4 42 0,-3-40 0,1 411 0,-4-214 0,3-127 0,1-28 0,-2 0 0,-13 93 0,2-63 0,4 0 0,3 0 0,7 81 0,-1-27 0,-1-33 0,-3 115 0,0-198 0,0-1 0,-2 0 0,0 0 0,0-1 0,-1 1 0,-10 18 0,7-15 0,0 1 0,1 0 0,-4 22 0,8-28 0,1 1 0,0 1 0,1-1 0,1 0 0,0 0 0,1 0 0,0 1 0,1-1 0,1 0 0,0-1 0,0 1 0,10 21 0,-6-16 0,-2 0 0,1-1 0,-2 2 0,-1-1 0,3 36 0,-7 97 0,-1-65 0,2 1448 0,-3-1508 0,-1 1 0,0-1 0,-2 0 0,-1-1 0,-12 30 0,4-12 0,2 0 0,1 1 0,-9 72 0,17-86 0,-19 282 0,21-181 0,6 128 0,-2-239 0,2-1 0,1 0 0,0 0 0,9 19 0,-5-12 0,-8-24 0,-1 1 0,1-1 0,0 0 0,0 0 0,0 0 0,0 0 0,0 0 0,0 0 0,0 0 0,1-1 0,-1 1 0,1 0 0,-1-1 0,1 1 0,0-1 0,-1 1 0,1-1 0,0 0 0,0 0 0,0 1 0,0-2 0,0 1 0,0 0 0,1 0 0,2 0 0,-2-1 0,0 0 0,1-1 0,-1 1 0,0-1 0,0 0 0,0 0 0,0 0 0,-1 0 0,1 0 0,0-1 0,0 1 0,-1-1 0,1 0 0,-1 0 0,1 0 0,-1 0 0,0 0 0,4-5 0,14-19 0,-1-2 0,-1 0 0,24-52 0,-15 26 0,-18 37 0,-2 0 0,0-1 0,-1 1 0,-1-1 0,0 0 0,-2-1 0,3-21 0,-3-16 0,-5-59 0,0 37 0,2 67 0,1 7 0,-1-1 0,0 0 0,0 0 0,0 1 0,-1-1 0,1 0 0,-1 1 0,0-1 0,0 0 0,-1 1 0,0-1 0,-2-4 0,4 9 0,0 0 0,0 0 0,-1 0 0,1 0 0,0 0 0,0 0 0,-1 0 0,1 0 0,0 1 0,0-1 0,0 0 0,-1 0 0,1 0 0,0 0 0,0 0 0,0 0 0,-1 0 0,1 1 0,0-1 0,0 0 0,0 0 0,-1 0 0,1 0 0,0 1 0,0-1 0,0 0 0,0 0 0,0 1 0,0-1 0,-1 0 0,1 0 0,0 0 0,0 1 0,0-1 0,0 0 0,0 0 0,0 1 0,0-1 0,0 0 0,0 0 0,0 1 0,-15 46 0,-16 94 0,22-96 0,-5 35 0,-5 140 0,19 83 0,2-126 0,-1-157 0,2 0 0,0-1 0,1 1 0,12 35 0,3 11 0,30 188 0,-42-192 0,-3 1 0,-5 93 0,-1-47 0,3-11 0,-3 110 0,-2-180 0,-1-1 0,-1 1 0,-17 47 0,12-41 0,-13 59 0,6 1 0,-37 109 0,29-140 0,20-52 0,0 0 0,1 1 0,1 0 0,0 0 0,1 0 0,-3 15 0,-19 193 0,20-191 0,-2 1 0,-20 55 0,17-57 0,2-1 0,0 1 0,-6 44 0,-12 186 0,13-161 0,-39 135 0,-7 49 0,51-193 0,8 152 0,2-100 0,-2-90 0,1 60 0,-1-108 0,0 0 0,0-1 0,0 1 0,0 0 0,0 0 0,1-1 0,-1 1 0,0 0 0,1-1 0,0 1 0,-1-1 0,1 1 0,0-1 0,0 1 0,0-1 0,0 1 0,0-1 0,0 0 0,2 2 0,-3-2 0,1-1 0,0 0 0,0 0 0,0 0 0,0 0 0,0 0 0,0 0 0,0 0 0,0 0 0,0 0 0,0-1 0,0 1 0,0 0 0,0-1 0,-1 1 0,1 0 0,0-1 0,0 1 0,0-1 0,0 1 0,-1-1 0,1 0 0,0 1 0,0-2 0,7-5 0,-1-1 0,0-1 0,0 1 0,8-16 0,90-134 0,27-48 0,-119 182 0,-2-1 0,-2-1 0,0 0 0,-1 0 0,-2-1 0,-1 0 0,3-33 0,-3-197 0,-6 168 0,2 8 0,-3-83 0,2 162 0,0-1 0,0 1 0,-1-1 0,1 0 0,0 1 0,-1-1 0,0 1 0,0-1 0,1 1 0,-2 0 0,1-1 0,0 1 0,0 0 0,-1 0 0,1-1 0,-1 1 0,0 1 0,-2-4 0,4 5 0,-1-1 0,0 1 0,0 0 0,0-1 0,0 1 0,0 0 0,0 0 0,0-1 0,0 1 0,0 0 0,0 0 0,0 0 0,0 0 0,0 0 0,0 1 0,0-1 0,0 0 0,0 0 0,-1 1 0,-1 0 0,0 1 0,0-1 0,1 1 0,-1 0 0,0 0 0,1 0 0,-1 0 0,-2 4 0,-9 10 0,1 1 0,0 0 0,2 1 0,0 0 0,-12 30 0,-35 102 0,30-62 0,4 1 0,5 1 0,-16 166 0,12-111 0,14-106 0,3 0 0,-4 67 0,12 677 0,0-744 0,2 0 0,1 0 0,2-1 0,2 0 0,1 0 0,26 60 0,-33-90 0,0-1 0,1 1 0,0-1 0,1 0 0,-1 0 0,1-1 0,0 1 0,1-1 0,7 6 0,-11-10 0,1 1 0,0-1 0,1 0 0,-1-1 0,0 1 0,1 0 0,-1-1 0,0 0 0,1 0 0,0 0 0,-1 0 0,1-1 0,0 1 0,-1-1 0,1 0 0,0 0 0,-1 0 0,1-1 0,0 1 0,-1-1 0,1 0 0,5-2 0,12-7 0,0-1 0,-1 0 0,-1-2 0,0 0 0,0-1 0,-2-1 0,0-1 0,24-27 0,-31 32 0,0-1 0,-1 0 0,0-1 0,-1 0 0,12-23 0,-18 31 0,0-1 0,0 1 0,-1-1 0,1 0 0,-1 0 0,-1 1 0,1-1 0,-1 0 0,0 0 0,0 0 0,-1 0 0,1 0 0,-1 0 0,-1 1 0,1-1 0,-1 0 0,-4-8 0,-7-13 0,-32-43 0,29 46 0,-21-41 0,33 55 0,0-1 0,0 0 0,1 1 0,0-1 0,0 0 0,2 0 0,-2-19 0,6-212 0,-1 111 0,-2 1625 0,-13-1282 0,-1 7 0,15 608 0,-3-798 0,-1 0 0,-1 0 0,-11 40 0,-7 42 0,19-82 0,-2 19 0,-2 0 0,-1 0 0,-17 50 0,8-39 0,2 2 0,4 0 0,1 0 0,4 1 0,2 100 0,3-136 0,-1 0 0,-7 32 0,-2 25 0,6 401 0,8-268 0,-3-29 0,2-219 0,2-1 0,11-46 0,-4 20 0,3-2 0,3 1 0,28-66 0,22-76 0,-63 179 0,-2 0 0,0 0 0,-1 0 0,-2-31 0,-1 34 0,1 0 0,2 0 0,0 0 0,1 0 0,7-29 0,-9 50 0,0-1 0,0 0 0,0 0 0,0 0 0,0 0 0,0 0 0,0 0 0,0 0 0,1 0 0,-1 0 0,0 0 0,0 0 0,0 0 0,0 0 0,0 0 0,0 0 0,0 0 0,1 0 0,-1 0 0,0 0 0,0 0 0,0 0 0,0 0 0,0 0 0,0 0 0,0 0 0,1 0 0,-1 0 0,0 0 0,0 0 0,0 0 0,0 0 0,0 0 0,0 0 0,0 0 0,0 0 0,0 0 0,1 0 0,-1-1 0,0 1 0,0 0 0,0 0 0,0 0 0,0 0 0,0 0 0,0 0 0,0 0 0,0 0 0,0-1 0,0 1 0,0 0 0,0 0 0,0 0 0,0 0 0,0 0 0,0 0 0,0 0 0,0-1 0,4 18 0,0 28 0,-6 44 0,-4 0 0,-4-1 0,-4 0 0,-3-1 0,-47 140 0,53-194 0,2 1 0,2 0 0,0 0 0,3 0 0,1 1 0,3 65 0,4 625 0,-7-390 0,4-323 0,-1-1 0,2 1 0,-1-1 0,2 0 0,0 0 0,0 0 0,1 0 0,6 15 0,-6-19 0,0 0 0,0 0 0,1 0 0,-1-1 0,1 1 0,1-1 0,-1-1 0,1 1 0,0-1 0,1 0 0,-1 0 0,13 7 0,-12-10-105,-1 2 0,1-1 0,-1 1 0,0-1 0,0 2 0,0-1 0,0 1 0,-1 0 0,0 0 0,0 0 0,0 1 0,6 9 0</inkml:trace>
 </inkml:ink>
 </file>
 
@@ -4390,7 +4570,7 @@
             <a:pPr rtl="0"/>
             <a:fld id="{BA214D3A-912A-4866-90B4-0232CEDB2416}" type="datetime1">
               <a:rPr lang="tr-TR" noProof="0" smtClean="0"/>
-              <a:t>24.03.2024</a:t>
+              <a:t>25.03.2024</a:t>
             </a:fld>
             <a:endParaRPr lang="tr-TR" noProof="0"/>
           </a:p>
@@ -4705,7 +4885,7 @@
           <a:bodyPr/>
           <a:lstStyle/>
           <a:p>
-            <a:endParaRPr lang="tr-TR"/>
+            <a:endParaRPr lang="tr-TR" dirty="0"/>
           </a:p>
         </p:txBody>
       </p:sp>
@@ -4897,7 +5077,7 @@
             <a:pPr rtl="0"/>
             <a:fld id="{D5939589-3E79-4C82-AA4A-FE78234FAA59}" type="slidenum">
               <a:rPr lang="tr-TR" smtClean="0"/>
-              <a:t>4</a:t>
+              <a:t>11</a:t>
             </a:fld>
             <a:endParaRPr lang="tr-TR"/>
           </a:p>
@@ -4982,7 +5162,7 @@
             <a:pPr rtl="0"/>
             <a:fld id="{D5939589-3E79-4C82-AA4A-FE78234FAA59}" type="slidenum">
               <a:rPr lang="tr-TR" smtClean="0"/>
-              <a:t>12</a:t>
+              <a:t>13</a:t>
             </a:fld>
             <a:endParaRPr lang="tr-TR"/>
           </a:p>
@@ -15825,8 +16005,8 @@
         </p:nvSpPr>
         <p:spPr>
           <a:xfrm>
-            <a:off x="7315201" y="4404049"/>
-            <a:ext cx="3067050" cy="523220"/>
+            <a:off x="6908800" y="4424369"/>
+            <a:ext cx="5537200" cy="523220"/>
           </a:xfrm>
           <a:prstGeom prst="rect">
             <a:avLst/>
@@ -15840,6 +16020,17 @@
           <a:lstStyle/>
           <a:p>
             <a:r>
+              <a:rPr lang="tr-TR" sz="2800" err="1">
+                <a:solidFill>
+                  <a:schemeClr val="accent5">
+                    <a:lumMod val="20000"/>
+                    <a:lumOff val="80000"/>
+                  </a:schemeClr>
+                </a:solidFill>
+              </a:rPr>
+              <a:t>ECompany</a:t>
+            </a:r>
+            <a:r>
               <a:rPr lang="tr-TR" sz="2800">
                 <a:solidFill>
                   <a:schemeClr val="accent5">
@@ -15848,8 +16039,154 @@
                   </a:schemeClr>
                 </a:solidFill>
               </a:rPr>
-              <a:t>Gururla sunar…</a:t>
+              <a:t> gururla sunar…</a:t>
             </a:r>
+          </a:p>
+        </p:txBody>
+      </p:sp>
+      <p:sp>
+        <p:nvSpPr>
+          <p:cNvPr id="3" name="Footer Placeholder 4">
+            <a:extLst>
+              <a:ext uri="{FF2B5EF4-FFF2-40B4-BE49-F238E27FC236}">
+                <a16:creationId xmlns:a16="http://schemas.microsoft.com/office/drawing/2014/main" id="{C2265E99-E8AB-79BA-875D-ABAF2B4B67C4}"/>
+              </a:ext>
+            </a:extLst>
+          </p:cNvPr>
+          <p:cNvSpPr txBox="1">
+            <a:spLocks/>
+          </p:cNvSpPr>
+          <p:nvPr/>
+        </p:nvSpPr>
+        <p:spPr>
+          <a:xfrm rot="16200000">
+            <a:off x="187961" y="2013841"/>
+            <a:ext cx="2062483" cy="284482"/>
+          </a:xfrm>
+          <a:prstGeom prst="rect">
+            <a:avLst/>
+          </a:prstGeom>
+        </p:spPr>
+        <p:txBody>
+          <a:bodyPr/>
+          <a:lstStyle>
+            <a:defPPr rtl="0">
+              <a:defRPr lang="tr-tr"/>
+            </a:defPPr>
+            <a:lvl1pPr marL="0" algn="l" defTabSz="914400" rtl="0" eaLnBrk="1" latinLnBrk="0" hangingPunct="1">
+              <a:defRPr sz="1800" kern="1200">
+                <a:solidFill>
+                  <a:schemeClr val="tx1"/>
+                </a:solidFill>
+                <a:latin typeface="+mn-lt"/>
+                <a:ea typeface="+mn-ea"/>
+                <a:cs typeface="+mn-cs"/>
+              </a:defRPr>
+            </a:lvl1pPr>
+            <a:lvl2pPr marL="457200" algn="l" defTabSz="914400" rtl="0" eaLnBrk="1" latinLnBrk="0" hangingPunct="1">
+              <a:defRPr sz="1800" kern="1200">
+                <a:solidFill>
+                  <a:schemeClr val="tx1"/>
+                </a:solidFill>
+                <a:latin typeface="+mn-lt"/>
+                <a:ea typeface="+mn-ea"/>
+                <a:cs typeface="+mn-cs"/>
+              </a:defRPr>
+            </a:lvl2pPr>
+            <a:lvl3pPr marL="914400" algn="l" defTabSz="914400" rtl="0" eaLnBrk="1" latinLnBrk="0" hangingPunct="1">
+              <a:defRPr sz="1800" kern="1200">
+                <a:solidFill>
+                  <a:schemeClr val="tx1"/>
+                </a:solidFill>
+                <a:latin typeface="+mn-lt"/>
+                <a:ea typeface="+mn-ea"/>
+                <a:cs typeface="+mn-cs"/>
+              </a:defRPr>
+            </a:lvl3pPr>
+            <a:lvl4pPr marL="1371600" algn="l" defTabSz="914400" rtl="0" eaLnBrk="1" latinLnBrk="0" hangingPunct="1">
+              <a:defRPr sz="1800" kern="1200">
+                <a:solidFill>
+                  <a:schemeClr val="tx1"/>
+                </a:solidFill>
+                <a:latin typeface="+mn-lt"/>
+                <a:ea typeface="+mn-ea"/>
+                <a:cs typeface="+mn-cs"/>
+              </a:defRPr>
+            </a:lvl4pPr>
+            <a:lvl5pPr marL="1828800" algn="l" defTabSz="914400" rtl="0" eaLnBrk="1" latinLnBrk="0" hangingPunct="1">
+              <a:defRPr sz="1800" kern="1200">
+                <a:solidFill>
+                  <a:schemeClr val="tx1"/>
+                </a:solidFill>
+                <a:latin typeface="+mn-lt"/>
+                <a:ea typeface="+mn-ea"/>
+                <a:cs typeface="+mn-cs"/>
+              </a:defRPr>
+            </a:lvl5pPr>
+            <a:lvl6pPr marL="2286000" algn="l" defTabSz="914400" rtl="0" eaLnBrk="1" latinLnBrk="0" hangingPunct="1">
+              <a:defRPr sz="1800" kern="1200">
+                <a:solidFill>
+                  <a:schemeClr val="tx1"/>
+                </a:solidFill>
+                <a:latin typeface="+mn-lt"/>
+                <a:ea typeface="+mn-ea"/>
+                <a:cs typeface="+mn-cs"/>
+              </a:defRPr>
+            </a:lvl6pPr>
+            <a:lvl7pPr marL="2743200" algn="l" defTabSz="914400" rtl="0" eaLnBrk="1" latinLnBrk="0" hangingPunct="1">
+              <a:defRPr sz="1800" kern="1200">
+                <a:solidFill>
+                  <a:schemeClr val="tx1"/>
+                </a:solidFill>
+                <a:latin typeface="+mn-lt"/>
+                <a:ea typeface="+mn-ea"/>
+                <a:cs typeface="+mn-cs"/>
+              </a:defRPr>
+            </a:lvl7pPr>
+            <a:lvl8pPr marL="3200400" algn="l" defTabSz="914400" rtl="0" eaLnBrk="1" latinLnBrk="0" hangingPunct="1">
+              <a:defRPr sz="1800" kern="1200">
+                <a:solidFill>
+                  <a:schemeClr val="tx1"/>
+                </a:solidFill>
+                <a:latin typeface="+mn-lt"/>
+                <a:ea typeface="+mn-ea"/>
+                <a:cs typeface="+mn-cs"/>
+              </a:defRPr>
+            </a:lvl8pPr>
+            <a:lvl9pPr marL="3657600" algn="l" defTabSz="914400" rtl="0" eaLnBrk="1" latinLnBrk="0" hangingPunct="1">
+              <a:defRPr sz="1800" kern="1200">
+                <a:solidFill>
+                  <a:schemeClr val="tx1"/>
+                </a:solidFill>
+                <a:latin typeface="+mn-lt"/>
+                <a:ea typeface="+mn-ea"/>
+                <a:cs typeface="+mn-cs"/>
+              </a:defRPr>
+            </a:lvl9pPr>
+          </a:lstStyle>
+          <a:p>
+            <a:pPr>
+              <a:spcAft>
+                <a:spcPts val="600"/>
+              </a:spcAft>
+            </a:pPr>
+            <a:r>
+              <a:rPr lang="tr-TR" sz="2000" b="1" err="1">
+                <a:solidFill>
+                  <a:schemeClr val="bg1">
+                    <a:lumMod val="95000"/>
+                  </a:schemeClr>
+                </a:solidFill>
+              </a:rPr>
+              <a:t>ECompany</a:t>
+            </a:r>
+            <a:endParaRPr lang="tr-TR" sz="2000" b="1">
+              <a:solidFill>
+                <a:schemeClr val="bg1">
+                  <a:lumMod val="95000"/>
+                </a:schemeClr>
+              </a:solidFill>
+            </a:endParaRPr>
           </a:p>
         </p:txBody>
       </p:sp>
@@ -16100,14 +16437,19 @@
             <p:ph type="title"/>
           </p:nvPr>
         </p:nvSpPr>
-        <p:spPr/>
+        <p:spPr>
+          <a:xfrm>
+            <a:off x="508837" y="-4669"/>
+            <a:ext cx="10771632" cy="1325563"/>
+          </a:xfrm>
+        </p:spPr>
         <p:txBody>
           <a:bodyPr/>
           <a:lstStyle/>
           <a:p>
             <a:r>
               <a:rPr lang="tr-TR"/>
-              <a:t>Yönetim fizibilitesi</a:t>
+              <a:t>Yasal fizibilite</a:t>
             </a:r>
           </a:p>
         </p:txBody>
@@ -16117,7 +16459,7 @@
           <p:cNvPr id="5" name="İçerik Yer Tutucusu 4">
             <a:extLst>
               <a:ext uri="{FF2B5EF4-FFF2-40B4-BE49-F238E27FC236}">
-                <a16:creationId xmlns:a16="http://schemas.microsoft.com/office/drawing/2014/main" id="{EEE81828-84C6-15BB-A36B-62467E296D77}"/>
+                <a16:creationId xmlns:a16="http://schemas.microsoft.com/office/drawing/2014/main" id="{979CEBA9-43A8-9C6F-E645-ADF545B1E1B3}"/>
               </a:ext>
             </a:extLst>
           </p:cNvPr>
@@ -16136,42 +16478,11 @@
         </p:blipFill>
         <p:spPr>
           <a:xfrm>
-            <a:off x="1310663" y="2376564"/>
-            <a:ext cx="2541176" cy="2541176"/>
+            <a:off x="7854952" y="2358540"/>
+            <a:ext cx="2954132" cy="2954132"/>
           </a:xfrm>
         </p:spPr>
       </p:pic>
-      <p:sp>
-        <p:nvSpPr>
-          <p:cNvPr id="6" name="Slayt Numarası Yer Tutucusu 5">
-            <a:extLst>
-              <a:ext uri="{FF2B5EF4-FFF2-40B4-BE49-F238E27FC236}">
-                <a16:creationId xmlns:a16="http://schemas.microsoft.com/office/drawing/2014/main" id="{BE21A9CF-E5D6-2052-2F90-26D6887575D3}"/>
-              </a:ext>
-            </a:extLst>
-          </p:cNvPr>
-          <p:cNvSpPr>
-            <a:spLocks noGrp="1"/>
-          </p:cNvSpPr>
-          <p:nvPr>
-            <p:ph type="sldNum" sz="quarter" idx="12"/>
-          </p:nvPr>
-        </p:nvSpPr>
-        <p:spPr/>
-        <p:txBody>
-          <a:bodyPr/>
-          <a:lstStyle/>
-          <a:p>
-            <a:pPr rtl="0"/>
-            <a:fld id="{D8DA9DAA-006C-4F4B-980E-E3DF019B24E2}" type="slidenum">
-              <a:rPr lang="tr-TR" noProof="0" smtClean="0"/>
-              <a:pPr rtl="0"/>
-              <a:t>10</a:t>
-            </a:fld>
-            <a:endParaRPr lang="tr-TR" noProof="0"/>
-          </a:p>
-        </p:txBody>
-      </p:sp>
       <p:sp>
         <p:nvSpPr>
           <p:cNvPr id="7" name="Footer Placeholder 4">
@@ -16262,10 +16573,10 @@
       </p:cxnSp>
       <p:sp>
         <p:nvSpPr>
-          <p:cNvPr id="10" name="Metin kutusu 9">
+          <p:cNvPr id="3" name="Metin kutusu 2">
             <a:extLst>
               <a:ext uri="{FF2B5EF4-FFF2-40B4-BE49-F238E27FC236}">
-                <a16:creationId xmlns:a16="http://schemas.microsoft.com/office/drawing/2014/main" id="{A8F52026-EB47-7264-0DDE-AC0D2916DB0E}"/>
+                <a16:creationId xmlns:a16="http://schemas.microsoft.com/office/drawing/2014/main" id="{B757B7F8-DC2B-49BB-806F-0CB9C56AF2F0}"/>
               </a:ext>
             </a:extLst>
           </p:cNvPr>
@@ -16274,8 +16585,8 @@
         </p:nvSpPr>
         <p:spPr>
           <a:xfrm>
-            <a:off x="4983766" y="2579261"/>
-            <a:ext cx="5637451" cy="2123658"/>
+            <a:off x="234046" y="1134725"/>
+            <a:ext cx="7279325" cy="5570756"/>
           </a:xfrm>
           <a:prstGeom prst="rect">
             <a:avLst/>
@@ -16288,18 +16599,25 @@
           </a:bodyPr>
           <a:lstStyle/>
           <a:p>
+            <a:pPr marL="342900" indent="-342900">
+              <a:buFont typeface="Arial"/>
+              <a:buChar char="•"/>
+            </a:pPr>
             <a:r>
-              <a:rPr lang="tr-TR" sz="2200">
+              <a:rPr lang="tr-TR" sz="2200" i="0" u="none" strike="noStrike">
                 <a:solidFill>
                   <a:schemeClr val="bg1"/>
                 </a:solidFill>
+                <a:effectLst/>
+                <a:latin typeface="univers"/>
               </a:rPr>
-              <a:t>Önerilen sistem 1’de;</a:t>
+              <a:t>6698-Kişisel Verilerin Korunması Kanunu</a:t>
             </a:r>
-            <a:endParaRPr lang="tr-TR">
+            <a:endParaRPr lang="tr-TR" sz="2200" i="0" u="none" strike="noStrike">
               <a:solidFill>
-                <a:srgbClr val="000000"/>
+                <a:schemeClr val="bg1"/>
               </a:solidFill>
+              <a:latin typeface="univers"/>
             </a:endParaRPr>
           </a:p>
           <a:p>
@@ -16310,17 +16628,27 @@
             <a:r>
               <a:rPr lang="tr-TR" sz="2200">
                 <a:solidFill>
-                  <a:srgbClr val="FFFFFF"/>
+                  <a:schemeClr val="bg1"/>
                 </a:solidFill>
-                <a:ea typeface="+mn-lt"/>
-                <a:cs typeface="+mn-lt"/>
+                <a:latin typeface="univers"/>
               </a:rPr>
-              <a:t>Yeterli teknik ekibe sahip olunması,</a:t>
+              <a:t>6502-Tüketicinin</a:t>
             </a:r>
-            <a:endParaRPr lang="tr-TR" sz="2200">
+            <a:r>
+              <a:rPr lang="tr-TR" sz="2200" b="0" i="0">
+                <a:solidFill>
+                  <a:schemeClr val="bg1"/>
+                </a:solidFill>
+                <a:effectLst/>
+                <a:latin typeface="univers"/>
+              </a:rPr>
+              <a:t> Korunması Kanunu</a:t>
+            </a:r>
+            <a:endParaRPr lang="tr-TR" sz="2200" b="0" i="0">
               <a:solidFill>
-                <a:srgbClr val="FFFFFF"/>
+                <a:schemeClr val="bg1"/>
               </a:solidFill>
+              <a:latin typeface="univers"/>
             </a:endParaRPr>
           </a:p>
           <a:p>
@@ -16331,36 +16659,102 @@
             <a:r>
               <a:rPr lang="tr-TR" sz="2200">
                 <a:solidFill>
-                  <a:srgbClr val="FFFFFF"/>
+                  <a:schemeClr val="bg1"/>
                 </a:solidFill>
-                <a:ea typeface="+mn-lt"/>
-                <a:cs typeface="+mn-lt"/>
+                <a:latin typeface="univers"/>
               </a:rPr>
-              <a:t>Projenin diğer iki sisteme göre daha hızlı bitiyor olması,</a:t>
+              <a:t>5746/2-Araştırma,Geliştirme ve Tasarım Faaliyetlerinin Desteklenmesi Kanunu</a:t>
             </a:r>
-            <a:endParaRPr lang="tr-TR" sz="2200">
-              <a:solidFill>
-                <a:srgbClr val="FFFFFF"/>
-              </a:solidFill>
-            </a:endParaRPr>
           </a:p>
           <a:p>
+            <a:pPr marL="342900" indent="-342900">
+              <a:buFont typeface="Arial"/>
+              <a:buChar char="•"/>
+            </a:pPr>
             <a:r>
               <a:rPr lang="tr-TR" sz="2200">
                 <a:solidFill>
                   <a:schemeClr val="bg1"/>
                 </a:solidFill>
+                <a:latin typeface="univers"/>
               </a:rPr>
-              <a:t>sebebiyle yönetim bu sisteme daha sıcak bakıyor ve destekliyor.</a:t>
+              <a:t>5651-İnternet Ortamında Yapılan Yayınların Düzenlenmesi Ve Bu Yayınlar Yoluyla İşlenen Suçlarla Mücadele Edilmesi Kanunu</a:t>
             </a:r>
-            <a:endParaRPr lang="tr-TR"/>
+          </a:p>
+          <a:p>
+            <a:r>
+              <a:rPr lang="tr-TR" sz="2200" i="0">
+                <a:solidFill>
+                  <a:schemeClr val="bg1"/>
+                </a:solidFill>
+                <a:effectLst/>
+                <a:latin typeface="univers"/>
+              </a:rPr>
+              <a:t>Yukarıdaki </a:t>
+            </a:r>
+            <a:r>
+              <a:rPr lang="tr-TR" sz="2200">
+                <a:solidFill>
+                  <a:schemeClr val="bg1"/>
+                </a:solidFill>
+                <a:latin typeface="univers"/>
+              </a:rPr>
+              <a:t>kanunlarca projenin geliştirilmesinde sıkıntı çıkaracak herhangi bir durum tespit edilmemiştir.</a:t>
+            </a:r>
+          </a:p>
+          <a:p>
+            <a:r>
+              <a:rPr lang="tr-TR" sz="2200" i="0">
+                <a:solidFill>
+                  <a:schemeClr val="bg1"/>
+                </a:solidFill>
+                <a:effectLst/>
+                <a:latin typeface="univers"/>
+              </a:rPr>
+              <a:t>Sonuç olarak</a:t>
+            </a:r>
+            <a:r>
+              <a:rPr lang="tr-TR" sz="2200">
+                <a:solidFill>
+                  <a:schemeClr val="bg1"/>
+                </a:solidFill>
+                <a:latin typeface="univers"/>
+              </a:rPr>
+              <a:t> bu proje yasal</a:t>
+            </a:r>
+            <a:r>
+              <a:rPr lang="tr-TR" sz="2200" b="0" i="0">
+                <a:solidFill>
+                  <a:schemeClr val="bg1"/>
+                </a:solidFill>
+                <a:effectLst/>
+                <a:latin typeface="univers"/>
+              </a:rPr>
+              <a:t> düzenlemelere, yönetmeliklere, yerel ve ulusal yasalara uygundur. Projemiz için gerekli olan izinler, sözleşmeler ve diğer yasal belgelerin elde edilmesinde hiçbir sıkıntı çıkmamıştır.</a:t>
+            </a:r>
+            <a:endParaRPr lang="tr-TR" sz="2200" b="0" i="0">
+              <a:solidFill>
+                <a:schemeClr val="bg1"/>
+              </a:solidFill>
+              <a:latin typeface="univers"/>
+            </a:endParaRPr>
+          </a:p>
+          <a:p>
+            <a:endParaRPr lang="tr-TR" sz="2200" i="0">
+              <a:solidFill>
+                <a:schemeClr val="bg1">
+                  <a:lumMod val="95000"/>
+                </a:schemeClr>
+              </a:solidFill>
+              <a:effectLst/>
+            </a:endParaRPr>
           </a:p>
         </p:txBody>
       </p:sp>
     </p:spTree>
     <p:extLst>
       <p:ext uri="{BB962C8B-B14F-4D97-AF65-F5344CB8AC3E}">
-        <p14:creationId xmlns:p14="http://schemas.microsoft.com/office/powerpoint/2010/main" val="2965198427"/>
+        <p14:creationId xmlns:p14="http://schemas.microsoft.com/office/powerpoint/2010/main" val="1263121598"/>
       </p:ext>
     </p:extLst>
   </p:cSld>
@@ -16387,1429 +16781,6 @@
           <a:chExt cx="0" cy="0"/>
         </a:xfrm>
       </p:grpSpPr>
-      <p:sp>
-        <p:nvSpPr>
-          <p:cNvPr id="2" name="Başlık 1">
-            <a:extLst>
-              <a:ext uri="{FF2B5EF4-FFF2-40B4-BE49-F238E27FC236}">
-                <a16:creationId xmlns:a16="http://schemas.microsoft.com/office/drawing/2014/main" id="{747E3FAA-0AE4-CD68-3EAC-CEEB3B23C671}"/>
-              </a:ext>
-            </a:extLst>
-          </p:cNvPr>
-          <p:cNvSpPr>
-            <a:spLocks noGrp="1"/>
-          </p:cNvSpPr>
-          <p:nvPr>
-            <p:ph type="title"/>
-          </p:nvPr>
-        </p:nvSpPr>
-        <p:spPr/>
-        <p:txBody>
-          <a:bodyPr/>
-          <a:lstStyle/>
-          <a:p>
-            <a:r>
-              <a:rPr lang="tr-TR"/>
-              <a:t>Yasal fizibilite</a:t>
-            </a:r>
-          </a:p>
-        </p:txBody>
-      </p:sp>
-      <p:pic>
-        <p:nvPicPr>
-          <p:cNvPr id="5" name="İçerik Yer Tutucusu 4">
-            <a:extLst>
-              <a:ext uri="{FF2B5EF4-FFF2-40B4-BE49-F238E27FC236}">
-                <a16:creationId xmlns:a16="http://schemas.microsoft.com/office/drawing/2014/main" id="{979CEBA9-43A8-9C6F-E645-ADF545B1E1B3}"/>
-              </a:ext>
-            </a:extLst>
-          </p:cNvPr>
-          <p:cNvPicPr>
-            <a:picLocks noGrp="1" noChangeAspect="1"/>
-          </p:cNvPicPr>
-          <p:nvPr>
-            <p:ph idx="1"/>
-          </p:nvPr>
-        </p:nvPicPr>
-        <p:blipFill>
-          <a:blip r:embed="rId2"/>
-          <a:stretch>
-            <a:fillRect/>
-          </a:stretch>
-        </p:blipFill>
-        <p:spPr>
-          <a:xfrm>
-            <a:off x="7448831" y="2118438"/>
-            <a:ext cx="2954132" cy="2954132"/>
-          </a:xfrm>
-        </p:spPr>
-      </p:pic>
-      <p:sp>
-        <p:nvSpPr>
-          <p:cNvPr id="6" name="Slayt Numarası Yer Tutucusu 5">
-            <a:extLst>
-              <a:ext uri="{FF2B5EF4-FFF2-40B4-BE49-F238E27FC236}">
-                <a16:creationId xmlns:a16="http://schemas.microsoft.com/office/drawing/2014/main" id="{BE21A9CF-E5D6-2052-2F90-26D6887575D3}"/>
-              </a:ext>
-            </a:extLst>
-          </p:cNvPr>
-          <p:cNvSpPr>
-            <a:spLocks noGrp="1"/>
-          </p:cNvSpPr>
-          <p:nvPr>
-            <p:ph type="sldNum" sz="quarter" idx="12"/>
-          </p:nvPr>
-        </p:nvSpPr>
-        <p:spPr/>
-        <p:txBody>
-          <a:bodyPr/>
-          <a:lstStyle/>
-          <a:p>
-            <a:pPr rtl="0"/>
-            <a:fld id="{D8DA9DAA-006C-4F4B-980E-E3DF019B24E2}" type="slidenum">
-              <a:rPr lang="tr-TR" noProof="0" smtClean="0"/>
-              <a:pPr rtl="0"/>
-              <a:t>11</a:t>
-            </a:fld>
-            <a:endParaRPr lang="tr-TR" noProof="0"/>
-          </a:p>
-        </p:txBody>
-      </p:sp>
-      <p:sp>
-        <p:nvSpPr>
-          <p:cNvPr id="7" name="Footer Placeholder 4">
-            <a:extLst>
-              <a:ext uri="{FF2B5EF4-FFF2-40B4-BE49-F238E27FC236}">
-                <a16:creationId xmlns:a16="http://schemas.microsoft.com/office/drawing/2014/main" id="{9216AFD6-ECDE-8EAD-2879-41824BC87E48}"/>
-              </a:ext>
-            </a:extLst>
-          </p:cNvPr>
-          <p:cNvSpPr>
-            <a:spLocks noGrp="1"/>
-          </p:cNvSpPr>
-          <p:nvPr>
-            <p:ph type="ftr" sz="quarter" idx="11"/>
-          </p:nvPr>
-        </p:nvSpPr>
-        <p:spPr>
-          <a:xfrm rot="5400000">
-            <a:off x="9953243" y="1792956"/>
-            <a:ext cx="2788920" cy="365125"/>
-          </a:xfrm>
-        </p:spPr>
-        <p:txBody>
-          <a:bodyPr/>
-          <a:lstStyle/>
-          <a:p>
-            <a:pPr rtl="0">
-              <a:spcAft>
-                <a:spcPts val="600"/>
-              </a:spcAft>
-            </a:pPr>
-            <a:r>
-              <a:rPr lang="tr-TR"/>
-              <a:t>Hilal </a:t>
-            </a:r>
-            <a:r>
-              <a:rPr lang="tr-TR" err="1"/>
-              <a:t>dedek</a:t>
-            </a:r>
-            <a:endParaRPr lang="tr-TR" noProof="0"/>
-          </a:p>
-        </p:txBody>
-      </p:sp>
-      <p:cxnSp>
-        <p:nvCxnSpPr>
-          <p:cNvPr id="8" name="Düz Bağlayıcı 7">
-            <a:extLst>
-              <a:ext uri="{FF2B5EF4-FFF2-40B4-BE49-F238E27FC236}">
-                <a16:creationId xmlns:a16="http://schemas.microsoft.com/office/drawing/2014/main" id="{5CB614C5-2158-8D41-32FA-2562ABC946AA}"/>
-              </a:ext>
-            </a:extLst>
-          </p:cNvPr>
-          <p:cNvCxnSpPr>
-            <a:cxnSpLocks/>
-          </p:cNvCxnSpPr>
-          <p:nvPr/>
-        </p:nvCxnSpPr>
-        <p:spPr>
-          <a:xfrm>
-            <a:off x="11347704" y="3174124"/>
-            <a:ext cx="0" cy="3683876"/>
-          </a:xfrm>
-          <a:prstGeom prst="line">
-            <a:avLst/>
-          </a:prstGeom>
-          <a:ln w="28575">
-            <a:solidFill>
-              <a:schemeClr val="bg1">
-                <a:lumMod val="95000"/>
-              </a:schemeClr>
-            </a:solidFill>
-          </a:ln>
-        </p:spPr>
-        <p:style>
-          <a:lnRef idx="1">
-            <a:schemeClr val="accent1"/>
-          </a:lnRef>
-          <a:fillRef idx="0">
-            <a:schemeClr val="accent1"/>
-          </a:fillRef>
-          <a:effectRef idx="0">
-            <a:schemeClr val="accent1"/>
-          </a:effectRef>
-          <a:fontRef idx="minor">
-            <a:schemeClr val="tx1"/>
-          </a:fontRef>
-        </p:style>
-      </p:cxnSp>
-      <p:sp>
-        <p:nvSpPr>
-          <p:cNvPr id="9" name="Metin kutusu 8">
-            <a:extLst>
-              <a:ext uri="{FF2B5EF4-FFF2-40B4-BE49-F238E27FC236}">
-                <a16:creationId xmlns:a16="http://schemas.microsoft.com/office/drawing/2014/main" id="{D242D024-B407-BEF0-D0AB-52D682D3B630}"/>
-              </a:ext>
-            </a:extLst>
-          </p:cNvPr>
-          <p:cNvSpPr txBox="1"/>
-          <p:nvPr/>
-        </p:nvSpPr>
-        <p:spPr>
-          <a:xfrm>
-            <a:off x="1317641" y="2366661"/>
-            <a:ext cx="5102942" cy="2462213"/>
-          </a:xfrm>
-          <a:prstGeom prst="rect">
-            <a:avLst/>
-          </a:prstGeom>
-          <a:noFill/>
-        </p:spPr>
-        <p:txBody>
-          <a:bodyPr wrap="square" lIns="91440" tIns="45720" rIns="91440" bIns="45720" rtlCol="0" anchor="t">
-            <a:spAutoFit/>
-          </a:bodyPr>
-          <a:lstStyle/>
-          <a:p>
-            <a:pPr marL="342900" indent="-342900">
-              <a:buFont typeface="Arial"/>
-              <a:buChar char="•"/>
-            </a:pPr>
-            <a:r>
-              <a:rPr lang="tr-TR" sz="2200">
-                <a:solidFill>
-                  <a:srgbClr val="ECECEC"/>
-                </a:solidFill>
-                <a:latin typeface="Söhne"/>
-              </a:rPr>
-              <a:t>Bu proje yasal</a:t>
-            </a:r>
-            <a:r>
-              <a:rPr lang="tr-TR" sz="2200" b="0" i="0">
-                <a:solidFill>
-                  <a:srgbClr val="ECECEC"/>
-                </a:solidFill>
-                <a:effectLst/>
-                <a:latin typeface="Söhne"/>
-              </a:rPr>
-              <a:t> düzenlemelere, yönetmeliklere, yerel ve ulusal yasalara uygundur.</a:t>
-            </a:r>
-            <a:endParaRPr lang="tr-TR" sz="2200">
-              <a:solidFill>
-                <a:srgbClr val="000000"/>
-              </a:solidFill>
-              <a:latin typeface="Univers"/>
-            </a:endParaRPr>
-          </a:p>
-          <a:p>
-            <a:pPr marL="342900" indent="-342900">
-              <a:buFont typeface="Arial"/>
-              <a:buChar char="•"/>
-            </a:pPr>
-            <a:r>
-              <a:rPr lang="tr-TR" sz="2200">
-                <a:solidFill>
-                  <a:srgbClr val="ECECEC"/>
-                </a:solidFill>
-                <a:latin typeface="Söhne"/>
-              </a:rPr>
-              <a:t> </a:t>
-            </a:r>
-            <a:r>
-              <a:rPr lang="tr-TR" sz="2200" b="0" i="0">
-                <a:solidFill>
-                  <a:srgbClr val="ECECEC"/>
-                </a:solidFill>
-                <a:effectLst/>
-                <a:latin typeface="Söhne"/>
-              </a:rPr>
-              <a:t>Projemiz için gerekli olan izinler, lisanslar, sözleşmeler ve diğer yasal belgelerin elde edilmesinde hiçbir sıkıntı çıkmamıştır.</a:t>
-            </a:r>
-            <a:endParaRPr lang="tr-TR" sz="2200"/>
-          </a:p>
-        </p:txBody>
-      </p:sp>
-    </p:spTree>
-    <p:extLst>
-      <p:ext uri="{BB962C8B-B14F-4D97-AF65-F5344CB8AC3E}">
-        <p14:creationId xmlns:p14="http://schemas.microsoft.com/office/powerpoint/2010/main" val="1263121598"/>
-      </p:ext>
-    </p:extLst>
-  </p:cSld>
-  <p:clrMapOvr>
-    <a:masterClrMapping/>
-  </p:clrMapOvr>
-</p:sld>
-</file>
-
-<file path=ppt/slides/slide12.xml><?xml version="1.0" encoding="utf-8"?>
-<p:sld xmlns:a="http://schemas.openxmlformats.org/drawingml/2006/main" xmlns:r="http://schemas.openxmlformats.org/officeDocument/2006/relationships" xmlns:p="http://schemas.openxmlformats.org/presentationml/2006/main">
-  <p:cSld>
-    <p:spTree>
-      <p:nvGrpSpPr>
-        <p:cNvPr id="1" name=""/>
-        <p:cNvGrpSpPr/>
-        <p:nvPr/>
-      </p:nvGrpSpPr>
-      <p:grpSpPr>
-        <a:xfrm>
-          <a:off x="0" y="0"/>
-          <a:ext cx="0" cy="0"/>
-          <a:chOff x="0" y="0"/>
-          <a:chExt cx="0" cy="0"/>
-        </a:xfrm>
-      </p:grpSpPr>
-      <p:sp>
-        <p:nvSpPr>
-          <p:cNvPr id="24" name="Slayt Numarası Yer Tutucusu 23">
-            <a:extLst>
-              <a:ext uri="{FF2B5EF4-FFF2-40B4-BE49-F238E27FC236}">
-                <a16:creationId xmlns:a16="http://schemas.microsoft.com/office/drawing/2014/main" id="{5D838446-B95D-4AB7-B8CA-D5804BB79A11}"/>
-              </a:ext>
-            </a:extLst>
-          </p:cNvPr>
-          <p:cNvSpPr>
-            <a:spLocks noGrp="1"/>
-          </p:cNvSpPr>
-          <p:nvPr>
-            <p:ph type="sldNum" sz="quarter" idx="12"/>
-          </p:nvPr>
-        </p:nvSpPr>
-        <p:spPr/>
-        <p:txBody>
-          <a:bodyPr rtlCol="0"/>
-          <a:lstStyle/>
-          <a:p>
-            <a:pPr rtl="0"/>
-            <a:fld id="{D8DA9DAA-006C-4F4B-980E-E3DF019B24E2}" type="slidenum">
-              <a:rPr lang="tr-TR" smtClean="0"/>
-              <a:pPr rtl="0"/>
-              <a:t>12</a:t>
-            </a:fld>
-            <a:endParaRPr lang="tr-TR"/>
-          </a:p>
-        </p:txBody>
-      </p:sp>
-      <p:sp>
-        <p:nvSpPr>
-          <p:cNvPr id="23" name="Alt Bilgi Yer Tutucusu 22">
-            <a:extLst>
-              <a:ext uri="{FF2B5EF4-FFF2-40B4-BE49-F238E27FC236}">
-                <a16:creationId xmlns:a16="http://schemas.microsoft.com/office/drawing/2014/main" id="{DE8D546E-0F46-4CC0-B2B1-8B2430D00C0C}"/>
-              </a:ext>
-            </a:extLst>
-          </p:cNvPr>
-          <p:cNvSpPr>
-            <a:spLocks noGrp="1"/>
-          </p:cNvSpPr>
-          <p:nvPr>
-            <p:ph type="ftr" sz="quarter" idx="11"/>
-          </p:nvPr>
-        </p:nvSpPr>
-        <p:spPr/>
-        <p:txBody>
-          <a:bodyPr rtlCol="0"/>
-          <a:lstStyle/>
-          <a:p>
-            <a:pPr rtl="0"/>
-            <a:r>
-              <a:rPr lang="en-US" dirty="0"/>
-              <a:t>EHOTEL</a:t>
-            </a:r>
-          </a:p>
-        </p:txBody>
-      </p:sp>
-      <p:sp>
-        <p:nvSpPr>
-          <p:cNvPr id="6" name="Başlık 5">
-            <a:extLst>
-              <a:ext uri="{FF2B5EF4-FFF2-40B4-BE49-F238E27FC236}">
-                <a16:creationId xmlns:a16="http://schemas.microsoft.com/office/drawing/2014/main" id="{FF777B66-94CB-491C-AC6B-BDAC98E21D57}"/>
-              </a:ext>
-            </a:extLst>
-          </p:cNvPr>
-          <p:cNvSpPr>
-            <a:spLocks noGrp="1"/>
-          </p:cNvSpPr>
-          <p:nvPr>
-            <p:ph type="title"/>
-          </p:nvPr>
-        </p:nvSpPr>
-        <p:spPr/>
-        <p:txBody>
-          <a:bodyPr rtlCol="0"/>
-          <a:lstStyle/>
-          <a:p>
-            <a:pPr rtl="0"/>
-            <a:r>
-              <a:rPr lang="tr-TR"/>
-              <a:t>Teşekkürler</a:t>
-            </a:r>
-          </a:p>
-        </p:txBody>
-      </p:sp>
-    </p:spTree>
-    <p:extLst>
-      <p:ext uri="{BB962C8B-B14F-4D97-AF65-F5344CB8AC3E}">
-        <p14:creationId xmlns:p14="http://schemas.microsoft.com/office/powerpoint/2010/main" val="927313156"/>
-      </p:ext>
-    </p:extLst>
-  </p:cSld>
-  <p:clrMapOvr>
-    <a:masterClrMapping/>
-  </p:clrMapOvr>
-</p:sld>
-</file>
-
-<file path=ppt/slides/slide2.xml><?xml version="1.0" encoding="utf-8"?>
-<p:sld xmlns:a="http://schemas.openxmlformats.org/drawingml/2006/main" xmlns:r="http://schemas.openxmlformats.org/officeDocument/2006/relationships" xmlns:p="http://schemas.openxmlformats.org/presentationml/2006/main">
-  <p:cSld>
-    <p:spTree>
-      <p:nvGrpSpPr>
-        <p:cNvPr id="1" name=""/>
-        <p:cNvGrpSpPr/>
-        <p:nvPr/>
-      </p:nvGrpSpPr>
-      <p:grpSpPr>
-        <a:xfrm>
-          <a:off x="0" y="0"/>
-          <a:ext cx="0" cy="0"/>
-          <a:chOff x="0" y="0"/>
-          <a:chExt cx="0" cy="0"/>
-        </a:xfrm>
-      </p:grpSpPr>
-      <p:sp>
-        <p:nvSpPr>
-          <p:cNvPr id="2" name="Başlık 1">
-            <a:extLst>
-              <a:ext uri="{FF2B5EF4-FFF2-40B4-BE49-F238E27FC236}">
-                <a16:creationId xmlns:a16="http://schemas.microsoft.com/office/drawing/2014/main" id="{80F287FE-1EFA-4C15-BFDD-1EE3F2D37BF1}"/>
-              </a:ext>
-            </a:extLst>
-          </p:cNvPr>
-          <p:cNvSpPr>
-            <a:spLocks noGrp="1"/>
-          </p:cNvSpPr>
-          <p:nvPr>
-            <p:ph type="title"/>
-          </p:nvPr>
-        </p:nvSpPr>
-        <p:spPr/>
-        <p:txBody>
-          <a:bodyPr rtlCol="0"/>
-          <a:lstStyle/>
-          <a:p>
-            <a:pPr rtl="0"/>
-            <a:r>
-              <a:rPr lang="tr-TR"/>
-              <a:t>Ekip</a:t>
-            </a:r>
-          </a:p>
-        </p:txBody>
-      </p:sp>
-      <p:graphicFrame>
-        <p:nvGraphicFramePr>
-          <p:cNvPr id="7" name="İçerik Yer Tutucusu 2" descr="Ekip SmartArt grafiği">
-            <a:extLst>
-              <a:ext uri="{FF2B5EF4-FFF2-40B4-BE49-F238E27FC236}">
-                <a16:creationId xmlns:a16="http://schemas.microsoft.com/office/drawing/2014/main" id="{03C6056F-38E4-47B4-87B7-F1F7D129B648}"/>
-              </a:ext>
-            </a:extLst>
-          </p:cNvPr>
-          <p:cNvGraphicFramePr>
-            <a:graphicFrameLocks noGrp="1"/>
-          </p:cNvGraphicFramePr>
-          <p:nvPr>
-            <p:ph idx="1"/>
-            <p:extLst>
-              <p:ext uri="{D42A27DB-BD31-4B8C-83A1-F6EECF244321}">
-                <p14:modId xmlns:p14="http://schemas.microsoft.com/office/powerpoint/2010/main" val="3277903972"/>
-              </p:ext>
-            </p:extLst>
-          </p:nvPr>
-        </p:nvGraphicFramePr>
-        <p:xfrm>
-          <a:off x="457200" y="1825625"/>
-          <a:ext cx="11262049" cy="4351338"/>
-        </p:xfrm>
-        <a:graphic>
-          <a:graphicData uri="http://schemas.openxmlformats.org/drawingml/2006/diagram">
-            <dgm:relIds xmlns:dgm="http://schemas.openxmlformats.org/drawingml/2006/diagram" xmlns:r="http://schemas.openxmlformats.org/officeDocument/2006/relationships" r:dm="rId3" r:lo="rId4" r:qs="rId5" r:cs="rId6"/>
-          </a:graphicData>
-        </a:graphic>
-      </p:graphicFrame>
-      <p:sp>
-        <p:nvSpPr>
-          <p:cNvPr id="6" name="Slayt Numarası Yer Tutucusu 5">
-            <a:extLst>
-              <a:ext uri="{FF2B5EF4-FFF2-40B4-BE49-F238E27FC236}">
-                <a16:creationId xmlns:a16="http://schemas.microsoft.com/office/drawing/2014/main" id="{8DE31DF2-0419-4016-924C-21929AC1EBFC}"/>
-              </a:ext>
-            </a:extLst>
-          </p:cNvPr>
-          <p:cNvSpPr>
-            <a:spLocks noGrp="1"/>
-          </p:cNvSpPr>
-          <p:nvPr>
-            <p:ph type="sldNum" sz="quarter" idx="12"/>
-          </p:nvPr>
-        </p:nvSpPr>
-        <p:spPr/>
-        <p:txBody>
-          <a:bodyPr rtlCol="0"/>
-          <a:lstStyle/>
-          <a:p>
-            <a:pPr rtl="0"/>
-            <a:fld id="{D8DA9DAA-006C-4F4B-980E-E3DF019B24E2}" type="slidenum">
-              <a:rPr lang="tr-TR" smtClean="0"/>
-              <a:pPr rtl="0"/>
-              <a:t>2</a:t>
-            </a:fld>
-            <a:endParaRPr lang="tr-TR"/>
-          </a:p>
-        </p:txBody>
-      </p:sp>
-      <p:sp>
-        <p:nvSpPr>
-          <p:cNvPr id="9" name="Metin kutusu 8">
-            <a:extLst>
-              <a:ext uri="{FF2B5EF4-FFF2-40B4-BE49-F238E27FC236}">
-                <a16:creationId xmlns:a16="http://schemas.microsoft.com/office/drawing/2014/main" id="{9579E99F-6C47-D715-5952-7501DD39C5F1}"/>
-              </a:ext>
-            </a:extLst>
-          </p:cNvPr>
-          <p:cNvSpPr txBox="1"/>
-          <p:nvPr/>
-        </p:nvSpPr>
-        <p:spPr>
-          <a:xfrm>
-            <a:off x="5186680" y="4815679"/>
-            <a:ext cx="1818640" cy="1077218"/>
-          </a:xfrm>
-          <a:prstGeom prst="rect">
-            <a:avLst/>
-          </a:prstGeom>
-          <a:noFill/>
-        </p:spPr>
-        <p:txBody>
-          <a:bodyPr wrap="square" rtlCol="0">
-            <a:spAutoFit/>
-          </a:bodyPr>
-          <a:lstStyle/>
-          <a:p>
-            <a:pPr algn="ctr"/>
-            <a:r>
-              <a:rPr lang="tr-TR" sz="2000">
-                <a:solidFill>
-                  <a:schemeClr val="bg1">
-                    <a:lumMod val="95000"/>
-                  </a:schemeClr>
-                </a:solidFill>
-                <a:latin typeface="+mj-lt"/>
-              </a:rPr>
-              <a:t>Ferhat Yenilmez</a:t>
-            </a:r>
-            <a:endParaRPr lang="tr-TR" sz="800">
-              <a:solidFill>
-                <a:schemeClr val="bg1">
-                  <a:lumMod val="95000"/>
-                </a:schemeClr>
-              </a:solidFill>
-              <a:latin typeface="+mj-lt"/>
-            </a:endParaRPr>
-          </a:p>
-          <a:p>
-            <a:pPr algn="ctr"/>
-            <a:endParaRPr lang="tr-TR" sz="800">
-              <a:solidFill>
-                <a:schemeClr val="bg1">
-                  <a:lumMod val="95000"/>
-                </a:schemeClr>
-              </a:solidFill>
-              <a:latin typeface="+mj-lt"/>
-            </a:endParaRPr>
-          </a:p>
-          <a:p>
-            <a:pPr algn="ctr"/>
-            <a:r>
-              <a:rPr lang="tr-TR" sz="1600">
-                <a:solidFill>
-                  <a:schemeClr val="bg1">
-                    <a:lumMod val="95000"/>
-                  </a:schemeClr>
-                </a:solidFill>
-                <a:latin typeface="+mj-lt"/>
-              </a:rPr>
-              <a:t>Proje Yöneticisi</a:t>
-            </a:r>
-          </a:p>
-        </p:txBody>
-      </p:sp>
-      <p:sp>
-        <p:nvSpPr>
-          <p:cNvPr id="10" name="Metin kutusu 9">
-            <a:extLst>
-              <a:ext uri="{FF2B5EF4-FFF2-40B4-BE49-F238E27FC236}">
-                <a16:creationId xmlns:a16="http://schemas.microsoft.com/office/drawing/2014/main" id="{CA7D55BF-2BA5-2F0D-50E7-E06C4C05D089}"/>
-              </a:ext>
-            </a:extLst>
-          </p:cNvPr>
-          <p:cNvSpPr txBox="1"/>
-          <p:nvPr/>
-        </p:nvSpPr>
-        <p:spPr>
-          <a:xfrm>
-            <a:off x="7639490" y="4877234"/>
-            <a:ext cx="1554895" cy="1261884"/>
-          </a:xfrm>
-          <a:prstGeom prst="rect">
-            <a:avLst/>
-          </a:prstGeom>
-          <a:noFill/>
-        </p:spPr>
-        <p:txBody>
-          <a:bodyPr wrap="square" rtlCol="0">
-            <a:spAutoFit/>
-          </a:bodyPr>
-          <a:lstStyle/>
-          <a:p>
-            <a:pPr algn="ctr"/>
-            <a:r>
-              <a:rPr lang="tr-TR">
-                <a:solidFill>
-                  <a:schemeClr val="bg1">
-                    <a:lumMod val="95000"/>
-                  </a:schemeClr>
-                </a:solidFill>
-              </a:rPr>
-              <a:t>Hamit Burak Koçtaş</a:t>
-            </a:r>
-          </a:p>
-          <a:p>
-            <a:pPr algn="ctr"/>
-            <a:endParaRPr lang="tr-TR" sz="800">
-              <a:solidFill>
-                <a:schemeClr val="bg1">
-                  <a:lumMod val="95000"/>
-                </a:schemeClr>
-              </a:solidFill>
-            </a:endParaRPr>
-          </a:p>
-          <a:p>
-            <a:pPr algn="ctr"/>
-            <a:r>
-              <a:rPr lang="tr-TR" sz="1600">
-                <a:solidFill>
-                  <a:schemeClr val="bg1">
-                    <a:lumMod val="95000"/>
-                  </a:schemeClr>
-                </a:solidFill>
-              </a:rPr>
-              <a:t>Yazılım Geliştirici</a:t>
-            </a:r>
-          </a:p>
-        </p:txBody>
-      </p:sp>
-    </p:spTree>
-    <p:extLst>
-      <p:ext uri="{BB962C8B-B14F-4D97-AF65-F5344CB8AC3E}">
-        <p14:creationId xmlns:p14="http://schemas.microsoft.com/office/powerpoint/2010/main" val="2270028676"/>
-      </p:ext>
-    </p:extLst>
-  </p:cSld>
-  <p:clrMapOvr>
-    <a:masterClrMapping/>
-  </p:clrMapOvr>
-</p:sld>
-</file>
-
-<file path=ppt/slides/slide3.xml><?xml version="1.0" encoding="utf-8"?>
-<p:sld xmlns:a="http://schemas.openxmlformats.org/drawingml/2006/main" xmlns:r="http://schemas.openxmlformats.org/officeDocument/2006/relationships" xmlns:p="http://schemas.openxmlformats.org/presentationml/2006/main">
-  <p:cSld>
-    <p:spTree>
-      <p:nvGrpSpPr>
-        <p:cNvPr id="1" name=""/>
-        <p:cNvGrpSpPr/>
-        <p:nvPr/>
-      </p:nvGrpSpPr>
-      <p:grpSpPr>
-        <a:xfrm>
-          <a:off x="0" y="0"/>
-          <a:ext cx="0" cy="0"/>
-          <a:chOff x="0" y="0"/>
-          <a:chExt cx="0" cy="0"/>
-        </a:xfrm>
-      </p:grpSpPr>
-      <p:sp>
-        <p:nvSpPr>
-          <p:cNvPr id="2" name="Başlık 1">
-            <a:extLst>
-              <a:ext uri="{FF2B5EF4-FFF2-40B4-BE49-F238E27FC236}">
-                <a16:creationId xmlns:a16="http://schemas.microsoft.com/office/drawing/2014/main" id="{49374C31-2297-AD69-989F-4ADBFDEAF897}"/>
-              </a:ext>
-            </a:extLst>
-          </p:cNvPr>
-          <p:cNvSpPr>
-            <a:spLocks noGrp="1"/>
-          </p:cNvSpPr>
-          <p:nvPr>
-            <p:ph type="ctrTitle"/>
-          </p:nvPr>
-        </p:nvSpPr>
-        <p:spPr>
-          <a:xfrm>
-            <a:off x="1713315" y="1078304"/>
-            <a:ext cx="6272784" cy="1057459"/>
-          </a:xfrm>
-        </p:spPr>
-        <p:txBody>
-          <a:bodyPr/>
-          <a:lstStyle/>
-          <a:p>
-            <a:r>
-              <a:rPr lang="tr-TR" sz="5400"/>
-              <a:t>Problem</a:t>
-            </a:r>
-            <a:endParaRPr lang="tr-TR"/>
-          </a:p>
-        </p:txBody>
-      </p:sp>
-      <p:sp>
-        <p:nvSpPr>
-          <p:cNvPr id="3" name="Alt Başlık 2">
-            <a:extLst>
-              <a:ext uri="{FF2B5EF4-FFF2-40B4-BE49-F238E27FC236}">
-                <a16:creationId xmlns:a16="http://schemas.microsoft.com/office/drawing/2014/main" id="{B07EEE0A-60B9-4F28-38DA-C09C7055FC8E}"/>
-              </a:ext>
-            </a:extLst>
-          </p:cNvPr>
-          <p:cNvSpPr>
-            <a:spLocks noGrp="1"/>
-          </p:cNvSpPr>
-          <p:nvPr>
-            <p:ph type="subTitle" idx="1"/>
-          </p:nvPr>
-        </p:nvSpPr>
-        <p:spPr>
-          <a:xfrm>
-            <a:off x="1744705" y="2231136"/>
-            <a:ext cx="5093208" cy="1197864"/>
-          </a:xfrm>
-        </p:spPr>
-        <p:txBody>
-          <a:bodyPr/>
-          <a:lstStyle/>
-          <a:p>
-            <a:pPr algn="l"/>
-            <a:r>
-              <a:rPr lang="en-US" sz="2000"/>
-              <a:t>Kamu </a:t>
-            </a:r>
-            <a:r>
-              <a:rPr lang="en-US" sz="2000" err="1"/>
-              <a:t>kuruluşunun</a:t>
-            </a:r>
-            <a:r>
-              <a:rPr lang="en-US" sz="2000"/>
-              <a:t> yeni </a:t>
-            </a:r>
-            <a:r>
-              <a:rPr lang="en-US" sz="2000" err="1"/>
-              <a:t>açılacak</a:t>
-            </a:r>
-            <a:r>
-              <a:rPr lang="en-US" sz="2000"/>
-              <a:t> </a:t>
-            </a:r>
-            <a:r>
-              <a:rPr lang="en-US" sz="2000" err="1"/>
-              <a:t>otel</a:t>
-            </a:r>
-            <a:r>
-              <a:rPr lang="en-US" sz="2000"/>
-              <a:t> </a:t>
-            </a:r>
-            <a:r>
-              <a:rPr lang="en-US" sz="2000" err="1"/>
-              <a:t>sistemileri</a:t>
-            </a:r>
-            <a:r>
-              <a:rPr lang="en-US" sz="2000"/>
-              <a:t> </a:t>
-            </a:r>
-            <a:r>
-              <a:rPr lang="en-US" sz="2000" err="1"/>
-              <a:t>için</a:t>
-            </a:r>
-            <a:r>
-              <a:rPr lang="en-US" sz="2000"/>
-              <a:t> </a:t>
-            </a:r>
-            <a:r>
-              <a:rPr lang="en-US" sz="2000" err="1"/>
-              <a:t>tanıtım</a:t>
-            </a:r>
-            <a:r>
-              <a:rPr lang="en-US" sz="2000"/>
-              <a:t>, </a:t>
-            </a:r>
-            <a:r>
-              <a:rPr lang="en-US" sz="2000" err="1"/>
-              <a:t>reklam</a:t>
-            </a:r>
-            <a:r>
-              <a:rPr lang="en-US" sz="2000"/>
-              <a:t> </a:t>
-            </a:r>
-            <a:r>
-              <a:rPr lang="en-US" sz="2000" err="1"/>
-              <a:t>ve</a:t>
-            </a:r>
-            <a:r>
-              <a:rPr lang="en-US" sz="2000"/>
-              <a:t> </a:t>
-            </a:r>
-            <a:r>
-              <a:rPr lang="en-US" sz="2000" err="1"/>
-              <a:t>iletişim</a:t>
-            </a:r>
-            <a:r>
-              <a:rPr lang="en-US" sz="2000"/>
-              <a:t> </a:t>
-            </a:r>
-            <a:r>
-              <a:rPr lang="en-US" sz="2000" err="1"/>
-              <a:t>ihtiyacı</a:t>
-            </a:r>
-            <a:r>
-              <a:rPr lang="en-US" sz="2000"/>
-              <a:t>.</a:t>
-            </a:r>
-            <a:endParaRPr lang="tr-TR" sz="2000"/>
-          </a:p>
-          <a:p>
-            <a:endParaRPr lang="tr-TR"/>
-          </a:p>
-        </p:txBody>
-      </p:sp>
-      <p:sp>
-        <p:nvSpPr>
-          <p:cNvPr id="4" name="Başlık 1">
-            <a:extLst>
-              <a:ext uri="{FF2B5EF4-FFF2-40B4-BE49-F238E27FC236}">
-                <a16:creationId xmlns:a16="http://schemas.microsoft.com/office/drawing/2014/main" id="{17D4CDE2-C0CF-FE5F-DC23-61AD27987E68}"/>
-              </a:ext>
-            </a:extLst>
-          </p:cNvPr>
-          <p:cNvSpPr txBox="1">
-            <a:spLocks/>
-          </p:cNvSpPr>
-          <p:nvPr/>
-        </p:nvSpPr>
-        <p:spPr>
-          <a:xfrm>
-            <a:off x="1707123" y="3662565"/>
-            <a:ext cx="3051887" cy="1057459"/>
-          </a:xfrm>
-          <a:prstGeom prst="rect">
-            <a:avLst/>
-          </a:prstGeom>
-        </p:spPr>
-        <p:txBody>
-          <a:bodyPr vert="horz" lIns="91440" tIns="45720" rIns="91440" bIns="45720" rtlCol="0" anchor="b">
-            <a:normAutofit/>
-          </a:bodyPr>
-          <a:lstStyle>
-            <a:lvl1pPr algn="l" defTabSz="914400" rtl="0" eaLnBrk="1" latinLnBrk="0" hangingPunct="1">
-              <a:lnSpc>
-                <a:spcPct val="90000"/>
-              </a:lnSpc>
-              <a:spcBef>
-                <a:spcPct val="0"/>
-              </a:spcBef>
-              <a:buNone/>
-              <a:defRPr sz="5400" b="1" i="0" kern="1200" cap="all" baseline="0">
-                <a:solidFill>
-                  <a:schemeClr val="bg1"/>
-                </a:solidFill>
-                <a:latin typeface="+mj-lt"/>
-                <a:ea typeface="+mj-ea"/>
-                <a:cs typeface="+mj-cs"/>
-              </a:defRPr>
-            </a:lvl1pPr>
-          </a:lstStyle>
-          <a:p>
-            <a:r>
-              <a:rPr lang="tr-TR"/>
-              <a:t>Çözüm</a:t>
-            </a:r>
-          </a:p>
-        </p:txBody>
-      </p:sp>
-      <p:sp>
-        <p:nvSpPr>
-          <p:cNvPr id="5" name="Alt Başlık 2">
-            <a:extLst>
-              <a:ext uri="{FF2B5EF4-FFF2-40B4-BE49-F238E27FC236}">
-                <a16:creationId xmlns:a16="http://schemas.microsoft.com/office/drawing/2014/main" id="{A7F4681D-ED2F-43A2-1C9B-071D78271F5E}"/>
-              </a:ext>
-            </a:extLst>
-          </p:cNvPr>
-          <p:cNvSpPr txBox="1">
-            <a:spLocks/>
-          </p:cNvSpPr>
-          <p:nvPr/>
-        </p:nvSpPr>
-        <p:spPr>
-          <a:xfrm>
-            <a:off x="5792427" y="4910377"/>
-            <a:ext cx="5093208" cy="1197864"/>
-          </a:xfrm>
-          <a:prstGeom prst="rect">
-            <a:avLst/>
-          </a:prstGeom>
-        </p:spPr>
-        <p:txBody>
-          <a:bodyPr vert="horz" lIns="91440" tIns="45720" rIns="91440" bIns="45720" rtlCol="0">
-            <a:normAutofit/>
-          </a:bodyPr>
-          <a:lstStyle>
-            <a:lvl1pPr marL="0" indent="0" algn="r" defTabSz="914400" rtl="0" eaLnBrk="1" latinLnBrk="0" hangingPunct="1">
-              <a:lnSpc>
-                <a:spcPct val="90000"/>
-              </a:lnSpc>
-              <a:spcBef>
-                <a:spcPts val="1000"/>
-              </a:spcBef>
-              <a:buFont typeface="Arial" panose="020B0604020202020204" pitchFamily="34" charset="0"/>
-              <a:buNone/>
-              <a:defRPr sz="2000" kern="1200">
-                <a:solidFill>
-                  <a:schemeClr val="bg1"/>
-                </a:solidFill>
-                <a:latin typeface="+mn-lt"/>
-                <a:ea typeface="+mn-ea"/>
-                <a:cs typeface="+mn-cs"/>
-              </a:defRPr>
-            </a:lvl1pPr>
-            <a:lvl2pPr marL="457200" indent="0" algn="ctr" defTabSz="914400" rtl="0" eaLnBrk="1" latinLnBrk="0" hangingPunct="1">
-              <a:lnSpc>
-                <a:spcPct val="90000"/>
-              </a:lnSpc>
-              <a:spcBef>
-                <a:spcPts val="500"/>
-              </a:spcBef>
-              <a:buFont typeface="Arial" panose="020B0604020202020204" pitchFamily="34" charset="0"/>
-              <a:buNone/>
-              <a:defRPr sz="2000" kern="1200">
-                <a:solidFill>
-                  <a:schemeClr val="tx1"/>
-                </a:solidFill>
-                <a:latin typeface="+mn-lt"/>
-                <a:ea typeface="+mn-ea"/>
-                <a:cs typeface="+mn-cs"/>
-              </a:defRPr>
-            </a:lvl2pPr>
-            <a:lvl3pPr marL="914400" indent="0" algn="ctr" defTabSz="914400" rtl="0" eaLnBrk="1" latinLnBrk="0" hangingPunct="1">
-              <a:lnSpc>
-                <a:spcPct val="90000"/>
-              </a:lnSpc>
-              <a:spcBef>
-                <a:spcPts val="500"/>
-              </a:spcBef>
-              <a:buFont typeface="Arial" panose="020B0604020202020204" pitchFamily="34" charset="0"/>
-              <a:buNone/>
-              <a:defRPr sz="1800" kern="1200">
-                <a:solidFill>
-                  <a:schemeClr val="tx1"/>
-                </a:solidFill>
-                <a:latin typeface="+mn-lt"/>
-                <a:ea typeface="+mn-ea"/>
-                <a:cs typeface="+mn-cs"/>
-              </a:defRPr>
-            </a:lvl3pPr>
-            <a:lvl4pPr marL="1371600" indent="0" algn="ctr" defTabSz="914400" rtl="0" eaLnBrk="1" latinLnBrk="0" hangingPunct="1">
-              <a:lnSpc>
-                <a:spcPct val="90000"/>
-              </a:lnSpc>
-              <a:spcBef>
-                <a:spcPts val="500"/>
-              </a:spcBef>
-              <a:buFont typeface="Arial" panose="020B0604020202020204" pitchFamily="34" charset="0"/>
-              <a:buNone/>
-              <a:defRPr sz="1600" kern="1200">
-                <a:solidFill>
-                  <a:schemeClr val="tx1"/>
-                </a:solidFill>
-                <a:latin typeface="+mn-lt"/>
-                <a:ea typeface="+mn-ea"/>
-                <a:cs typeface="+mn-cs"/>
-              </a:defRPr>
-            </a:lvl4pPr>
-            <a:lvl5pPr marL="1828800" indent="0" algn="ctr" defTabSz="914400" rtl="0" eaLnBrk="1" latinLnBrk="0" hangingPunct="1">
-              <a:lnSpc>
-                <a:spcPct val="90000"/>
-              </a:lnSpc>
-              <a:spcBef>
-                <a:spcPts val="500"/>
-              </a:spcBef>
-              <a:buFont typeface="Arial" panose="020B0604020202020204" pitchFamily="34" charset="0"/>
-              <a:buNone/>
-              <a:defRPr sz="1600" kern="1200">
-                <a:solidFill>
-                  <a:schemeClr val="tx1"/>
-                </a:solidFill>
-                <a:latin typeface="+mn-lt"/>
-                <a:ea typeface="+mn-ea"/>
-                <a:cs typeface="+mn-cs"/>
-              </a:defRPr>
-            </a:lvl5pPr>
-            <a:lvl6pPr marL="2286000" indent="0" algn="ctr" defTabSz="914400" rtl="0" eaLnBrk="1" latinLnBrk="0" hangingPunct="1">
-              <a:lnSpc>
-                <a:spcPct val="90000"/>
-              </a:lnSpc>
-              <a:spcBef>
-                <a:spcPts val="500"/>
-              </a:spcBef>
-              <a:buFont typeface="Arial" panose="020B0604020202020204" pitchFamily="34" charset="0"/>
-              <a:buNone/>
-              <a:defRPr sz="1600" kern="1200">
-                <a:solidFill>
-                  <a:schemeClr val="tx1"/>
-                </a:solidFill>
-                <a:latin typeface="+mn-lt"/>
-                <a:ea typeface="+mn-ea"/>
-                <a:cs typeface="+mn-cs"/>
-              </a:defRPr>
-            </a:lvl6pPr>
-            <a:lvl7pPr marL="2743200" indent="0" algn="ctr" defTabSz="914400" rtl="0" eaLnBrk="1" latinLnBrk="0" hangingPunct="1">
-              <a:lnSpc>
-                <a:spcPct val="90000"/>
-              </a:lnSpc>
-              <a:spcBef>
-                <a:spcPts val="500"/>
-              </a:spcBef>
-              <a:buFont typeface="Arial" panose="020B0604020202020204" pitchFamily="34" charset="0"/>
-              <a:buNone/>
-              <a:defRPr sz="1600" kern="1200">
-                <a:solidFill>
-                  <a:schemeClr val="tx1"/>
-                </a:solidFill>
-                <a:latin typeface="+mn-lt"/>
-                <a:ea typeface="+mn-ea"/>
-                <a:cs typeface="+mn-cs"/>
-              </a:defRPr>
-            </a:lvl7pPr>
-            <a:lvl8pPr marL="3200400" indent="0" algn="ctr" defTabSz="914400" rtl="0" eaLnBrk="1" latinLnBrk="0" hangingPunct="1">
-              <a:lnSpc>
-                <a:spcPct val="90000"/>
-              </a:lnSpc>
-              <a:spcBef>
-                <a:spcPts val="500"/>
-              </a:spcBef>
-              <a:buFont typeface="Arial" panose="020B0604020202020204" pitchFamily="34" charset="0"/>
-              <a:buNone/>
-              <a:defRPr sz="1600" kern="1200">
-                <a:solidFill>
-                  <a:schemeClr val="tx1"/>
-                </a:solidFill>
-                <a:latin typeface="+mn-lt"/>
-                <a:ea typeface="+mn-ea"/>
-                <a:cs typeface="+mn-cs"/>
-              </a:defRPr>
-            </a:lvl8pPr>
-            <a:lvl9pPr marL="3657600" indent="0" algn="ctr" defTabSz="914400" rtl="0" eaLnBrk="1" latinLnBrk="0" hangingPunct="1">
-              <a:lnSpc>
-                <a:spcPct val="90000"/>
-              </a:lnSpc>
-              <a:spcBef>
-                <a:spcPts val="500"/>
-              </a:spcBef>
-              <a:buFont typeface="Arial" panose="020B0604020202020204" pitchFamily="34" charset="0"/>
-              <a:buNone/>
-              <a:defRPr sz="1600" kern="1200">
-                <a:solidFill>
-                  <a:schemeClr val="tx1"/>
-                </a:solidFill>
-                <a:latin typeface="+mn-lt"/>
-                <a:ea typeface="+mn-ea"/>
-                <a:cs typeface="+mn-cs"/>
-              </a:defRPr>
-            </a:lvl9pPr>
-          </a:lstStyle>
-          <a:p>
-            <a:endParaRPr lang="tr-TR"/>
-          </a:p>
-        </p:txBody>
-      </p:sp>
-      <p:sp>
-        <p:nvSpPr>
-          <p:cNvPr id="6" name="Alt Başlık 2">
-            <a:extLst>
-              <a:ext uri="{FF2B5EF4-FFF2-40B4-BE49-F238E27FC236}">
-                <a16:creationId xmlns:a16="http://schemas.microsoft.com/office/drawing/2014/main" id="{10966067-CB86-055F-3ED0-4FD53BD027CF}"/>
-              </a:ext>
-            </a:extLst>
-          </p:cNvPr>
-          <p:cNvSpPr txBox="1">
-            <a:spLocks/>
-          </p:cNvSpPr>
-          <p:nvPr/>
-        </p:nvSpPr>
-        <p:spPr>
-          <a:xfrm>
-            <a:off x="1707123" y="4904996"/>
-            <a:ext cx="5093208" cy="1197864"/>
-          </a:xfrm>
-          <a:prstGeom prst="rect">
-            <a:avLst/>
-          </a:prstGeom>
-        </p:spPr>
-        <p:txBody>
-          <a:bodyPr vert="horz" lIns="91440" tIns="45720" rIns="91440" bIns="45720" rtlCol="0">
-            <a:normAutofit/>
-          </a:bodyPr>
-          <a:lstStyle>
-            <a:lvl1pPr marL="0" indent="0" algn="r" defTabSz="914400" rtl="0" eaLnBrk="1" latinLnBrk="0" hangingPunct="1">
-              <a:lnSpc>
-                <a:spcPct val="90000"/>
-              </a:lnSpc>
-              <a:spcBef>
-                <a:spcPts val="1000"/>
-              </a:spcBef>
-              <a:buFont typeface="Arial" panose="020B0604020202020204" pitchFamily="34" charset="0"/>
-              <a:buNone/>
-              <a:defRPr sz="2000" kern="1200">
-                <a:solidFill>
-                  <a:schemeClr val="bg1"/>
-                </a:solidFill>
-                <a:latin typeface="+mn-lt"/>
-                <a:ea typeface="+mn-ea"/>
-                <a:cs typeface="+mn-cs"/>
-              </a:defRPr>
-            </a:lvl1pPr>
-            <a:lvl2pPr marL="457200" indent="0" algn="ctr" defTabSz="914400" rtl="0" eaLnBrk="1" latinLnBrk="0" hangingPunct="1">
-              <a:lnSpc>
-                <a:spcPct val="90000"/>
-              </a:lnSpc>
-              <a:spcBef>
-                <a:spcPts val="500"/>
-              </a:spcBef>
-              <a:buFont typeface="Arial" panose="020B0604020202020204" pitchFamily="34" charset="0"/>
-              <a:buNone/>
-              <a:defRPr sz="2000" kern="1200">
-                <a:solidFill>
-                  <a:schemeClr val="tx1"/>
-                </a:solidFill>
-                <a:latin typeface="+mn-lt"/>
-                <a:ea typeface="+mn-ea"/>
-                <a:cs typeface="+mn-cs"/>
-              </a:defRPr>
-            </a:lvl2pPr>
-            <a:lvl3pPr marL="914400" indent="0" algn="ctr" defTabSz="914400" rtl="0" eaLnBrk="1" latinLnBrk="0" hangingPunct="1">
-              <a:lnSpc>
-                <a:spcPct val="90000"/>
-              </a:lnSpc>
-              <a:spcBef>
-                <a:spcPts val="500"/>
-              </a:spcBef>
-              <a:buFont typeface="Arial" panose="020B0604020202020204" pitchFamily="34" charset="0"/>
-              <a:buNone/>
-              <a:defRPr sz="1800" kern="1200">
-                <a:solidFill>
-                  <a:schemeClr val="tx1"/>
-                </a:solidFill>
-                <a:latin typeface="+mn-lt"/>
-                <a:ea typeface="+mn-ea"/>
-                <a:cs typeface="+mn-cs"/>
-              </a:defRPr>
-            </a:lvl3pPr>
-            <a:lvl4pPr marL="1371600" indent="0" algn="ctr" defTabSz="914400" rtl="0" eaLnBrk="1" latinLnBrk="0" hangingPunct="1">
-              <a:lnSpc>
-                <a:spcPct val="90000"/>
-              </a:lnSpc>
-              <a:spcBef>
-                <a:spcPts val="500"/>
-              </a:spcBef>
-              <a:buFont typeface="Arial" panose="020B0604020202020204" pitchFamily="34" charset="0"/>
-              <a:buNone/>
-              <a:defRPr sz="1600" kern="1200">
-                <a:solidFill>
-                  <a:schemeClr val="tx1"/>
-                </a:solidFill>
-                <a:latin typeface="+mn-lt"/>
-                <a:ea typeface="+mn-ea"/>
-                <a:cs typeface="+mn-cs"/>
-              </a:defRPr>
-            </a:lvl4pPr>
-            <a:lvl5pPr marL="1828800" indent="0" algn="ctr" defTabSz="914400" rtl="0" eaLnBrk="1" latinLnBrk="0" hangingPunct="1">
-              <a:lnSpc>
-                <a:spcPct val="90000"/>
-              </a:lnSpc>
-              <a:spcBef>
-                <a:spcPts val="500"/>
-              </a:spcBef>
-              <a:buFont typeface="Arial" panose="020B0604020202020204" pitchFamily="34" charset="0"/>
-              <a:buNone/>
-              <a:defRPr sz="1600" kern="1200">
-                <a:solidFill>
-                  <a:schemeClr val="tx1"/>
-                </a:solidFill>
-                <a:latin typeface="+mn-lt"/>
-                <a:ea typeface="+mn-ea"/>
-                <a:cs typeface="+mn-cs"/>
-              </a:defRPr>
-            </a:lvl5pPr>
-            <a:lvl6pPr marL="2286000" indent="0" algn="ctr" defTabSz="914400" rtl="0" eaLnBrk="1" latinLnBrk="0" hangingPunct="1">
-              <a:lnSpc>
-                <a:spcPct val="90000"/>
-              </a:lnSpc>
-              <a:spcBef>
-                <a:spcPts val="500"/>
-              </a:spcBef>
-              <a:buFont typeface="Arial" panose="020B0604020202020204" pitchFamily="34" charset="0"/>
-              <a:buNone/>
-              <a:defRPr sz="1600" kern="1200">
-                <a:solidFill>
-                  <a:schemeClr val="tx1"/>
-                </a:solidFill>
-                <a:latin typeface="+mn-lt"/>
-                <a:ea typeface="+mn-ea"/>
-                <a:cs typeface="+mn-cs"/>
-              </a:defRPr>
-            </a:lvl6pPr>
-            <a:lvl7pPr marL="2743200" indent="0" algn="ctr" defTabSz="914400" rtl="0" eaLnBrk="1" latinLnBrk="0" hangingPunct="1">
-              <a:lnSpc>
-                <a:spcPct val="90000"/>
-              </a:lnSpc>
-              <a:spcBef>
-                <a:spcPts val="500"/>
-              </a:spcBef>
-              <a:buFont typeface="Arial" panose="020B0604020202020204" pitchFamily="34" charset="0"/>
-              <a:buNone/>
-              <a:defRPr sz="1600" kern="1200">
-                <a:solidFill>
-                  <a:schemeClr val="tx1"/>
-                </a:solidFill>
-                <a:latin typeface="+mn-lt"/>
-                <a:ea typeface="+mn-ea"/>
-                <a:cs typeface="+mn-cs"/>
-              </a:defRPr>
-            </a:lvl7pPr>
-            <a:lvl8pPr marL="3200400" indent="0" algn="ctr" defTabSz="914400" rtl="0" eaLnBrk="1" latinLnBrk="0" hangingPunct="1">
-              <a:lnSpc>
-                <a:spcPct val="90000"/>
-              </a:lnSpc>
-              <a:spcBef>
-                <a:spcPts val="500"/>
-              </a:spcBef>
-              <a:buFont typeface="Arial" panose="020B0604020202020204" pitchFamily="34" charset="0"/>
-              <a:buNone/>
-              <a:defRPr sz="1600" kern="1200">
-                <a:solidFill>
-                  <a:schemeClr val="tx1"/>
-                </a:solidFill>
-                <a:latin typeface="+mn-lt"/>
-                <a:ea typeface="+mn-ea"/>
-                <a:cs typeface="+mn-cs"/>
-              </a:defRPr>
-            </a:lvl8pPr>
-            <a:lvl9pPr marL="3657600" indent="0" algn="ctr" defTabSz="914400" rtl="0" eaLnBrk="1" latinLnBrk="0" hangingPunct="1">
-              <a:lnSpc>
-                <a:spcPct val="90000"/>
-              </a:lnSpc>
-              <a:spcBef>
-                <a:spcPts val="500"/>
-              </a:spcBef>
-              <a:buFont typeface="Arial" panose="020B0604020202020204" pitchFamily="34" charset="0"/>
-              <a:buNone/>
-              <a:defRPr sz="1600" kern="1200">
-                <a:solidFill>
-                  <a:schemeClr val="tx1"/>
-                </a:solidFill>
-                <a:latin typeface="+mn-lt"/>
-                <a:ea typeface="+mn-ea"/>
-                <a:cs typeface="+mn-cs"/>
-              </a:defRPr>
-            </a:lvl9pPr>
-          </a:lstStyle>
-          <a:p>
-            <a:pPr algn="l"/>
-            <a:r>
-              <a:rPr lang="en-US" sz="2000" err="1"/>
-              <a:t>Bütün</a:t>
-            </a:r>
-            <a:r>
-              <a:rPr lang="en-US" sz="2000"/>
-              <a:t> </a:t>
-            </a:r>
-            <a:r>
-              <a:rPr lang="en-US" sz="2000" err="1"/>
-              <a:t>gereksinimleri</a:t>
-            </a:r>
-            <a:r>
-              <a:rPr lang="en-US" sz="2000"/>
-              <a:t> </a:t>
-            </a:r>
-            <a:r>
-              <a:rPr lang="en-US" sz="2000" err="1"/>
-              <a:t>karşılayacak</a:t>
-            </a:r>
-            <a:r>
-              <a:rPr lang="en-US" sz="2000"/>
-              <a:t> </a:t>
-            </a:r>
-            <a:r>
-              <a:rPr lang="en-US" sz="2000" err="1"/>
-              <a:t>bir</a:t>
-            </a:r>
-            <a:r>
-              <a:rPr lang="en-US" sz="2000"/>
-              <a:t> web </a:t>
-            </a:r>
-            <a:r>
-              <a:rPr lang="en-US" sz="2000" err="1"/>
-              <a:t>sitesi</a:t>
-            </a:r>
-            <a:r>
-              <a:rPr lang="en-US" sz="2000"/>
-              <a:t> </a:t>
-            </a:r>
-            <a:r>
-              <a:rPr lang="en-US" sz="2000" err="1"/>
-              <a:t>tasarlamak</a:t>
-            </a:r>
-            <a:r>
-              <a:rPr lang="en-US" sz="2000"/>
-              <a:t>.</a:t>
-            </a:r>
-            <a:endParaRPr lang="tr-TR" sz="2000"/>
-          </a:p>
-        </p:txBody>
-      </p:sp>
-      <p:pic>
-        <p:nvPicPr>
-          <p:cNvPr id="8" name="Resim 7">
-            <a:extLst>
-              <a:ext uri="{FF2B5EF4-FFF2-40B4-BE49-F238E27FC236}">
-                <a16:creationId xmlns:a16="http://schemas.microsoft.com/office/drawing/2014/main" id="{F38889D9-5C0E-549F-B5E6-5802830863CE}"/>
-              </a:ext>
-            </a:extLst>
-          </p:cNvPr>
-          <p:cNvPicPr>
-            <a:picLocks noChangeAspect="1"/>
-          </p:cNvPicPr>
-          <p:nvPr/>
-        </p:nvPicPr>
-        <p:blipFill>
-          <a:blip r:embed="rId2"/>
-          <a:stretch>
-            <a:fillRect/>
-          </a:stretch>
-        </p:blipFill>
-        <p:spPr>
-          <a:xfrm>
-            <a:off x="8844314" y="2231136"/>
-            <a:ext cx="3051887" cy="3051887"/>
-          </a:xfrm>
-          <a:prstGeom prst="rect">
-            <a:avLst/>
-          </a:prstGeom>
-        </p:spPr>
-      </p:pic>
-    </p:spTree>
-    <p:extLst>
-      <p:ext uri="{BB962C8B-B14F-4D97-AF65-F5344CB8AC3E}">
-        <p14:creationId xmlns:p14="http://schemas.microsoft.com/office/powerpoint/2010/main" val="3646751121"/>
-      </p:ext>
-    </p:extLst>
-  </p:cSld>
-  <p:clrMapOvr>
-    <a:masterClrMapping/>
-  </p:clrMapOvr>
-</p:sld>
-</file>
-
-<file path=ppt/slides/slide4.xml><?xml version="1.0" encoding="utf-8"?>
-<p:sld xmlns:a="http://schemas.openxmlformats.org/drawingml/2006/main" xmlns:r="http://schemas.openxmlformats.org/officeDocument/2006/relationships" xmlns:p="http://schemas.openxmlformats.org/presentationml/2006/main">
-  <p:cSld>
-    <p:spTree>
-      <p:nvGrpSpPr>
-        <p:cNvPr id="1" name=""/>
-        <p:cNvGrpSpPr/>
-        <p:nvPr/>
-      </p:nvGrpSpPr>
-      <p:grpSpPr>
-        <a:xfrm>
-          <a:off x="0" y="0"/>
-          <a:ext cx="0" cy="0"/>
-          <a:chOff x="0" y="0"/>
-          <a:chExt cx="0" cy="0"/>
-        </a:xfrm>
-      </p:grpSpPr>
-      <p:sp>
-        <p:nvSpPr>
-          <p:cNvPr id="7" name="Slayt Numarası Yer Tutucusu 5">
-            <a:extLst>
-              <a:ext uri="{FF2B5EF4-FFF2-40B4-BE49-F238E27FC236}">
-                <a16:creationId xmlns:a16="http://schemas.microsoft.com/office/drawing/2014/main" id="{4ECDE54D-4BD2-4764-A36A-8487DB61E7A6}"/>
-              </a:ext>
-            </a:extLst>
-          </p:cNvPr>
-          <p:cNvSpPr>
-            <a:spLocks noGrp="1"/>
-          </p:cNvSpPr>
-          <p:nvPr>
-            <p:ph type="sldNum" sz="quarter" idx="12"/>
-          </p:nvPr>
-        </p:nvSpPr>
-        <p:spPr>
-          <a:xfrm>
-            <a:off x="8610600" y="6356350"/>
-            <a:ext cx="2743200" cy="365125"/>
-          </a:xfrm>
-        </p:spPr>
-        <p:txBody>
-          <a:bodyPr rtlCol="0"/>
-          <a:lstStyle/>
-          <a:p>
-            <a:pPr rtl="0"/>
-            <a:fld id="{D8DA9DAA-006C-4F4B-980E-E3DF019B24E2}" type="slidenum">
-              <a:rPr lang="tr-TR" b="1" cap="all" spc="100" smtClean="0">
-                <a:solidFill>
-                  <a:schemeClr val="accent2"/>
-                </a:solidFill>
-              </a:rPr>
-              <a:t>4</a:t>
-            </a:fld>
-            <a:endParaRPr lang="tr-TR" b="1" cap="all" spc="100">
-              <a:solidFill>
-                <a:schemeClr val="accent2"/>
-              </a:solidFill>
-            </a:endParaRPr>
-          </a:p>
-        </p:txBody>
-      </p:sp>
       <mc:AlternateContent xmlns:mc="http://schemas.openxmlformats.org/markup-compatibility/2006" xmlns:p14="http://schemas.microsoft.com/office/powerpoint/2010/main">
         <mc:Choice Requires="p14">
           <p:contentPart p14:bwMode="auto" r:id="rId3">
@@ -17928,7 +16899,7 @@
             <p:ph idx="1"/>
             <p:extLst>
               <p:ext uri="{D42A27DB-BD31-4B8C-83A1-F6EECF244321}">
-                <p14:modId xmlns:p14="http://schemas.microsoft.com/office/powerpoint/2010/main" val="4071964944"/>
+                <p14:modId xmlns:p14="http://schemas.microsoft.com/office/powerpoint/2010/main" val="3247320692"/>
               </p:ext>
             </p:extLst>
           </p:nvPr>
@@ -17990,7 +16961,7 @@
                       <a:r>
                         <a:rPr lang="tr-TR" noProof="0">
                           <a:solidFill>
-                            <a:schemeClr val="bg1"/>
+                            <a:srgbClr val="FFFFFF"/>
                           </a:solidFill>
                         </a:rPr>
                         <a:t>Fizibilite</a:t>
@@ -18051,7 +17022,7 @@
                       <a:r>
                         <a:rPr lang="tr-TR" noProof="0">
                           <a:solidFill>
-                            <a:schemeClr val="bg1"/>
+                            <a:srgbClr val="FFFFFF"/>
                           </a:solidFill>
                         </a:rPr>
                         <a:t>Ağırlık</a:t>
@@ -18097,7 +17068,7 @@
                       <a:r>
                         <a:rPr lang="tr-TR" noProof="0">
                           <a:solidFill>
-                            <a:schemeClr val="bg1"/>
+                            <a:srgbClr val="FFFFFF"/>
                           </a:solidFill>
                         </a:rPr>
                         <a:t>Önerilen Sistem 1</a:t>
@@ -18139,7 +17110,7 @@
                       <a:r>
                         <a:rPr lang="tr-TR" noProof="0">
                           <a:solidFill>
-                            <a:schemeClr val="bg1"/>
+                            <a:srgbClr val="FFFFFF"/>
                           </a:solidFill>
                         </a:rPr>
                         <a:t>Önerilen Sistem 2</a:t>
@@ -18181,7 +17152,7 @@
                       <a:r>
                         <a:rPr lang="tr-TR" noProof="0">
                           <a:solidFill>
-                            <a:schemeClr val="bg1"/>
+                            <a:srgbClr val="FFFFFF"/>
                           </a:solidFill>
                         </a:rPr>
                         <a:t>Önerilen Sistem 3</a:t>
@@ -18327,7 +17298,7 @@
                       <a:pPr algn="ctr" rtl="0"/>
                       <a:r>
                         <a:rPr lang="tr-TR" sz="1200"/>
-                        <a:t>Yeterli teknik elemana sahip olup React kütüphanesine yetkiniz. Eğer dışarıdan eleman desteği gerekirse React bilen birisini bulmak diğer Js kütüphanelerini bilen birisini bulmaktan daha kolay. </a:t>
+                        <a:t>Yeterli teknik elemana sahip olup React kütüphanesine yetkiniz. Eğer dışarıdan eleman desteği gerekirse React bilen birisini bulmak diğer Js kütüphanelerini bilen birisini bulmaktan daha kolay. </a:t>
                       </a:r>
                     </a:p>
                     <a:p>
@@ -18446,7 +17417,15 @@
                       <a:pPr algn="ctr" rtl="0"/>
                       <a:r>
                         <a:rPr lang="tr-TR" sz="1200"/>
-                        <a:t>Büyük ve karışık kod tabanlarında Angular kodunu okumak ve anlamak diğerlerine göre daha kolaydır. Ancak projenin kod tabanı ufak olacağından gerekli değildir. 4 puan</a:t>
+                        <a:t>Büyük ve karışık kod tabanlarında </a:t>
+                      </a:r>
+                      <a:r>
+                        <a:rPr lang="tr-TR" sz="1200" err="1"/>
+                        <a:t>Angular</a:t>
+                      </a:r>
+                      <a:r>
+                        <a:rPr lang="tr-TR" sz="1200"/>
+                        <a:t> kodunu okumak ve anlamak diğerlerine göre daha kolaydır. Ancak projenin kod tabanı ufak olacağından gerekli değildir.</a:t>
                       </a:r>
                     </a:p>
                     <a:p>
@@ -18603,14 +17582,38 @@
                     <a:p>
                       <a:pPr algn="ctr" rtl="0"/>
                       <a:r>
-                        <a:rPr lang="tr-TR" sz="1200"/>
-                        <a:t>Proje bitiminden elde edilecek net gelir 602.748₺. İnternet sitesinin yıllık bakım net geliri 310.902₺. 1 Yılın sonunda elde edilecek net gelir 913.650₺.</a:t>
+                        <a:rPr lang="tr-TR" sz="1200" dirty="0"/>
+                        <a:t>Proje bitiminden elde edilecek brüt gelir 800.000₺, net gelir </a:t>
+                      </a:r>
+                      <a:r>
+                        <a:rPr lang="tr-TR" sz="1200" b="0" i="0" u="none" strike="noStrike" noProof="0" dirty="0">
+                          <a:solidFill>
+                            <a:srgbClr val="000000"/>
+                          </a:solidFill>
+                        </a:rPr>
+                        <a:t>384.711,85</a:t>
+                      </a:r>
+                      <a:r>
+                        <a:rPr lang="tr-TR" sz="1200" dirty="0"/>
+                        <a:t>₺. İnternet sitesinin yıllık bakım net geliri</a:t>
+                      </a:r>
+                      <a:r>
+                        <a:rPr lang="tr-TR" sz="1200" b="0" i="0" u="none" strike="noStrike" noProof="0" dirty="0">
+                          <a:solidFill>
+                            <a:srgbClr val="000000"/>
+                          </a:solidFill>
+                        </a:rPr>
+                        <a:t> 29.389,27</a:t>
+                      </a:r>
+                      <a:r>
+                        <a:rPr lang="tr-TR" sz="1200" dirty="0"/>
+                        <a:t>₺. Proje gideri 415.288,15₺.</a:t>
                       </a:r>
                     </a:p>
                     <a:p>
                       <a:pPr algn="l" rtl="0"/>
                       <a:r>
-                        <a:rPr lang="tr-TR" sz="1200" b="1" noProof="0"/>
+                        <a:rPr lang="tr-TR" sz="1200" b="1" noProof="0" dirty="0"/>
                         <a:t>Puan: 90</a:t>
                       </a:r>
                     </a:p>
@@ -18662,14 +17665,33 @@
                     <a:p>
                       <a:pPr algn="ctr" rtl="0"/>
                       <a:r>
-                        <a:rPr lang="tr-TR" sz="1200"/>
-                        <a:t>Proje bitiminden elde edilecek net gelir 262.410₺. İnternet sitesinin yıllık bakım net geliri 310.902₺. 1 Yılın sonunda elde edilecek net gelir 573.312₺</a:t>
+                        <a:rPr lang="tr-TR" sz="1200" dirty="0"/>
+                        <a:t>Proje bitiminden elde edilecek brüt gelir 800.000₺, net gelir 246.282,47₺. İnternet sitesinin yıllık bakım net geliri</a:t>
+                      </a:r>
+                      <a:r>
+                        <a:rPr lang="tr-TR" sz="1200" b="0" i="0" u="none" strike="noStrike" noProof="0" dirty="0">
+                          <a:solidFill>
+                            <a:srgbClr val="000000"/>
+                          </a:solidFill>
+                        </a:rPr>
+                        <a:t> 29.389,27₺.</a:t>
+                      </a:r>
+                    </a:p>
+                    <a:p>
+                      <a:pPr algn="ctr" rtl="0"/>
+                      <a:r>
+                        <a:rPr lang="tr-TR" sz="1200" b="0" i="0" u="none" strike="noStrike" noProof="0" dirty="0">
+                          <a:solidFill>
+                            <a:srgbClr val="000000"/>
+                          </a:solidFill>
+                        </a:rPr>
+                        <a:t>Proje gideri 553.717,53₺.</a:t>
                       </a:r>
                     </a:p>
                     <a:p>
                       <a:pPr algn="l" rtl="0"/>
                       <a:r>
-                        <a:rPr lang="tr-TR" sz="1200" b="1" noProof="0"/>
+                        <a:rPr lang="tr-TR" sz="1200" b="1" noProof="0" dirty="0"/>
                         <a:t>Puan: 50</a:t>
                       </a:r>
                     </a:p>
@@ -18724,14 +17746,6 @@
                         <a:rPr lang="tr-TR" sz="1200"/>
                         <a:t>Giderler ve maaliyetler Önerilen sistem 2 ile aynıdır.</a:t>
                       </a:r>
-                    </a:p>
-                    <a:p>
-                      <a:pPr algn="ctr" rtl="0"/>
-                      <a:endParaRPr lang="tr-TR" sz="1200"/>
-                    </a:p>
-                    <a:p>
-                      <a:pPr algn="ctr" rtl="0"/>
-                      <a:endParaRPr lang="tr-TR" sz="1200"/>
                     </a:p>
                     <a:p>
                       <a:pPr algn="ctr" rtl="0"/>
@@ -20277,7 +19291,7 @@
                     <a:p>
                       <a:pPr algn="ctr" rtl="0"/>
                       <a:r>
-                        <a:rPr lang="tr-TR" sz="1200" b="1" noProof="0"/>
+                        <a:rPr lang="tr-TR" sz="1200" b="1" noProof="0" dirty="0"/>
                         <a:t>63.5 Puan</a:t>
                       </a:r>
                     </a:p>
@@ -20339,7 +19353,1553 @@
 </p:sld>
 </file>
 
-<file path=ppt/slides/slide5.xml><?xml version="1.0" encoding="utf-8"?>
+<file path=ppt/slides/slide12.xml><?xml version="1.0" encoding="utf-8"?>
+<p:sld xmlns:a="http://schemas.openxmlformats.org/drawingml/2006/main" xmlns:r="http://schemas.openxmlformats.org/officeDocument/2006/relationships" xmlns:p="http://schemas.openxmlformats.org/presentationml/2006/main">
+  <p:cSld>
+    <p:spTree>
+      <p:nvGrpSpPr>
+        <p:cNvPr id="1" name=""/>
+        <p:cNvGrpSpPr/>
+        <p:nvPr/>
+      </p:nvGrpSpPr>
+      <p:grpSpPr>
+        <a:xfrm>
+          <a:off x="0" y="0"/>
+          <a:ext cx="0" cy="0"/>
+          <a:chOff x="0" y="0"/>
+          <a:chExt cx="0" cy="0"/>
+        </a:xfrm>
+      </p:grpSpPr>
+      <p:sp>
+        <p:nvSpPr>
+          <p:cNvPr id="2" name="Başlık 1">
+            <a:extLst>
+              <a:ext uri="{FF2B5EF4-FFF2-40B4-BE49-F238E27FC236}">
+                <a16:creationId xmlns:a16="http://schemas.microsoft.com/office/drawing/2014/main" id="{9F30DBB3-146B-9DD1-8747-A5DCFACE70E5}"/>
+              </a:ext>
+            </a:extLst>
+          </p:cNvPr>
+          <p:cNvSpPr>
+            <a:spLocks noGrp="1"/>
+          </p:cNvSpPr>
+          <p:nvPr>
+            <p:ph type="ctrTitle"/>
+          </p:nvPr>
+        </p:nvSpPr>
+        <p:spPr>
+          <a:xfrm>
+            <a:off x="1552448" y="960120"/>
+            <a:ext cx="6272784" cy="938784"/>
+          </a:xfrm>
+        </p:spPr>
+        <p:txBody>
+          <a:bodyPr/>
+          <a:lstStyle/>
+          <a:p>
+            <a:r>
+              <a:rPr lang="tr-TR"/>
+              <a:t>Sonuç raporu</a:t>
+            </a:r>
+          </a:p>
+        </p:txBody>
+      </p:sp>
+      <p:sp>
+        <p:nvSpPr>
+          <p:cNvPr id="3" name="Alt Başlık 2">
+            <a:extLst>
+              <a:ext uri="{FF2B5EF4-FFF2-40B4-BE49-F238E27FC236}">
+                <a16:creationId xmlns:a16="http://schemas.microsoft.com/office/drawing/2014/main" id="{04A07E4E-AA3C-6F1B-04F1-FBCA88906A0A}"/>
+              </a:ext>
+            </a:extLst>
+          </p:cNvPr>
+          <p:cNvSpPr>
+            <a:spLocks noGrp="1"/>
+          </p:cNvSpPr>
+          <p:nvPr>
+            <p:ph type="subTitle" idx="1"/>
+          </p:nvPr>
+        </p:nvSpPr>
+        <p:spPr>
+          <a:xfrm>
+            <a:off x="1552448" y="2383536"/>
+            <a:ext cx="6103112" cy="3824224"/>
+          </a:xfrm>
+        </p:spPr>
+        <p:txBody>
+          <a:bodyPr>
+            <a:normAutofit lnSpcReduction="10000"/>
+          </a:bodyPr>
+          <a:lstStyle/>
+          <a:p>
+            <a:pPr marL="342900" indent="-342900" algn="l">
+              <a:buFont typeface="Arial" panose="020B0604020202020204" pitchFamily="34" charset="0"/>
+              <a:buChar char="•"/>
+            </a:pPr>
+            <a:r>
+              <a:rPr lang="tr-TR"/>
+              <a:t>Önerilen Sistem 1, 91 puan alarak seçilmiştir.</a:t>
+            </a:r>
+          </a:p>
+          <a:p>
+            <a:pPr marL="342900" indent="-342900" algn="l">
+              <a:buFont typeface="Arial" panose="020B0604020202020204" pitchFamily="34" charset="0"/>
+              <a:buChar char="•"/>
+            </a:pPr>
+            <a:r>
+              <a:rPr lang="tr-TR"/>
+              <a:t>Teknik Fizibilite sonucunda </a:t>
+            </a:r>
+            <a:r>
+              <a:rPr lang="tr-TR" err="1"/>
+              <a:t>React</a:t>
+            </a:r>
+            <a:r>
+              <a:rPr lang="tr-TR"/>
+              <a:t> kullanılmaya karar verilmiştir.</a:t>
+            </a:r>
+          </a:p>
+          <a:p>
+            <a:pPr marL="342900" indent="-342900" algn="l">
+              <a:buFont typeface="Arial" panose="020B0604020202020204" pitchFamily="34" charset="0"/>
+              <a:buChar char="•"/>
+            </a:pPr>
+            <a:r>
+              <a:rPr lang="tr-TR"/>
+              <a:t>Zaman Fizibilitesi sonucunda proje 1.5 ayda bitirilecektir.</a:t>
+            </a:r>
+          </a:p>
+          <a:p>
+            <a:pPr marL="342900" indent="-342900" algn="l">
+              <a:buFont typeface="Arial" panose="020B0604020202020204" pitchFamily="34" charset="0"/>
+              <a:buChar char="•"/>
+            </a:pPr>
+            <a:r>
+              <a:rPr lang="tr-TR"/>
+              <a:t>Sosyal Fizibilite sonucunda kullanıcıların deneyiminde karşılaşabilecekleri herhangi bir sorunla karşılaşılmamıştır.</a:t>
+            </a:r>
+          </a:p>
+          <a:p>
+            <a:pPr marL="342900" indent="-342900" algn="l">
+              <a:buFont typeface="Arial" panose="020B0604020202020204" pitchFamily="34" charset="0"/>
+              <a:buChar char="•"/>
+            </a:pPr>
+            <a:r>
+              <a:rPr lang="tr-TR"/>
+              <a:t>Yönetim Fizibilitesi sonucunda yönetim projeyi desteklemiştir.</a:t>
+            </a:r>
+          </a:p>
+          <a:p>
+            <a:pPr marL="342900" indent="-342900" algn="l">
+              <a:buFont typeface="Arial" panose="020B0604020202020204" pitchFamily="34" charset="0"/>
+              <a:buChar char="•"/>
+            </a:pPr>
+            <a:r>
+              <a:rPr lang="tr-TR"/>
+              <a:t>Yasal Fizibilite çalışması sonucunda herhangi bir sıkıntıyla karşılaşılmamıştır.</a:t>
+            </a:r>
+          </a:p>
+        </p:txBody>
+      </p:sp>
+      <p:pic>
+        <p:nvPicPr>
+          <p:cNvPr id="5" name="Resim 4">
+            <a:extLst>
+              <a:ext uri="{FF2B5EF4-FFF2-40B4-BE49-F238E27FC236}">
+                <a16:creationId xmlns:a16="http://schemas.microsoft.com/office/drawing/2014/main" id="{F3F77ACC-31EB-47B7-65C4-0699588489FF}"/>
+              </a:ext>
+            </a:extLst>
+          </p:cNvPr>
+          <p:cNvPicPr>
+            <a:picLocks noChangeAspect="1"/>
+          </p:cNvPicPr>
+          <p:nvPr/>
+        </p:nvPicPr>
+        <p:blipFill>
+          <a:blip r:embed="rId2"/>
+          <a:stretch>
+            <a:fillRect/>
+          </a:stretch>
+        </p:blipFill>
+        <p:spPr>
+          <a:xfrm>
+            <a:off x="8745049" y="2177964"/>
+            <a:ext cx="3192951" cy="3192951"/>
+          </a:xfrm>
+          <a:prstGeom prst="rect">
+            <a:avLst/>
+          </a:prstGeom>
+        </p:spPr>
+      </p:pic>
+      <p:pic>
+        <p:nvPicPr>
+          <p:cNvPr id="7" name="Resim 6">
+            <a:extLst>
+              <a:ext uri="{FF2B5EF4-FFF2-40B4-BE49-F238E27FC236}">
+                <a16:creationId xmlns:a16="http://schemas.microsoft.com/office/drawing/2014/main" id="{6C122888-8BBF-864C-8C0C-A5388606A2CB}"/>
+              </a:ext>
+            </a:extLst>
+          </p:cNvPr>
+          <p:cNvPicPr>
+            <a:picLocks noChangeAspect="1"/>
+          </p:cNvPicPr>
+          <p:nvPr/>
+        </p:nvPicPr>
+        <p:blipFill>
+          <a:blip r:embed="rId3"/>
+          <a:stretch>
+            <a:fillRect/>
+          </a:stretch>
+        </p:blipFill>
+        <p:spPr>
+          <a:xfrm rot="10800000">
+            <a:off x="1087104" y="1077855"/>
+            <a:ext cx="365792" cy="2792210"/>
+          </a:xfrm>
+          <a:prstGeom prst="rect">
+            <a:avLst/>
+          </a:prstGeom>
+        </p:spPr>
+      </p:pic>
+    </p:spTree>
+    <p:extLst>
+      <p:ext uri="{BB962C8B-B14F-4D97-AF65-F5344CB8AC3E}">
+        <p14:creationId xmlns:p14="http://schemas.microsoft.com/office/powerpoint/2010/main" val="3469129135"/>
+      </p:ext>
+    </p:extLst>
+  </p:cSld>
+  <p:clrMapOvr>
+    <a:masterClrMapping/>
+  </p:clrMapOvr>
+</p:sld>
+</file>
+
+<file path=ppt/slides/slide13.xml><?xml version="1.0" encoding="utf-8"?>
+<p:sld xmlns:a="http://schemas.openxmlformats.org/drawingml/2006/main" xmlns:r="http://schemas.openxmlformats.org/officeDocument/2006/relationships" xmlns:p="http://schemas.openxmlformats.org/presentationml/2006/main">
+  <p:cSld>
+    <p:spTree>
+      <p:nvGrpSpPr>
+        <p:cNvPr id="1" name=""/>
+        <p:cNvGrpSpPr/>
+        <p:nvPr/>
+      </p:nvGrpSpPr>
+      <p:grpSpPr>
+        <a:xfrm>
+          <a:off x="0" y="0"/>
+          <a:ext cx="0" cy="0"/>
+          <a:chOff x="0" y="0"/>
+          <a:chExt cx="0" cy="0"/>
+        </a:xfrm>
+      </p:grpSpPr>
+      <p:sp>
+        <p:nvSpPr>
+          <p:cNvPr id="6" name="Başlık 5">
+            <a:extLst>
+              <a:ext uri="{FF2B5EF4-FFF2-40B4-BE49-F238E27FC236}">
+                <a16:creationId xmlns:a16="http://schemas.microsoft.com/office/drawing/2014/main" id="{FF777B66-94CB-491C-AC6B-BDAC98E21D57}"/>
+              </a:ext>
+            </a:extLst>
+          </p:cNvPr>
+          <p:cNvSpPr>
+            <a:spLocks noGrp="1"/>
+          </p:cNvSpPr>
+          <p:nvPr>
+            <p:ph type="title"/>
+          </p:nvPr>
+        </p:nvSpPr>
+        <p:spPr/>
+        <p:txBody>
+          <a:bodyPr rtlCol="0"/>
+          <a:lstStyle/>
+          <a:p>
+            <a:pPr rtl="0"/>
+            <a:r>
+              <a:rPr lang="tr-TR"/>
+              <a:t>Teşekkürler</a:t>
+            </a:r>
+          </a:p>
+        </p:txBody>
+      </p:sp>
+      <p:sp>
+        <p:nvSpPr>
+          <p:cNvPr id="3" name="Footer Placeholder 4">
+            <a:extLst>
+              <a:ext uri="{FF2B5EF4-FFF2-40B4-BE49-F238E27FC236}">
+                <a16:creationId xmlns:a16="http://schemas.microsoft.com/office/drawing/2014/main" id="{CD89AA11-DA4E-FC41-621B-7BD536175204}"/>
+              </a:ext>
+            </a:extLst>
+          </p:cNvPr>
+          <p:cNvSpPr txBox="1">
+            <a:spLocks/>
+          </p:cNvSpPr>
+          <p:nvPr/>
+        </p:nvSpPr>
+        <p:spPr>
+          <a:xfrm rot="16200000">
+            <a:off x="-259078" y="1963041"/>
+            <a:ext cx="2062483" cy="284482"/>
+          </a:xfrm>
+          <a:prstGeom prst="rect">
+            <a:avLst/>
+          </a:prstGeom>
+        </p:spPr>
+        <p:txBody>
+          <a:bodyPr/>
+          <a:lstStyle>
+            <a:defPPr rtl="0">
+              <a:defRPr lang="tr-tr"/>
+            </a:defPPr>
+            <a:lvl1pPr marL="0" algn="l" defTabSz="914400" rtl="0" eaLnBrk="1" latinLnBrk="0" hangingPunct="1">
+              <a:defRPr sz="1800" kern="1200">
+                <a:solidFill>
+                  <a:schemeClr val="tx1"/>
+                </a:solidFill>
+                <a:latin typeface="+mn-lt"/>
+                <a:ea typeface="+mn-ea"/>
+                <a:cs typeface="+mn-cs"/>
+              </a:defRPr>
+            </a:lvl1pPr>
+            <a:lvl2pPr marL="457200" algn="l" defTabSz="914400" rtl="0" eaLnBrk="1" latinLnBrk="0" hangingPunct="1">
+              <a:defRPr sz="1800" kern="1200">
+                <a:solidFill>
+                  <a:schemeClr val="tx1"/>
+                </a:solidFill>
+                <a:latin typeface="+mn-lt"/>
+                <a:ea typeface="+mn-ea"/>
+                <a:cs typeface="+mn-cs"/>
+              </a:defRPr>
+            </a:lvl2pPr>
+            <a:lvl3pPr marL="914400" algn="l" defTabSz="914400" rtl="0" eaLnBrk="1" latinLnBrk="0" hangingPunct="1">
+              <a:defRPr sz="1800" kern="1200">
+                <a:solidFill>
+                  <a:schemeClr val="tx1"/>
+                </a:solidFill>
+                <a:latin typeface="+mn-lt"/>
+                <a:ea typeface="+mn-ea"/>
+                <a:cs typeface="+mn-cs"/>
+              </a:defRPr>
+            </a:lvl3pPr>
+            <a:lvl4pPr marL="1371600" algn="l" defTabSz="914400" rtl="0" eaLnBrk="1" latinLnBrk="0" hangingPunct="1">
+              <a:defRPr sz="1800" kern="1200">
+                <a:solidFill>
+                  <a:schemeClr val="tx1"/>
+                </a:solidFill>
+                <a:latin typeface="+mn-lt"/>
+                <a:ea typeface="+mn-ea"/>
+                <a:cs typeface="+mn-cs"/>
+              </a:defRPr>
+            </a:lvl4pPr>
+            <a:lvl5pPr marL="1828800" algn="l" defTabSz="914400" rtl="0" eaLnBrk="1" latinLnBrk="0" hangingPunct="1">
+              <a:defRPr sz="1800" kern="1200">
+                <a:solidFill>
+                  <a:schemeClr val="tx1"/>
+                </a:solidFill>
+                <a:latin typeface="+mn-lt"/>
+                <a:ea typeface="+mn-ea"/>
+                <a:cs typeface="+mn-cs"/>
+              </a:defRPr>
+            </a:lvl5pPr>
+            <a:lvl6pPr marL="2286000" algn="l" defTabSz="914400" rtl="0" eaLnBrk="1" latinLnBrk="0" hangingPunct="1">
+              <a:defRPr sz="1800" kern="1200">
+                <a:solidFill>
+                  <a:schemeClr val="tx1"/>
+                </a:solidFill>
+                <a:latin typeface="+mn-lt"/>
+                <a:ea typeface="+mn-ea"/>
+                <a:cs typeface="+mn-cs"/>
+              </a:defRPr>
+            </a:lvl6pPr>
+            <a:lvl7pPr marL="2743200" algn="l" defTabSz="914400" rtl="0" eaLnBrk="1" latinLnBrk="0" hangingPunct="1">
+              <a:defRPr sz="1800" kern="1200">
+                <a:solidFill>
+                  <a:schemeClr val="tx1"/>
+                </a:solidFill>
+                <a:latin typeface="+mn-lt"/>
+                <a:ea typeface="+mn-ea"/>
+                <a:cs typeface="+mn-cs"/>
+              </a:defRPr>
+            </a:lvl7pPr>
+            <a:lvl8pPr marL="3200400" algn="l" defTabSz="914400" rtl="0" eaLnBrk="1" latinLnBrk="0" hangingPunct="1">
+              <a:defRPr sz="1800" kern="1200">
+                <a:solidFill>
+                  <a:schemeClr val="tx1"/>
+                </a:solidFill>
+                <a:latin typeface="+mn-lt"/>
+                <a:ea typeface="+mn-ea"/>
+                <a:cs typeface="+mn-cs"/>
+              </a:defRPr>
+            </a:lvl8pPr>
+            <a:lvl9pPr marL="3657600" algn="l" defTabSz="914400" rtl="0" eaLnBrk="1" latinLnBrk="0" hangingPunct="1">
+              <a:defRPr sz="1800" kern="1200">
+                <a:solidFill>
+                  <a:schemeClr val="tx1"/>
+                </a:solidFill>
+                <a:latin typeface="+mn-lt"/>
+                <a:ea typeface="+mn-ea"/>
+                <a:cs typeface="+mn-cs"/>
+              </a:defRPr>
+            </a:lvl9pPr>
+          </a:lstStyle>
+          <a:p>
+            <a:pPr>
+              <a:spcAft>
+                <a:spcPts val="600"/>
+              </a:spcAft>
+            </a:pPr>
+            <a:r>
+              <a:rPr lang="tr-TR" sz="2000" b="1" err="1">
+                <a:solidFill>
+                  <a:schemeClr val="bg1">
+                    <a:lumMod val="95000"/>
+                  </a:schemeClr>
+                </a:solidFill>
+              </a:rPr>
+              <a:t>ECompany</a:t>
+            </a:r>
+            <a:endParaRPr lang="tr-TR" sz="2000" b="1">
+              <a:solidFill>
+                <a:schemeClr val="bg1">
+                  <a:lumMod val="95000"/>
+                </a:schemeClr>
+              </a:solidFill>
+            </a:endParaRPr>
+          </a:p>
+        </p:txBody>
+      </p:sp>
+    </p:spTree>
+    <p:extLst>
+      <p:ext uri="{BB962C8B-B14F-4D97-AF65-F5344CB8AC3E}">
+        <p14:creationId xmlns:p14="http://schemas.microsoft.com/office/powerpoint/2010/main" val="927313156"/>
+      </p:ext>
+    </p:extLst>
+  </p:cSld>
+  <p:clrMapOvr>
+    <a:masterClrMapping/>
+  </p:clrMapOvr>
+</p:sld>
+</file>
+
+<file path=ppt/slides/slide2.xml><?xml version="1.0" encoding="utf-8"?>
+<p:sld xmlns:a="http://schemas.openxmlformats.org/drawingml/2006/main" xmlns:r="http://schemas.openxmlformats.org/officeDocument/2006/relationships" xmlns:p="http://schemas.openxmlformats.org/presentationml/2006/main">
+  <p:cSld>
+    <p:spTree>
+      <p:nvGrpSpPr>
+        <p:cNvPr id="1" name=""/>
+        <p:cNvGrpSpPr/>
+        <p:nvPr/>
+      </p:nvGrpSpPr>
+      <p:grpSpPr>
+        <a:xfrm>
+          <a:off x="0" y="0"/>
+          <a:ext cx="0" cy="0"/>
+          <a:chOff x="0" y="0"/>
+          <a:chExt cx="0" cy="0"/>
+        </a:xfrm>
+      </p:grpSpPr>
+      <p:sp>
+        <p:nvSpPr>
+          <p:cNvPr id="2" name="Başlık 1">
+            <a:extLst>
+              <a:ext uri="{FF2B5EF4-FFF2-40B4-BE49-F238E27FC236}">
+                <a16:creationId xmlns:a16="http://schemas.microsoft.com/office/drawing/2014/main" id="{80F287FE-1EFA-4C15-BFDD-1EE3F2D37BF1}"/>
+              </a:ext>
+            </a:extLst>
+          </p:cNvPr>
+          <p:cNvSpPr>
+            <a:spLocks noGrp="1"/>
+          </p:cNvSpPr>
+          <p:nvPr>
+            <p:ph type="title"/>
+          </p:nvPr>
+        </p:nvSpPr>
+        <p:spPr/>
+        <p:txBody>
+          <a:bodyPr rtlCol="0"/>
+          <a:lstStyle/>
+          <a:p>
+            <a:pPr rtl="0"/>
+            <a:r>
+              <a:rPr lang="tr-TR"/>
+              <a:t>Ekip</a:t>
+            </a:r>
+          </a:p>
+        </p:txBody>
+      </p:sp>
+      <p:graphicFrame>
+        <p:nvGraphicFramePr>
+          <p:cNvPr id="7" name="İçerik Yer Tutucusu 2" descr="Ekip SmartArt grafiği">
+            <a:extLst>
+              <a:ext uri="{FF2B5EF4-FFF2-40B4-BE49-F238E27FC236}">
+                <a16:creationId xmlns:a16="http://schemas.microsoft.com/office/drawing/2014/main" id="{03C6056F-38E4-47B4-87B7-F1F7D129B648}"/>
+              </a:ext>
+            </a:extLst>
+          </p:cNvPr>
+          <p:cNvGraphicFramePr>
+            <a:graphicFrameLocks noGrp="1"/>
+          </p:cNvGraphicFramePr>
+          <p:nvPr>
+            <p:ph idx="1"/>
+            <p:extLst>
+              <p:ext uri="{D42A27DB-BD31-4B8C-83A1-F6EECF244321}">
+                <p14:modId xmlns:p14="http://schemas.microsoft.com/office/powerpoint/2010/main" val="2006725102"/>
+              </p:ext>
+            </p:extLst>
+          </p:nvPr>
+        </p:nvGraphicFramePr>
+        <p:xfrm>
+          <a:off x="457200" y="1825625"/>
+          <a:ext cx="11262049" cy="4351338"/>
+        </p:xfrm>
+        <a:graphic>
+          <a:graphicData uri="http://schemas.openxmlformats.org/drawingml/2006/diagram">
+            <dgm:relIds xmlns:dgm="http://schemas.openxmlformats.org/drawingml/2006/diagram" xmlns:r="http://schemas.openxmlformats.org/officeDocument/2006/relationships" r:dm="rId3" r:lo="rId4" r:qs="rId5" r:cs="rId6"/>
+          </a:graphicData>
+        </a:graphic>
+      </p:graphicFrame>
+      <p:sp>
+        <p:nvSpPr>
+          <p:cNvPr id="9" name="Metin kutusu 8">
+            <a:extLst>
+              <a:ext uri="{FF2B5EF4-FFF2-40B4-BE49-F238E27FC236}">
+                <a16:creationId xmlns:a16="http://schemas.microsoft.com/office/drawing/2014/main" id="{9579E99F-6C47-D715-5952-7501DD39C5F1}"/>
+              </a:ext>
+            </a:extLst>
+          </p:cNvPr>
+          <p:cNvSpPr txBox="1"/>
+          <p:nvPr/>
+        </p:nvSpPr>
+        <p:spPr>
+          <a:xfrm>
+            <a:off x="5186680" y="4815679"/>
+            <a:ext cx="1818640" cy="1938992"/>
+          </a:xfrm>
+          <a:prstGeom prst="rect">
+            <a:avLst/>
+          </a:prstGeom>
+          <a:noFill/>
+        </p:spPr>
+        <p:txBody>
+          <a:bodyPr wrap="square" rtlCol="0">
+            <a:spAutoFit/>
+          </a:bodyPr>
+          <a:lstStyle/>
+          <a:p>
+            <a:pPr algn="ctr"/>
+            <a:r>
+              <a:rPr lang="tr-TR" sz="2000">
+                <a:solidFill>
+                  <a:schemeClr val="bg1">
+                    <a:lumMod val="95000"/>
+                  </a:schemeClr>
+                </a:solidFill>
+                <a:latin typeface="+mj-lt"/>
+              </a:rPr>
+              <a:t>Ferhat Yenilmez</a:t>
+            </a:r>
+            <a:endParaRPr lang="tr-TR" sz="800">
+              <a:solidFill>
+                <a:schemeClr val="bg1">
+                  <a:lumMod val="95000"/>
+                </a:schemeClr>
+              </a:solidFill>
+              <a:latin typeface="+mj-lt"/>
+            </a:endParaRPr>
+          </a:p>
+          <a:p>
+            <a:pPr algn="ctr"/>
+            <a:endParaRPr lang="tr-TR" sz="800">
+              <a:solidFill>
+                <a:schemeClr val="bg1">
+                  <a:lumMod val="95000"/>
+                </a:schemeClr>
+              </a:solidFill>
+              <a:latin typeface="+mj-lt"/>
+            </a:endParaRPr>
+          </a:p>
+          <a:p>
+            <a:pPr algn="ctr"/>
+            <a:r>
+              <a:rPr lang="tr-TR" sz="1600">
+                <a:solidFill>
+                  <a:schemeClr val="bg1">
+                    <a:lumMod val="95000"/>
+                  </a:schemeClr>
+                </a:solidFill>
+                <a:latin typeface="+mj-lt"/>
+              </a:rPr>
+              <a:t>Proje Yöneticisi</a:t>
+            </a:r>
+          </a:p>
+          <a:p>
+            <a:pPr algn="ctr"/>
+            <a:endParaRPr lang="tr-TR" sz="800">
+              <a:solidFill>
+                <a:schemeClr val="bg1">
+                  <a:lumMod val="95000"/>
+                </a:schemeClr>
+              </a:solidFill>
+              <a:latin typeface="+mj-lt"/>
+            </a:endParaRPr>
+          </a:p>
+          <a:p>
+            <a:pPr algn="ctr"/>
+            <a:r>
+              <a:rPr lang="tr-TR" sz="1600" b="0" noProof="0">
+                <a:solidFill>
+                  <a:schemeClr val="bg1">
+                    <a:lumMod val="95000"/>
+                  </a:schemeClr>
+                </a:solidFill>
+                <a:latin typeface="Univers"/>
+              </a:rPr>
+              <a:t>Yazılım Geliştirici</a:t>
+            </a:r>
+            <a:endParaRPr lang="tr-TR" sz="2000" b="0" noProof="0">
+              <a:solidFill>
+                <a:schemeClr val="bg1">
+                  <a:lumMod val="95000"/>
+                </a:schemeClr>
+              </a:solidFill>
+              <a:latin typeface="Univers"/>
+            </a:endParaRPr>
+          </a:p>
+          <a:p>
+            <a:pPr algn="ctr"/>
+            <a:endParaRPr lang="tr-TR" sz="1600">
+              <a:solidFill>
+                <a:schemeClr val="bg1">
+                  <a:lumMod val="95000"/>
+                </a:schemeClr>
+              </a:solidFill>
+              <a:latin typeface="+mj-lt"/>
+            </a:endParaRPr>
+          </a:p>
+        </p:txBody>
+      </p:sp>
+      <p:sp>
+        <p:nvSpPr>
+          <p:cNvPr id="10" name="Metin kutusu 9">
+            <a:extLst>
+              <a:ext uri="{FF2B5EF4-FFF2-40B4-BE49-F238E27FC236}">
+                <a16:creationId xmlns:a16="http://schemas.microsoft.com/office/drawing/2014/main" id="{CA7D55BF-2BA5-2F0D-50E7-E06C4C05D089}"/>
+              </a:ext>
+            </a:extLst>
+          </p:cNvPr>
+          <p:cNvSpPr txBox="1"/>
+          <p:nvPr/>
+        </p:nvSpPr>
+        <p:spPr>
+          <a:xfrm>
+            <a:off x="7639490" y="4877234"/>
+            <a:ext cx="1554895" cy="1261884"/>
+          </a:xfrm>
+          <a:prstGeom prst="rect">
+            <a:avLst/>
+          </a:prstGeom>
+          <a:noFill/>
+        </p:spPr>
+        <p:txBody>
+          <a:bodyPr wrap="square" rtlCol="0">
+            <a:spAutoFit/>
+          </a:bodyPr>
+          <a:lstStyle/>
+          <a:p>
+            <a:pPr algn="ctr"/>
+            <a:r>
+              <a:rPr lang="tr-TR">
+                <a:solidFill>
+                  <a:schemeClr val="bg1">
+                    <a:lumMod val="95000"/>
+                  </a:schemeClr>
+                </a:solidFill>
+              </a:rPr>
+              <a:t>Hamit Burak Koçtaş</a:t>
+            </a:r>
+          </a:p>
+          <a:p>
+            <a:pPr algn="ctr"/>
+            <a:endParaRPr lang="tr-TR" sz="800">
+              <a:solidFill>
+                <a:schemeClr val="bg1">
+                  <a:lumMod val="95000"/>
+                </a:schemeClr>
+              </a:solidFill>
+            </a:endParaRPr>
+          </a:p>
+          <a:p>
+            <a:pPr algn="ctr"/>
+            <a:r>
+              <a:rPr lang="tr-TR" sz="1600">
+                <a:solidFill>
+                  <a:schemeClr val="bg1">
+                    <a:lumMod val="95000"/>
+                  </a:schemeClr>
+                </a:solidFill>
+              </a:rPr>
+              <a:t>Yazılım Geliştirici</a:t>
+            </a:r>
+          </a:p>
+        </p:txBody>
+      </p:sp>
+    </p:spTree>
+    <p:extLst>
+      <p:ext uri="{BB962C8B-B14F-4D97-AF65-F5344CB8AC3E}">
+        <p14:creationId xmlns:p14="http://schemas.microsoft.com/office/powerpoint/2010/main" val="2270028676"/>
+      </p:ext>
+    </p:extLst>
+  </p:cSld>
+  <p:clrMapOvr>
+    <a:masterClrMapping/>
+  </p:clrMapOvr>
+</p:sld>
+</file>
+
+<file path=ppt/slides/slide3.xml><?xml version="1.0" encoding="utf-8"?>
+<p:sld xmlns:a="http://schemas.openxmlformats.org/drawingml/2006/main" xmlns:r="http://schemas.openxmlformats.org/officeDocument/2006/relationships" xmlns:p="http://schemas.openxmlformats.org/presentationml/2006/main">
+  <p:cSld>
+    <p:spTree>
+      <p:nvGrpSpPr>
+        <p:cNvPr id="1" name=""/>
+        <p:cNvGrpSpPr/>
+        <p:nvPr/>
+      </p:nvGrpSpPr>
+      <p:grpSpPr>
+        <a:xfrm>
+          <a:off x="0" y="0"/>
+          <a:ext cx="0" cy="0"/>
+          <a:chOff x="0" y="0"/>
+          <a:chExt cx="0" cy="0"/>
+        </a:xfrm>
+      </p:grpSpPr>
+      <p:sp>
+        <p:nvSpPr>
+          <p:cNvPr id="2" name="Başlık 1">
+            <a:extLst>
+              <a:ext uri="{FF2B5EF4-FFF2-40B4-BE49-F238E27FC236}">
+                <a16:creationId xmlns:a16="http://schemas.microsoft.com/office/drawing/2014/main" id="{49374C31-2297-AD69-989F-4ADBFDEAF897}"/>
+              </a:ext>
+            </a:extLst>
+          </p:cNvPr>
+          <p:cNvSpPr>
+            <a:spLocks noGrp="1"/>
+          </p:cNvSpPr>
+          <p:nvPr>
+            <p:ph type="ctrTitle"/>
+          </p:nvPr>
+        </p:nvSpPr>
+        <p:spPr>
+          <a:xfrm>
+            <a:off x="1713315" y="1078304"/>
+            <a:ext cx="6272784" cy="1057459"/>
+          </a:xfrm>
+        </p:spPr>
+        <p:txBody>
+          <a:bodyPr/>
+          <a:lstStyle/>
+          <a:p>
+            <a:r>
+              <a:rPr lang="tr-TR" sz="5400"/>
+              <a:t>Problem</a:t>
+            </a:r>
+            <a:endParaRPr lang="tr-TR"/>
+          </a:p>
+        </p:txBody>
+      </p:sp>
+      <p:sp>
+        <p:nvSpPr>
+          <p:cNvPr id="3" name="Alt Başlık 2">
+            <a:extLst>
+              <a:ext uri="{FF2B5EF4-FFF2-40B4-BE49-F238E27FC236}">
+                <a16:creationId xmlns:a16="http://schemas.microsoft.com/office/drawing/2014/main" id="{B07EEE0A-60B9-4F28-38DA-C09C7055FC8E}"/>
+              </a:ext>
+            </a:extLst>
+          </p:cNvPr>
+          <p:cNvSpPr>
+            <a:spLocks noGrp="1"/>
+          </p:cNvSpPr>
+          <p:nvPr>
+            <p:ph type="subTitle" idx="1"/>
+          </p:nvPr>
+        </p:nvSpPr>
+        <p:spPr>
+          <a:xfrm>
+            <a:off x="1744705" y="2231136"/>
+            <a:ext cx="5093208" cy="1197864"/>
+          </a:xfrm>
+        </p:spPr>
+        <p:txBody>
+          <a:bodyPr/>
+          <a:lstStyle/>
+          <a:p>
+            <a:pPr algn="l"/>
+            <a:r>
+              <a:rPr lang="en-US" sz="2000"/>
+              <a:t>Kamu </a:t>
+            </a:r>
+            <a:r>
+              <a:rPr lang="en-US" sz="2000" err="1"/>
+              <a:t>kuruluşunun</a:t>
+            </a:r>
+            <a:r>
+              <a:rPr lang="en-US" sz="2000"/>
+              <a:t> yeni </a:t>
+            </a:r>
+            <a:r>
+              <a:rPr lang="en-US" sz="2000" err="1"/>
+              <a:t>açılacak</a:t>
+            </a:r>
+            <a:r>
+              <a:rPr lang="en-US" sz="2000"/>
+              <a:t> </a:t>
+            </a:r>
+            <a:r>
+              <a:rPr lang="en-US" sz="2000" err="1"/>
+              <a:t>otel</a:t>
+            </a:r>
+            <a:r>
+              <a:rPr lang="en-US" sz="2000"/>
+              <a:t> </a:t>
+            </a:r>
+            <a:r>
+              <a:rPr lang="en-US" sz="2000" err="1"/>
+              <a:t>sistemileri</a:t>
+            </a:r>
+            <a:r>
+              <a:rPr lang="en-US" sz="2000"/>
+              <a:t> </a:t>
+            </a:r>
+            <a:r>
+              <a:rPr lang="en-US" sz="2000" err="1"/>
+              <a:t>için</a:t>
+            </a:r>
+            <a:r>
+              <a:rPr lang="en-US" sz="2000"/>
+              <a:t> </a:t>
+            </a:r>
+            <a:r>
+              <a:rPr lang="en-US" sz="2000" err="1"/>
+              <a:t>tanıtım</a:t>
+            </a:r>
+            <a:r>
+              <a:rPr lang="en-US" sz="2000"/>
+              <a:t>, </a:t>
+            </a:r>
+            <a:r>
+              <a:rPr lang="en-US" sz="2000" err="1"/>
+              <a:t>reklam</a:t>
+            </a:r>
+            <a:r>
+              <a:rPr lang="en-US" sz="2000"/>
+              <a:t> </a:t>
+            </a:r>
+            <a:r>
+              <a:rPr lang="en-US" sz="2000" err="1"/>
+              <a:t>ve</a:t>
+            </a:r>
+            <a:r>
+              <a:rPr lang="en-US" sz="2000"/>
+              <a:t> </a:t>
+            </a:r>
+            <a:r>
+              <a:rPr lang="en-US" sz="2000" err="1"/>
+              <a:t>iletişim</a:t>
+            </a:r>
+            <a:r>
+              <a:rPr lang="en-US" sz="2000"/>
+              <a:t> </a:t>
+            </a:r>
+            <a:r>
+              <a:rPr lang="en-US" sz="2000" err="1"/>
+              <a:t>ihtiyacı</a:t>
+            </a:r>
+            <a:r>
+              <a:rPr lang="en-US" sz="2000"/>
+              <a:t>.</a:t>
+            </a:r>
+            <a:endParaRPr lang="tr-TR" sz="2000"/>
+          </a:p>
+          <a:p>
+            <a:endParaRPr lang="tr-TR"/>
+          </a:p>
+        </p:txBody>
+      </p:sp>
+      <p:sp>
+        <p:nvSpPr>
+          <p:cNvPr id="4" name="Başlık 1">
+            <a:extLst>
+              <a:ext uri="{FF2B5EF4-FFF2-40B4-BE49-F238E27FC236}">
+                <a16:creationId xmlns:a16="http://schemas.microsoft.com/office/drawing/2014/main" id="{17D4CDE2-C0CF-FE5F-DC23-61AD27987E68}"/>
+              </a:ext>
+            </a:extLst>
+          </p:cNvPr>
+          <p:cNvSpPr txBox="1">
+            <a:spLocks/>
+          </p:cNvSpPr>
+          <p:nvPr/>
+        </p:nvSpPr>
+        <p:spPr>
+          <a:xfrm>
+            <a:off x="1707123" y="3662565"/>
+            <a:ext cx="3051887" cy="1057459"/>
+          </a:xfrm>
+          <a:prstGeom prst="rect">
+            <a:avLst/>
+          </a:prstGeom>
+        </p:spPr>
+        <p:txBody>
+          <a:bodyPr vert="horz" lIns="91440" tIns="45720" rIns="91440" bIns="45720" rtlCol="0" anchor="b">
+            <a:normAutofit/>
+          </a:bodyPr>
+          <a:lstStyle>
+            <a:lvl1pPr algn="l" defTabSz="914400" rtl="0" eaLnBrk="1" latinLnBrk="0" hangingPunct="1">
+              <a:lnSpc>
+                <a:spcPct val="90000"/>
+              </a:lnSpc>
+              <a:spcBef>
+                <a:spcPct val="0"/>
+              </a:spcBef>
+              <a:buNone/>
+              <a:defRPr sz="5400" b="1" i="0" kern="1200" cap="all" baseline="0">
+                <a:solidFill>
+                  <a:schemeClr val="bg1"/>
+                </a:solidFill>
+                <a:latin typeface="+mj-lt"/>
+                <a:ea typeface="+mj-ea"/>
+                <a:cs typeface="+mj-cs"/>
+              </a:defRPr>
+            </a:lvl1pPr>
+          </a:lstStyle>
+          <a:p>
+            <a:r>
+              <a:rPr lang="tr-TR"/>
+              <a:t>Çözüm</a:t>
+            </a:r>
+          </a:p>
+        </p:txBody>
+      </p:sp>
+      <p:sp>
+        <p:nvSpPr>
+          <p:cNvPr id="5" name="Alt Başlık 2">
+            <a:extLst>
+              <a:ext uri="{FF2B5EF4-FFF2-40B4-BE49-F238E27FC236}">
+                <a16:creationId xmlns:a16="http://schemas.microsoft.com/office/drawing/2014/main" id="{A7F4681D-ED2F-43A2-1C9B-071D78271F5E}"/>
+              </a:ext>
+            </a:extLst>
+          </p:cNvPr>
+          <p:cNvSpPr txBox="1">
+            <a:spLocks/>
+          </p:cNvSpPr>
+          <p:nvPr/>
+        </p:nvSpPr>
+        <p:spPr>
+          <a:xfrm>
+            <a:off x="5792427" y="4910377"/>
+            <a:ext cx="5093208" cy="1197864"/>
+          </a:xfrm>
+          <a:prstGeom prst="rect">
+            <a:avLst/>
+          </a:prstGeom>
+        </p:spPr>
+        <p:txBody>
+          <a:bodyPr vert="horz" lIns="91440" tIns="45720" rIns="91440" bIns="45720" rtlCol="0">
+            <a:normAutofit/>
+          </a:bodyPr>
+          <a:lstStyle>
+            <a:lvl1pPr marL="0" indent="0" algn="r" defTabSz="914400" rtl="0" eaLnBrk="1" latinLnBrk="0" hangingPunct="1">
+              <a:lnSpc>
+                <a:spcPct val="90000"/>
+              </a:lnSpc>
+              <a:spcBef>
+                <a:spcPts val="1000"/>
+              </a:spcBef>
+              <a:buFont typeface="Arial" panose="020B0604020202020204" pitchFamily="34" charset="0"/>
+              <a:buNone/>
+              <a:defRPr sz="2000" kern="1200">
+                <a:solidFill>
+                  <a:schemeClr val="bg1"/>
+                </a:solidFill>
+                <a:latin typeface="+mn-lt"/>
+                <a:ea typeface="+mn-ea"/>
+                <a:cs typeface="+mn-cs"/>
+              </a:defRPr>
+            </a:lvl1pPr>
+            <a:lvl2pPr marL="457200" indent="0" algn="ctr" defTabSz="914400" rtl="0" eaLnBrk="1" latinLnBrk="0" hangingPunct="1">
+              <a:lnSpc>
+                <a:spcPct val="90000"/>
+              </a:lnSpc>
+              <a:spcBef>
+                <a:spcPts val="500"/>
+              </a:spcBef>
+              <a:buFont typeface="Arial" panose="020B0604020202020204" pitchFamily="34" charset="0"/>
+              <a:buNone/>
+              <a:defRPr sz="2000" kern="1200">
+                <a:solidFill>
+                  <a:schemeClr val="tx1"/>
+                </a:solidFill>
+                <a:latin typeface="+mn-lt"/>
+                <a:ea typeface="+mn-ea"/>
+                <a:cs typeface="+mn-cs"/>
+              </a:defRPr>
+            </a:lvl2pPr>
+            <a:lvl3pPr marL="914400" indent="0" algn="ctr" defTabSz="914400" rtl="0" eaLnBrk="1" latinLnBrk="0" hangingPunct="1">
+              <a:lnSpc>
+                <a:spcPct val="90000"/>
+              </a:lnSpc>
+              <a:spcBef>
+                <a:spcPts val="500"/>
+              </a:spcBef>
+              <a:buFont typeface="Arial" panose="020B0604020202020204" pitchFamily="34" charset="0"/>
+              <a:buNone/>
+              <a:defRPr sz="1800" kern="1200">
+                <a:solidFill>
+                  <a:schemeClr val="tx1"/>
+                </a:solidFill>
+                <a:latin typeface="+mn-lt"/>
+                <a:ea typeface="+mn-ea"/>
+                <a:cs typeface="+mn-cs"/>
+              </a:defRPr>
+            </a:lvl3pPr>
+            <a:lvl4pPr marL="1371600" indent="0" algn="ctr" defTabSz="914400" rtl="0" eaLnBrk="1" latinLnBrk="0" hangingPunct="1">
+              <a:lnSpc>
+                <a:spcPct val="90000"/>
+              </a:lnSpc>
+              <a:spcBef>
+                <a:spcPts val="500"/>
+              </a:spcBef>
+              <a:buFont typeface="Arial" panose="020B0604020202020204" pitchFamily="34" charset="0"/>
+              <a:buNone/>
+              <a:defRPr sz="1600" kern="1200">
+                <a:solidFill>
+                  <a:schemeClr val="tx1"/>
+                </a:solidFill>
+                <a:latin typeface="+mn-lt"/>
+                <a:ea typeface="+mn-ea"/>
+                <a:cs typeface="+mn-cs"/>
+              </a:defRPr>
+            </a:lvl4pPr>
+            <a:lvl5pPr marL="1828800" indent="0" algn="ctr" defTabSz="914400" rtl="0" eaLnBrk="1" latinLnBrk="0" hangingPunct="1">
+              <a:lnSpc>
+                <a:spcPct val="90000"/>
+              </a:lnSpc>
+              <a:spcBef>
+                <a:spcPts val="500"/>
+              </a:spcBef>
+              <a:buFont typeface="Arial" panose="020B0604020202020204" pitchFamily="34" charset="0"/>
+              <a:buNone/>
+              <a:defRPr sz="1600" kern="1200">
+                <a:solidFill>
+                  <a:schemeClr val="tx1"/>
+                </a:solidFill>
+                <a:latin typeface="+mn-lt"/>
+                <a:ea typeface="+mn-ea"/>
+                <a:cs typeface="+mn-cs"/>
+              </a:defRPr>
+            </a:lvl5pPr>
+            <a:lvl6pPr marL="2286000" indent="0" algn="ctr" defTabSz="914400" rtl="0" eaLnBrk="1" latinLnBrk="0" hangingPunct="1">
+              <a:lnSpc>
+                <a:spcPct val="90000"/>
+              </a:lnSpc>
+              <a:spcBef>
+                <a:spcPts val="500"/>
+              </a:spcBef>
+              <a:buFont typeface="Arial" panose="020B0604020202020204" pitchFamily="34" charset="0"/>
+              <a:buNone/>
+              <a:defRPr sz="1600" kern="1200">
+                <a:solidFill>
+                  <a:schemeClr val="tx1"/>
+                </a:solidFill>
+                <a:latin typeface="+mn-lt"/>
+                <a:ea typeface="+mn-ea"/>
+                <a:cs typeface="+mn-cs"/>
+              </a:defRPr>
+            </a:lvl6pPr>
+            <a:lvl7pPr marL="2743200" indent="0" algn="ctr" defTabSz="914400" rtl="0" eaLnBrk="1" latinLnBrk="0" hangingPunct="1">
+              <a:lnSpc>
+                <a:spcPct val="90000"/>
+              </a:lnSpc>
+              <a:spcBef>
+                <a:spcPts val="500"/>
+              </a:spcBef>
+              <a:buFont typeface="Arial" panose="020B0604020202020204" pitchFamily="34" charset="0"/>
+              <a:buNone/>
+              <a:defRPr sz="1600" kern="1200">
+                <a:solidFill>
+                  <a:schemeClr val="tx1"/>
+                </a:solidFill>
+                <a:latin typeface="+mn-lt"/>
+                <a:ea typeface="+mn-ea"/>
+                <a:cs typeface="+mn-cs"/>
+              </a:defRPr>
+            </a:lvl7pPr>
+            <a:lvl8pPr marL="3200400" indent="0" algn="ctr" defTabSz="914400" rtl="0" eaLnBrk="1" latinLnBrk="0" hangingPunct="1">
+              <a:lnSpc>
+                <a:spcPct val="90000"/>
+              </a:lnSpc>
+              <a:spcBef>
+                <a:spcPts val="500"/>
+              </a:spcBef>
+              <a:buFont typeface="Arial" panose="020B0604020202020204" pitchFamily="34" charset="0"/>
+              <a:buNone/>
+              <a:defRPr sz="1600" kern="1200">
+                <a:solidFill>
+                  <a:schemeClr val="tx1"/>
+                </a:solidFill>
+                <a:latin typeface="+mn-lt"/>
+                <a:ea typeface="+mn-ea"/>
+                <a:cs typeface="+mn-cs"/>
+              </a:defRPr>
+            </a:lvl8pPr>
+            <a:lvl9pPr marL="3657600" indent="0" algn="ctr" defTabSz="914400" rtl="0" eaLnBrk="1" latinLnBrk="0" hangingPunct="1">
+              <a:lnSpc>
+                <a:spcPct val="90000"/>
+              </a:lnSpc>
+              <a:spcBef>
+                <a:spcPts val="500"/>
+              </a:spcBef>
+              <a:buFont typeface="Arial" panose="020B0604020202020204" pitchFamily="34" charset="0"/>
+              <a:buNone/>
+              <a:defRPr sz="1600" kern="1200">
+                <a:solidFill>
+                  <a:schemeClr val="tx1"/>
+                </a:solidFill>
+                <a:latin typeface="+mn-lt"/>
+                <a:ea typeface="+mn-ea"/>
+                <a:cs typeface="+mn-cs"/>
+              </a:defRPr>
+            </a:lvl9pPr>
+          </a:lstStyle>
+          <a:p>
+            <a:endParaRPr lang="tr-TR"/>
+          </a:p>
+        </p:txBody>
+      </p:sp>
+      <p:sp>
+        <p:nvSpPr>
+          <p:cNvPr id="6" name="Alt Başlık 2">
+            <a:extLst>
+              <a:ext uri="{FF2B5EF4-FFF2-40B4-BE49-F238E27FC236}">
+                <a16:creationId xmlns:a16="http://schemas.microsoft.com/office/drawing/2014/main" id="{10966067-CB86-055F-3ED0-4FD53BD027CF}"/>
+              </a:ext>
+            </a:extLst>
+          </p:cNvPr>
+          <p:cNvSpPr txBox="1">
+            <a:spLocks/>
+          </p:cNvSpPr>
+          <p:nvPr/>
+        </p:nvSpPr>
+        <p:spPr>
+          <a:xfrm>
+            <a:off x="1707123" y="4904996"/>
+            <a:ext cx="5093208" cy="1197864"/>
+          </a:xfrm>
+          <a:prstGeom prst="rect">
+            <a:avLst/>
+          </a:prstGeom>
+        </p:spPr>
+        <p:txBody>
+          <a:bodyPr vert="horz" lIns="91440" tIns="45720" rIns="91440" bIns="45720" rtlCol="0">
+            <a:normAutofit/>
+          </a:bodyPr>
+          <a:lstStyle>
+            <a:lvl1pPr marL="0" indent="0" algn="r" defTabSz="914400" rtl="0" eaLnBrk="1" latinLnBrk="0" hangingPunct="1">
+              <a:lnSpc>
+                <a:spcPct val="90000"/>
+              </a:lnSpc>
+              <a:spcBef>
+                <a:spcPts val="1000"/>
+              </a:spcBef>
+              <a:buFont typeface="Arial" panose="020B0604020202020204" pitchFamily="34" charset="0"/>
+              <a:buNone/>
+              <a:defRPr sz="2000" kern="1200">
+                <a:solidFill>
+                  <a:schemeClr val="bg1"/>
+                </a:solidFill>
+                <a:latin typeface="+mn-lt"/>
+                <a:ea typeface="+mn-ea"/>
+                <a:cs typeface="+mn-cs"/>
+              </a:defRPr>
+            </a:lvl1pPr>
+            <a:lvl2pPr marL="457200" indent="0" algn="ctr" defTabSz="914400" rtl="0" eaLnBrk="1" latinLnBrk="0" hangingPunct="1">
+              <a:lnSpc>
+                <a:spcPct val="90000"/>
+              </a:lnSpc>
+              <a:spcBef>
+                <a:spcPts val="500"/>
+              </a:spcBef>
+              <a:buFont typeface="Arial" panose="020B0604020202020204" pitchFamily="34" charset="0"/>
+              <a:buNone/>
+              <a:defRPr sz="2000" kern="1200">
+                <a:solidFill>
+                  <a:schemeClr val="tx1"/>
+                </a:solidFill>
+                <a:latin typeface="+mn-lt"/>
+                <a:ea typeface="+mn-ea"/>
+                <a:cs typeface="+mn-cs"/>
+              </a:defRPr>
+            </a:lvl2pPr>
+            <a:lvl3pPr marL="914400" indent="0" algn="ctr" defTabSz="914400" rtl="0" eaLnBrk="1" latinLnBrk="0" hangingPunct="1">
+              <a:lnSpc>
+                <a:spcPct val="90000"/>
+              </a:lnSpc>
+              <a:spcBef>
+                <a:spcPts val="500"/>
+              </a:spcBef>
+              <a:buFont typeface="Arial" panose="020B0604020202020204" pitchFamily="34" charset="0"/>
+              <a:buNone/>
+              <a:defRPr sz="1800" kern="1200">
+                <a:solidFill>
+                  <a:schemeClr val="tx1"/>
+                </a:solidFill>
+                <a:latin typeface="+mn-lt"/>
+                <a:ea typeface="+mn-ea"/>
+                <a:cs typeface="+mn-cs"/>
+              </a:defRPr>
+            </a:lvl3pPr>
+            <a:lvl4pPr marL="1371600" indent="0" algn="ctr" defTabSz="914400" rtl="0" eaLnBrk="1" latinLnBrk="0" hangingPunct="1">
+              <a:lnSpc>
+                <a:spcPct val="90000"/>
+              </a:lnSpc>
+              <a:spcBef>
+                <a:spcPts val="500"/>
+              </a:spcBef>
+              <a:buFont typeface="Arial" panose="020B0604020202020204" pitchFamily="34" charset="0"/>
+              <a:buNone/>
+              <a:defRPr sz="1600" kern="1200">
+                <a:solidFill>
+                  <a:schemeClr val="tx1"/>
+                </a:solidFill>
+                <a:latin typeface="+mn-lt"/>
+                <a:ea typeface="+mn-ea"/>
+                <a:cs typeface="+mn-cs"/>
+              </a:defRPr>
+            </a:lvl4pPr>
+            <a:lvl5pPr marL="1828800" indent="0" algn="ctr" defTabSz="914400" rtl="0" eaLnBrk="1" latinLnBrk="0" hangingPunct="1">
+              <a:lnSpc>
+                <a:spcPct val="90000"/>
+              </a:lnSpc>
+              <a:spcBef>
+                <a:spcPts val="500"/>
+              </a:spcBef>
+              <a:buFont typeface="Arial" panose="020B0604020202020204" pitchFamily="34" charset="0"/>
+              <a:buNone/>
+              <a:defRPr sz="1600" kern="1200">
+                <a:solidFill>
+                  <a:schemeClr val="tx1"/>
+                </a:solidFill>
+                <a:latin typeface="+mn-lt"/>
+                <a:ea typeface="+mn-ea"/>
+                <a:cs typeface="+mn-cs"/>
+              </a:defRPr>
+            </a:lvl5pPr>
+            <a:lvl6pPr marL="2286000" indent="0" algn="ctr" defTabSz="914400" rtl="0" eaLnBrk="1" latinLnBrk="0" hangingPunct="1">
+              <a:lnSpc>
+                <a:spcPct val="90000"/>
+              </a:lnSpc>
+              <a:spcBef>
+                <a:spcPts val="500"/>
+              </a:spcBef>
+              <a:buFont typeface="Arial" panose="020B0604020202020204" pitchFamily="34" charset="0"/>
+              <a:buNone/>
+              <a:defRPr sz="1600" kern="1200">
+                <a:solidFill>
+                  <a:schemeClr val="tx1"/>
+                </a:solidFill>
+                <a:latin typeface="+mn-lt"/>
+                <a:ea typeface="+mn-ea"/>
+                <a:cs typeface="+mn-cs"/>
+              </a:defRPr>
+            </a:lvl6pPr>
+            <a:lvl7pPr marL="2743200" indent="0" algn="ctr" defTabSz="914400" rtl="0" eaLnBrk="1" latinLnBrk="0" hangingPunct="1">
+              <a:lnSpc>
+                <a:spcPct val="90000"/>
+              </a:lnSpc>
+              <a:spcBef>
+                <a:spcPts val="500"/>
+              </a:spcBef>
+              <a:buFont typeface="Arial" panose="020B0604020202020204" pitchFamily="34" charset="0"/>
+              <a:buNone/>
+              <a:defRPr sz="1600" kern="1200">
+                <a:solidFill>
+                  <a:schemeClr val="tx1"/>
+                </a:solidFill>
+                <a:latin typeface="+mn-lt"/>
+                <a:ea typeface="+mn-ea"/>
+                <a:cs typeface="+mn-cs"/>
+              </a:defRPr>
+            </a:lvl7pPr>
+            <a:lvl8pPr marL="3200400" indent="0" algn="ctr" defTabSz="914400" rtl="0" eaLnBrk="1" latinLnBrk="0" hangingPunct="1">
+              <a:lnSpc>
+                <a:spcPct val="90000"/>
+              </a:lnSpc>
+              <a:spcBef>
+                <a:spcPts val="500"/>
+              </a:spcBef>
+              <a:buFont typeface="Arial" panose="020B0604020202020204" pitchFamily="34" charset="0"/>
+              <a:buNone/>
+              <a:defRPr sz="1600" kern="1200">
+                <a:solidFill>
+                  <a:schemeClr val="tx1"/>
+                </a:solidFill>
+                <a:latin typeface="+mn-lt"/>
+                <a:ea typeface="+mn-ea"/>
+                <a:cs typeface="+mn-cs"/>
+              </a:defRPr>
+            </a:lvl8pPr>
+            <a:lvl9pPr marL="3657600" indent="0" algn="ctr" defTabSz="914400" rtl="0" eaLnBrk="1" latinLnBrk="0" hangingPunct="1">
+              <a:lnSpc>
+                <a:spcPct val="90000"/>
+              </a:lnSpc>
+              <a:spcBef>
+                <a:spcPts val="500"/>
+              </a:spcBef>
+              <a:buFont typeface="Arial" panose="020B0604020202020204" pitchFamily="34" charset="0"/>
+              <a:buNone/>
+              <a:defRPr sz="1600" kern="1200">
+                <a:solidFill>
+                  <a:schemeClr val="tx1"/>
+                </a:solidFill>
+                <a:latin typeface="+mn-lt"/>
+                <a:ea typeface="+mn-ea"/>
+                <a:cs typeface="+mn-cs"/>
+              </a:defRPr>
+            </a:lvl9pPr>
+          </a:lstStyle>
+          <a:p>
+            <a:pPr algn="l"/>
+            <a:r>
+              <a:rPr lang="en-US" sz="2000" err="1"/>
+              <a:t>Bütün</a:t>
+            </a:r>
+            <a:r>
+              <a:rPr lang="en-US" sz="2000"/>
+              <a:t> </a:t>
+            </a:r>
+            <a:r>
+              <a:rPr lang="en-US" sz="2000" err="1"/>
+              <a:t>gereksinimleri</a:t>
+            </a:r>
+            <a:r>
+              <a:rPr lang="en-US" sz="2000"/>
+              <a:t> </a:t>
+            </a:r>
+            <a:r>
+              <a:rPr lang="en-US" sz="2000" err="1"/>
+              <a:t>karşılayacak</a:t>
+            </a:r>
+            <a:r>
+              <a:rPr lang="en-US" sz="2000"/>
+              <a:t> </a:t>
+            </a:r>
+            <a:r>
+              <a:rPr lang="en-US" sz="2000" err="1"/>
+              <a:t>bir</a:t>
+            </a:r>
+            <a:r>
+              <a:rPr lang="en-US" sz="2000"/>
+              <a:t> web </a:t>
+            </a:r>
+            <a:r>
+              <a:rPr lang="en-US" sz="2000" err="1"/>
+              <a:t>sitesi</a:t>
+            </a:r>
+            <a:r>
+              <a:rPr lang="en-US" sz="2000"/>
+              <a:t> </a:t>
+            </a:r>
+            <a:r>
+              <a:rPr lang="en-US" sz="2000" err="1"/>
+              <a:t>tasarlamak</a:t>
+            </a:r>
+            <a:r>
+              <a:rPr lang="en-US" sz="2000"/>
+              <a:t>.</a:t>
+            </a:r>
+            <a:endParaRPr lang="tr-TR" sz="2000"/>
+          </a:p>
+        </p:txBody>
+      </p:sp>
+      <p:pic>
+        <p:nvPicPr>
+          <p:cNvPr id="8" name="Resim 7">
+            <a:extLst>
+              <a:ext uri="{FF2B5EF4-FFF2-40B4-BE49-F238E27FC236}">
+                <a16:creationId xmlns:a16="http://schemas.microsoft.com/office/drawing/2014/main" id="{F38889D9-5C0E-549F-B5E6-5802830863CE}"/>
+              </a:ext>
+            </a:extLst>
+          </p:cNvPr>
+          <p:cNvPicPr>
+            <a:picLocks noChangeAspect="1"/>
+          </p:cNvPicPr>
+          <p:nvPr/>
+        </p:nvPicPr>
+        <p:blipFill>
+          <a:blip r:embed="rId2"/>
+          <a:stretch>
+            <a:fillRect/>
+          </a:stretch>
+        </p:blipFill>
+        <p:spPr>
+          <a:xfrm>
+            <a:off x="8844314" y="2231136"/>
+            <a:ext cx="3051887" cy="3051887"/>
+          </a:xfrm>
+          <a:prstGeom prst="rect">
+            <a:avLst/>
+          </a:prstGeom>
+        </p:spPr>
+      </p:pic>
+      <p:sp>
+        <p:nvSpPr>
+          <p:cNvPr id="7" name="Footer Placeholder 4">
+            <a:extLst>
+              <a:ext uri="{FF2B5EF4-FFF2-40B4-BE49-F238E27FC236}">
+                <a16:creationId xmlns:a16="http://schemas.microsoft.com/office/drawing/2014/main" id="{76BD70EE-2A9E-09E1-3478-81296E020012}"/>
+              </a:ext>
+            </a:extLst>
+          </p:cNvPr>
+          <p:cNvSpPr txBox="1">
+            <a:spLocks/>
+          </p:cNvSpPr>
+          <p:nvPr/>
+        </p:nvSpPr>
+        <p:spPr>
+          <a:xfrm rot="16200000">
+            <a:off x="279401" y="1993521"/>
+            <a:ext cx="2062483" cy="284482"/>
+          </a:xfrm>
+          <a:prstGeom prst="rect">
+            <a:avLst/>
+          </a:prstGeom>
+        </p:spPr>
+        <p:txBody>
+          <a:bodyPr/>
+          <a:lstStyle>
+            <a:defPPr rtl="0">
+              <a:defRPr lang="tr-tr"/>
+            </a:defPPr>
+            <a:lvl1pPr marL="0" algn="l" defTabSz="914400" rtl="0" eaLnBrk="1" latinLnBrk="0" hangingPunct="1">
+              <a:defRPr sz="1800" kern="1200">
+                <a:solidFill>
+                  <a:schemeClr val="tx1"/>
+                </a:solidFill>
+                <a:latin typeface="+mn-lt"/>
+                <a:ea typeface="+mn-ea"/>
+                <a:cs typeface="+mn-cs"/>
+              </a:defRPr>
+            </a:lvl1pPr>
+            <a:lvl2pPr marL="457200" algn="l" defTabSz="914400" rtl="0" eaLnBrk="1" latinLnBrk="0" hangingPunct="1">
+              <a:defRPr sz="1800" kern="1200">
+                <a:solidFill>
+                  <a:schemeClr val="tx1"/>
+                </a:solidFill>
+                <a:latin typeface="+mn-lt"/>
+                <a:ea typeface="+mn-ea"/>
+                <a:cs typeface="+mn-cs"/>
+              </a:defRPr>
+            </a:lvl2pPr>
+            <a:lvl3pPr marL="914400" algn="l" defTabSz="914400" rtl="0" eaLnBrk="1" latinLnBrk="0" hangingPunct="1">
+              <a:defRPr sz="1800" kern="1200">
+                <a:solidFill>
+                  <a:schemeClr val="tx1"/>
+                </a:solidFill>
+                <a:latin typeface="+mn-lt"/>
+                <a:ea typeface="+mn-ea"/>
+                <a:cs typeface="+mn-cs"/>
+              </a:defRPr>
+            </a:lvl3pPr>
+            <a:lvl4pPr marL="1371600" algn="l" defTabSz="914400" rtl="0" eaLnBrk="1" latinLnBrk="0" hangingPunct="1">
+              <a:defRPr sz="1800" kern="1200">
+                <a:solidFill>
+                  <a:schemeClr val="tx1"/>
+                </a:solidFill>
+                <a:latin typeface="+mn-lt"/>
+                <a:ea typeface="+mn-ea"/>
+                <a:cs typeface="+mn-cs"/>
+              </a:defRPr>
+            </a:lvl4pPr>
+            <a:lvl5pPr marL="1828800" algn="l" defTabSz="914400" rtl="0" eaLnBrk="1" latinLnBrk="0" hangingPunct="1">
+              <a:defRPr sz="1800" kern="1200">
+                <a:solidFill>
+                  <a:schemeClr val="tx1"/>
+                </a:solidFill>
+                <a:latin typeface="+mn-lt"/>
+                <a:ea typeface="+mn-ea"/>
+                <a:cs typeface="+mn-cs"/>
+              </a:defRPr>
+            </a:lvl5pPr>
+            <a:lvl6pPr marL="2286000" algn="l" defTabSz="914400" rtl="0" eaLnBrk="1" latinLnBrk="0" hangingPunct="1">
+              <a:defRPr sz="1800" kern="1200">
+                <a:solidFill>
+                  <a:schemeClr val="tx1"/>
+                </a:solidFill>
+                <a:latin typeface="+mn-lt"/>
+                <a:ea typeface="+mn-ea"/>
+                <a:cs typeface="+mn-cs"/>
+              </a:defRPr>
+            </a:lvl6pPr>
+            <a:lvl7pPr marL="2743200" algn="l" defTabSz="914400" rtl="0" eaLnBrk="1" latinLnBrk="0" hangingPunct="1">
+              <a:defRPr sz="1800" kern="1200">
+                <a:solidFill>
+                  <a:schemeClr val="tx1"/>
+                </a:solidFill>
+                <a:latin typeface="+mn-lt"/>
+                <a:ea typeface="+mn-ea"/>
+                <a:cs typeface="+mn-cs"/>
+              </a:defRPr>
+            </a:lvl7pPr>
+            <a:lvl8pPr marL="3200400" algn="l" defTabSz="914400" rtl="0" eaLnBrk="1" latinLnBrk="0" hangingPunct="1">
+              <a:defRPr sz="1800" kern="1200">
+                <a:solidFill>
+                  <a:schemeClr val="tx1"/>
+                </a:solidFill>
+                <a:latin typeface="+mn-lt"/>
+                <a:ea typeface="+mn-ea"/>
+                <a:cs typeface="+mn-cs"/>
+              </a:defRPr>
+            </a:lvl8pPr>
+            <a:lvl9pPr marL="3657600" algn="l" defTabSz="914400" rtl="0" eaLnBrk="1" latinLnBrk="0" hangingPunct="1">
+              <a:defRPr sz="1800" kern="1200">
+                <a:solidFill>
+                  <a:schemeClr val="tx1"/>
+                </a:solidFill>
+                <a:latin typeface="+mn-lt"/>
+                <a:ea typeface="+mn-ea"/>
+                <a:cs typeface="+mn-cs"/>
+              </a:defRPr>
+            </a:lvl9pPr>
+          </a:lstStyle>
+          <a:p>
+            <a:pPr>
+              <a:spcAft>
+                <a:spcPts val="600"/>
+              </a:spcAft>
+            </a:pPr>
+            <a:r>
+              <a:rPr lang="tr-TR" sz="1400" b="1">
+                <a:solidFill>
+                  <a:schemeClr val="bg1">
+                    <a:lumMod val="95000"/>
+                  </a:schemeClr>
+                </a:solidFill>
+              </a:rPr>
+              <a:t>Hamit Burak Koçtaş</a:t>
+            </a:r>
+          </a:p>
+        </p:txBody>
+      </p:sp>
+    </p:spTree>
+    <p:extLst>
+      <p:ext uri="{BB962C8B-B14F-4D97-AF65-F5344CB8AC3E}">
+        <p14:creationId xmlns:p14="http://schemas.microsoft.com/office/powerpoint/2010/main" val="3646751121"/>
+      </p:ext>
+    </p:extLst>
+  </p:cSld>
+  <p:clrMapOvr>
+    <a:masterClrMapping/>
+  </p:clrMapOvr>
+</p:sld>
+</file>
+
+<file path=ppt/slides/slide4.xml><?xml version="1.0" encoding="utf-8"?>
 <p:sld xmlns:a="http://schemas.openxmlformats.org/drawingml/2006/main" xmlns:r="http://schemas.openxmlformats.org/officeDocument/2006/relationships" xmlns:p="http://schemas.openxmlformats.org/presentationml/2006/main">
   <p:cSld>
     <p:spTree>
@@ -20570,37 +21130,6 @@
       </p:sp>
       <p:sp>
         <p:nvSpPr>
-          <p:cNvPr id="6" name="Slayt Numarası Yer Tutucusu 5">
-            <a:extLst>
-              <a:ext uri="{FF2B5EF4-FFF2-40B4-BE49-F238E27FC236}">
-                <a16:creationId xmlns:a16="http://schemas.microsoft.com/office/drawing/2014/main" id="{BE21A9CF-E5D6-2052-2F90-26D6887575D3}"/>
-              </a:ext>
-            </a:extLst>
-          </p:cNvPr>
-          <p:cNvSpPr>
-            <a:spLocks noGrp="1"/>
-          </p:cNvSpPr>
-          <p:nvPr>
-            <p:ph type="sldNum" sz="quarter" idx="12"/>
-          </p:nvPr>
-        </p:nvSpPr>
-        <p:spPr/>
-        <p:txBody>
-          <a:bodyPr/>
-          <a:lstStyle/>
-          <a:p>
-            <a:pPr rtl="0"/>
-            <a:fld id="{D8DA9DAA-006C-4F4B-980E-E3DF019B24E2}" type="slidenum">
-              <a:rPr lang="tr-TR" noProof="0" smtClean="0"/>
-              <a:pPr rtl="0"/>
-              <a:t>5</a:t>
-            </a:fld>
-            <a:endParaRPr lang="tr-TR" noProof="0"/>
-          </a:p>
-        </p:txBody>
-      </p:sp>
-      <p:sp>
-        <p:nvSpPr>
           <p:cNvPr id="7" name="Footer Placeholder 4">
             <a:extLst>
               <a:ext uri="{FF2B5EF4-FFF2-40B4-BE49-F238E27FC236}">
@@ -20725,7 +21254,7 @@
 </p:sld>
 </file>
 
-<file path=ppt/slides/slide6.xml><?xml version="1.0" encoding="utf-8"?>
+<file path=ppt/slides/slide5.xml><?xml version="1.0" encoding="utf-8"?>
 <p:sld xmlns:a="http://schemas.openxmlformats.org/drawingml/2006/main" xmlns:r="http://schemas.openxmlformats.org/officeDocument/2006/relationships" xmlns:p="http://schemas.openxmlformats.org/presentationml/2006/main">
   <p:cSld>
     <p:spTree>
@@ -20818,52 +21347,6 @@
       </p:sp>
       <p:sp>
         <p:nvSpPr>
-          <p:cNvPr id="6" name="Slayt Numarası Yer Tutucusu 5">
-            <a:extLst>
-              <a:ext uri="{FF2B5EF4-FFF2-40B4-BE49-F238E27FC236}">
-                <a16:creationId xmlns:a16="http://schemas.microsoft.com/office/drawing/2014/main" id="{BE21A9CF-E5D6-2052-2F90-26D6887575D3}"/>
-              </a:ext>
-            </a:extLst>
-          </p:cNvPr>
-          <p:cNvSpPr>
-            <a:spLocks noGrp="1"/>
-          </p:cNvSpPr>
-          <p:nvPr>
-            <p:ph type="sldNum" sz="quarter" idx="12"/>
-          </p:nvPr>
-        </p:nvSpPr>
-        <p:spPr>
-          <a:xfrm>
-            <a:off x="8610600" y="201168"/>
-            <a:ext cx="2743200" cy="365125"/>
-          </a:xfrm>
-        </p:spPr>
-        <p:txBody>
-          <a:bodyPr anchor="ctr">
-            <a:normAutofit/>
-          </a:bodyPr>
-          <a:lstStyle/>
-          <a:p>
-            <a:pPr rtl="0">
-              <a:spcAft>
-                <a:spcPts val="600"/>
-              </a:spcAft>
-            </a:pPr>
-            <a:fld id="{D8DA9DAA-006C-4F4B-980E-E3DF019B24E2}" type="slidenum">
-              <a:rPr lang="tr-TR" noProof="0" smtClean="0"/>
-              <a:pPr rtl="0">
-                <a:spcAft>
-                  <a:spcPts val="600"/>
-                </a:spcAft>
-              </a:pPr>
-              <a:t>6</a:t>
-            </a:fld>
-            <a:endParaRPr lang="tr-TR" noProof="0"/>
-          </a:p>
-        </p:txBody>
-      </p:sp>
-      <p:sp>
-        <p:nvSpPr>
           <p:cNvPr id="3" name="İçerik Yer Tutucusu 2">
             <a:extLst>
               <a:ext uri="{FF2B5EF4-FFF2-40B4-BE49-F238E27FC236}">
@@ -20881,12 +21364,12 @@
         <p:spPr>
           <a:xfrm>
             <a:off x="4822587" y="2276857"/>
-            <a:ext cx="7254394" cy="3968496"/>
+            <a:ext cx="7254394" cy="3255629"/>
           </a:xfrm>
         </p:spPr>
         <p:txBody>
-          <a:bodyPr>
-            <a:normAutofit/>
+          <a:bodyPr vert="horz" lIns="91440" tIns="45720" rIns="91440" bIns="45720" rtlCol="0" anchor="t">
+            <a:normAutofit lnSpcReduction="10000"/>
           </a:bodyPr>
           <a:lstStyle/>
           <a:p>
@@ -20895,8 +21378,21 @@
               <a:buChar char="v"/>
             </a:pPr>
             <a:r>
-              <a:rPr lang="tr-TR" sz="1500" b="1"/>
-              <a:t> Gelir:</a:t>
+              <a:rPr lang="tr-TR" sz="1500" b="1" dirty="0"/>
+              <a:t> Gider:</a:t>
+            </a:r>
+          </a:p>
+          <a:p>
+            <a:pPr lvl="1"/>
+            <a:r>
+              <a:rPr lang="tr-TR" sz="1500">
+                <a:solidFill>
+                  <a:schemeClr val="bg1"/>
+                </a:solidFill>
+                <a:ea typeface="+mn-lt"/>
+                <a:cs typeface="+mn-lt"/>
+              </a:rPr>
+              <a:t>Bir personel maliyeti 55.000₺ toplam 5 personel çalışacak. Toplam 1.5 aylık süreç için personel maliyeti 337.096,77₺.</a:t>
             </a:r>
           </a:p>
           <a:p>
@@ -20907,45 +21403,207 @@
                   <a:schemeClr val="bg1"/>
                 </a:solidFill>
               </a:rPr>
-              <a:t>Teklif edilecek fiyat 1.623.984₺.</a:t>
+              <a:t>Ofis aylık maliyeti 35.000</a:t>
             </a:r>
-          </a:p>
-          <a:p>
-            <a:pPr lvl="1"/>
+            <a:r>
+              <a:rPr lang="tr-TR" sz="1500">
+                <a:solidFill>
+                  <a:schemeClr val="bg1"/>
+                </a:solidFill>
+                <a:ea typeface="+mn-lt"/>
+                <a:cs typeface="+mn-lt"/>
+              </a:rPr>
+              <a:t>₺</a:t>
+            </a:r>
             <a:r>
               <a:rPr lang="tr-TR" sz="1500">
                 <a:solidFill>
                   <a:schemeClr val="bg1"/>
                 </a:solidFill>
               </a:rPr>
-              <a:t>Proje bitiminden elde edilecek net gelir 777.297₺.</a:t>
+              <a:t> 1.5 ayın sonundaki ofis</a:t>
             </a:r>
+            <a:r>
+              <a:rPr lang="tr-TR" sz="1500" dirty="0">
+                <a:solidFill>
+                  <a:schemeClr val="bg1"/>
+                </a:solidFill>
+              </a:rPr>
+              <a:t> maliyeti 57.580,65</a:t>
+            </a:r>
+            <a:r>
+              <a:rPr lang="tr-TR" sz="1500" dirty="0">
+                <a:solidFill>
+                  <a:schemeClr val="bg1"/>
+                </a:solidFill>
+                <a:ea typeface="+mn-lt"/>
+                <a:cs typeface="+mn-lt"/>
+              </a:rPr>
+              <a:t>₺.</a:t>
+            </a:r>
+            <a:endParaRPr lang="tr-TR" sz="1500" dirty="0">
+              <a:solidFill>
+                <a:schemeClr val="bg1"/>
+              </a:solidFill>
+            </a:endParaRPr>
           </a:p>
           <a:p>
             <a:pPr lvl="1"/>
+            <a:r>
+              <a:rPr lang="tr-TR" sz="1500" dirty="0">
+                <a:solidFill>
+                  <a:schemeClr val="bg1"/>
+                </a:solidFill>
+              </a:rPr>
+              <a:t>İnternet</a:t>
+            </a:r>
+            <a:r>
+              <a:rPr lang="tr-TR" sz="1500" dirty="0">
+                <a:solidFill>
+                  <a:schemeClr val="bg1"/>
+                </a:solidFill>
+                <a:ea typeface="+mn-lt"/>
+                <a:cs typeface="+mn-lt"/>
+              </a:rPr>
+              <a:t> sitesinin yıllık bakım, </a:t>
+            </a:r>
+            <a:r>
+              <a:rPr lang="tr-TR" sz="1500" dirty="0" err="1">
+                <a:solidFill>
+                  <a:schemeClr val="bg1"/>
+                </a:solidFill>
+                <a:ea typeface="+mn-lt"/>
+                <a:cs typeface="+mn-lt"/>
+              </a:rPr>
+              <a:t>hosting</a:t>
+            </a:r>
+            <a:r>
+              <a:rPr lang="tr-TR" sz="1500" dirty="0">
+                <a:solidFill>
+                  <a:schemeClr val="bg1"/>
+                </a:solidFill>
+                <a:ea typeface="+mn-lt"/>
+                <a:cs typeface="+mn-lt"/>
+              </a:rPr>
+              <a:t> ve düzenleme maliyeti </a:t>
+            </a:r>
             <a:r>
               <a:rPr lang="tr-TR" sz="1500">
                 <a:solidFill>
                   <a:schemeClr val="bg1"/>
                 </a:solidFill>
+                <a:ea typeface="+mn-lt"/>
+                <a:cs typeface="+mn-lt"/>
               </a:rPr>
-              <a:t>İnternet sitesinin yıllık bakımından gelen net geliri 310.902₺.</a:t>
+              <a:t>20.670,73</a:t>
             </a:r>
+            <a:r>
+              <a:rPr lang="tr-TR" sz="1500" dirty="0">
+                <a:solidFill>
+                  <a:schemeClr val="bg1"/>
+                </a:solidFill>
+                <a:ea typeface="+mn-lt"/>
+                <a:cs typeface="+mn-lt"/>
+              </a:rPr>
+              <a:t>₺.</a:t>
+            </a:r>
+            <a:endParaRPr lang="en-US" sz="1500" dirty="0">
+              <a:solidFill>
+                <a:schemeClr val="bg1"/>
+              </a:solidFill>
+              <a:ea typeface="+mn-lt"/>
+              <a:cs typeface="+mn-lt"/>
+            </a:endParaRPr>
           </a:p>
           <a:p>
             <a:pPr lvl="1"/>
             <a:r>
-              <a:rPr lang="tr-TR" sz="1500">
+              <a:rPr lang="en-US" sz="1500" err="1">
                 <a:solidFill>
                   <a:schemeClr val="bg1"/>
                 </a:solidFill>
+                <a:ea typeface="+mn-lt"/>
+                <a:cs typeface="+mn-lt"/>
               </a:rPr>
-              <a:t>İşi bitirme süresi kısa olduğu için anlaşılacak ve alınacak para miktarının enflasyon karşısında erimesi de çok daha az olur.</a:t>
+              <a:t>Toplam</a:t>
             </a:r>
+            <a:r>
+              <a:rPr lang="en-US" sz="1500">
+                <a:solidFill>
+                  <a:schemeClr val="bg1"/>
+                </a:solidFill>
+                <a:ea typeface="+mn-lt"/>
+                <a:cs typeface="+mn-lt"/>
+              </a:rPr>
+              <a:t> </a:t>
+            </a:r>
+            <a:r>
+              <a:rPr lang="en-US" sz="1500" err="1">
+                <a:solidFill>
+                  <a:schemeClr val="bg1"/>
+                </a:solidFill>
+                <a:ea typeface="+mn-lt"/>
+                <a:cs typeface="+mn-lt"/>
+              </a:rPr>
+              <a:t>proje</a:t>
+            </a:r>
+            <a:r>
+              <a:rPr lang="en-US" sz="1500" dirty="0">
+                <a:solidFill>
+                  <a:schemeClr val="bg1"/>
+                </a:solidFill>
+                <a:ea typeface="+mn-lt"/>
+                <a:cs typeface="+mn-lt"/>
+              </a:rPr>
+              <a:t> </a:t>
+            </a:r>
+            <a:r>
+              <a:rPr lang="en-US" sz="1500" err="1">
+                <a:solidFill>
+                  <a:schemeClr val="bg1"/>
+                </a:solidFill>
+                <a:ea typeface="+mn-lt"/>
+                <a:cs typeface="+mn-lt"/>
+              </a:rPr>
+              <a:t>maliyeti</a:t>
+            </a:r>
+            <a:r>
+              <a:rPr lang="en-US" sz="1500" dirty="0">
+                <a:solidFill>
+                  <a:schemeClr val="bg1"/>
+                </a:solidFill>
+                <a:ea typeface="+mn-lt"/>
+                <a:cs typeface="+mn-lt"/>
+              </a:rPr>
+              <a:t> 415.288,15</a:t>
+            </a:r>
+            <a:r>
+              <a:rPr lang="tr-TR" sz="1500" dirty="0">
+                <a:solidFill>
+                  <a:schemeClr val="bg1"/>
+                </a:solidFill>
+                <a:ea typeface="+mn-lt"/>
+                <a:cs typeface="+mn-lt"/>
+              </a:rPr>
+              <a:t>₺.</a:t>
+            </a:r>
+            <a:endParaRPr lang="tr-TR" sz="1500" dirty="0">
+              <a:solidFill>
+                <a:srgbClr val="FFFFFF"/>
+              </a:solidFill>
+              <a:ea typeface="+mn-lt"/>
+              <a:cs typeface="+mn-lt"/>
+            </a:endParaRPr>
           </a:p>
           <a:p>
-            <a:pPr lvl="1"/>
-            <a:endParaRPr lang="tr-TR" sz="1500" b="1"/>
+            <a:pPr marL="457200" lvl="1" indent="0">
+              <a:buNone/>
+            </a:pPr>
+            <a:endParaRPr lang="tr-TR" sz="1500" dirty="0">
+              <a:solidFill>
+                <a:schemeClr val="bg1"/>
+              </a:solidFill>
+            </a:endParaRPr>
           </a:p>
           <a:p>
             <a:pPr algn="l">
@@ -20953,80 +21611,99 @@
               <a:buChar char="v"/>
             </a:pPr>
             <a:r>
-              <a:rPr lang="tr-TR" sz="1500" b="1"/>
-              <a:t> Gider:</a:t>
+              <a:rPr lang="tr-TR" sz="1500" b="1" dirty="0"/>
+              <a:t> Gelir:</a:t>
             </a:r>
           </a:p>
           <a:p>
             <a:pPr lvl="1"/>
             <a:r>
-              <a:rPr lang="tr-TR" sz="1500">
+              <a:rPr lang="tr-TR" sz="1500" dirty="0">
                 <a:solidFill>
                   <a:schemeClr val="bg1"/>
                 </a:solidFill>
+                <a:latin typeface="Univers"/>
+                <a:cs typeface="Arial"/>
               </a:rPr>
-              <a:t>Personel maliyeti 648.422₺. </a:t>
+              <a:t>Teklif edilecek fiyat 800.000</a:t>
             </a:r>
+            <a:r>
+              <a:rPr lang="tr-TR" sz="1500" dirty="0">
+                <a:solidFill>
+                  <a:schemeClr val="bg1"/>
+                </a:solidFill>
+                <a:ea typeface="+mn-lt"/>
+                <a:cs typeface="+mn-lt"/>
+              </a:rPr>
+              <a:t>₺.</a:t>
+            </a:r>
+            <a:endParaRPr lang="tr-TR" sz="1500" dirty="0">
+              <a:solidFill>
+                <a:schemeClr val="bg1"/>
+              </a:solidFill>
+              <a:latin typeface="Univers"/>
+              <a:cs typeface="Arial"/>
+            </a:endParaRPr>
           </a:p>
           <a:p>
             <a:pPr lvl="1"/>
             <a:r>
-              <a:rPr lang="tr-TR" sz="1500">
+              <a:rPr lang="tr-TR" sz="1500" dirty="0">
                 <a:solidFill>
-                  <a:schemeClr val="bg1"/>
+                  <a:srgbClr val="FFFFFF"/>
                 </a:solidFill>
+                <a:latin typeface="Univers"/>
+                <a:cs typeface="Arial"/>
               </a:rPr>
-              <a:t>Ofis maliyeti 32.387₺.</a:t>
+              <a:t>Proje bitiminden elde edilecek net gelir 384.711,85</a:t>
             </a:r>
+            <a:r>
+              <a:rPr lang="tr-TR" sz="1500" dirty="0">
+                <a:solidFill>
+                  <a:srgbClr val="FFFFFF"/>
+                </a:solidFill>
+                <a:ea typeface="+mn-lt"/>
+                <a:cs typeface="+mn-lt"/>
+              </a:rPr>
+              <a:t>₺.</a:t>
+            </a:r>
+            <a:endParaRPr lang="tr-TR" sz="1500" dirty="0">
+              <a:solidFill>
+                <a:srgbClr val="FFFFFF"/>
+              </a:solidFill>
+              <a:latin typeface="Univers"/>
+              <a:cs typeface="Arial"/>
+            </a:endParaRPr>
           </a:p>
           <a:p>
             <a:pPr lvl="1"/>
             <a:r>
-              <a:rPr lang="tr-TR" sz="1500">
+              <a:rPr lang="tr-TR" sz="1500" dirty="0">
                 <a:solidFill>
                   <a:schemeClr val="bg1"/>
                 </a:solidFill>
+                <a:latin typeface="Univers"/>
+                <a:cs typeface="Arial"/>
               </a:rPr>
-              <a:t>İnternet sitesinin aylık bakım, </a:t>
+              <a:t>İnternet sitesinin yıllık bakımından alınan ücret 50.000</a:t>
             </a:r>
             <a:r>
-              <a:rPr lang="tr-TR" sz="1500" err="1">
+              <a:rPr lang="tr-TR" sz="1500" dirty="0">
                 <a:solidFill>
                   <a:schemeClr val="bg1"/>
                 </a:solidFill>
+                <a:ea typeface="+mn-lt"/>
+                <a:cs typeface="+mn-lt"/>
               </a:rPr>
-              <a:t>hosting</a:t>
+              <a:t>₺ gelen net gelir 29.389,27₺.</a:t>
             </a:r>
-            <a:r>
-              <a:rPr lang="tr-TR" sz="1500">
-                <a:solidFill>
-                  <a:schemeClr val="bg1"/>
-                </a:solidFill>
-              </a:rPr>
-              <a:t> ve düzenleme maliyeti 4.858₺. </a:t>
-            </a:r>
-          </a:p>
-          <a:p>
-            <a:pPr lvl="1"/>
-            <a:r>
-              <a:rPr lang="tr-TR" sz="1500">
-                <a:solidFill>
-                  <a:schemeClr val="bg1"/>
-                </a:solidFill>
-              </a:rPr>
-              <a:t>Proje maliyeti 680.809₺</a:t>
-            </a:r>
-          </a:p>
-          <a:p>
-            <a:pPr lvl="1"/>
-            <a:r>
-              <a:rPr lang="tr-TR" sz="1500">
-                <a:solidFill>
-                  <a:schemeClr val="bg1"/>
-                </a:solidFill>
-              </a:rPr>
-              <a:t>Yıllık maliyet: 58.296₺</a:t>
-            </a:r>
+            <a:endParaRPr lang="tr-TR" sz="1500" dirty="0">
+              <a:solidFill>
+                <a:srgbClr val="FFFFFF"/>
+              </a:solidFill>
+              <a:latin typeface="Univers"/>
+              <a:cs typeface="Arial"/>
+            </a:endParaRPr>
           </a:p>
           <a:p>
             <a:pPr lvl="1"/>
@@ -21034,6 +21711,7 @@
               <a:solidFill>
                 <a:schemeClr val="bg1"/>
               </a:solidFill>
+              <a:cs typeface="Arial"/>
             </a:endParaRPr>
           </a:p>
         </p:txBody>
@@ -21072,6 +21750,96 @@
     <p:extLst>
       <p:ext uri="{BB962C8B-B14F-4D97-AF65-F5344CB8AC3E}">
         <p14:creationId xmlns:p14="http://schemas.microsoft.com/office/powerpoint/2010/main" val="2865537306"/>
+      </p:ext>
+    </p:extLst>
+  </p:cSld>
+  <p:clrMapOvr>
+    <a:masterClrMapping/>
+  </p:clrMapOvr>
+</p:sld>
+</file>
+
+<file path=ppt/slides/slide6.xml><?xml version="1.0" encoding="utf-8"?>
+<p:sld xmlns:a="http://schemas.openxmlformats.org/drawingml/2006/main" xmlns:r="http://schemas.openxmlformats.org/officeDocument/2006/relationships" xmlns:p="http://schemas.openxmlformats.org/presentationml/2006/main">
+  <p:cSld>
+    <p:spTree>
+      <p:nvGrpSpPr>
+        <p:cNvPr id="1" name=""/>
+        <p:cNvGrpSpPr/>
+        <p:nvPr/>
+      </p:nvGrpSpPr>
+      <p:grpSpPr>
+        <a:xfrm>
+          <a:off x="0" y="0"/>
+          <a:ext cx="0" cy="0"/>
+          <a:chOff x="0" y="0"/>
+          <a:chExt cx="0" cy="0"/>
+        </a:xfrm>
+      </p:grpSpPr>
+      <p:pic>
+        <p:nvPicPr>
+          <p:cNvPr id="10" name="Resim 9" descr="ekran görüntüsü, metin, daire, diyagram içeren bir resim&#10;&#10;Açıklama otomatik olarak oluşturuldu">
+            <a:extLst>
+              <a:ext uri="{FF2B5EF4-FFF2-40B4-BE49-F238E27FC236}">
+                <a16:creationId xmlns:a16="http://schemas.microsoft.com/office/drawing/2014/main" id="{2933FA04-4C3F-1129-4843-9261AF6EF886}"/>
+              </a:ext>
+            </a:extLst>
+          </p:cNvPr>
+          <p:cNvPicPr>
+            <a:picLocks noChangeAspect="1"/>
+          </p:cNvPicPr>
+          <p:nvPr/>
+        </p:nvPicPr>
+        <p:blipFill>
+          <a:blip r:embed="rId2"/>
+          <a:stretch>
+            <a:fillRect/>
+          </a:stretch>
+        </p:blipFill>
+        <p:spPr>
+          <a:xfrm>
+            <a:off x="3545498" y="3555390"/>
+            <a:ext cx="5112727" cy="3228975"/>
+          </a:xfrm>
+          <a:prstGeom prst="rect">
+            <a:avLst/>
+          </a:prstGeom>
+        </p:spPr>
+      </p:pic>
+      <p:pic>
+        <p:nvPicPr>
+          <p:cNvPr id="3" name="Resim 2">
+            <a:extLst>
+              <a:ext uri="{FF2B5EF4-FFF2-40B4-BE49-F238E27FC236}">
+                <a16:creationId xmlns:a16="http://schemas.microsoft.com/office/drawing/2014/main" id="{A23F8F1C-0402-3FA9-B193-A711C869925F}"/>
+              </a:ext>
+            </a:extLst>
+          </p:cNvPr>
+          <p:cNvPicPr>
+            <a:picLocks noChangeAspect="1"/>
+          </p:cNvPicPr>
+          <p:nvPr/>
+        </p:nvPicPr>
+        <p:blipFill>
+          <a:blip r:embed="rId3"/>
+          <a:stretch>
+            <a:fillRect/>
+          </a:stretch>
+        </p:blipFill>
+        <p:spPr>
+          <a:xfrm>
+            <a:off x="1161288" y="230000"/>
+            <a:ext cx="10024852" cy="3072610"/>
+          </a:xfrm>
+          <a:prstGeom prst="rect">
+            <a:avLst/>
+          </a:prstGeom>
+        </p:spPr>
+      </p:pic>
+    </p:spTree>
+    <p:extLst>
+      <p:ext uri="{BB962C8B-B14F-4D97-AF65-F5344CB8AC3E}">
+        <p14:creationId xmlns:p14="http://schemas.microsoft.com/office/powerpoint/2010/main" val="3192641480"/>
       </p:ext>
     </p:extLst>
   </p:cSld>
@@ -21166,7 +21934,7 @@
               </a:spcAft>
             </a:pPr>
             <a:r>
-              <a:rPr lang="tr-TR" noProof="0" dirty="0"/>
+              <a:rPr lang="tr-TR" noProof="0"/>
               <a:t>Barış Keskin</a:t>
             </a:r>
           </a:p>
@@ -21219,42 +21987,85 @@
       </p:cxnSp>
       <p:sp>
         <p:nvSpPr>
-          <p:cNvPr id="19" name="İçerik Yer Tutucusu 18">
+          <p:cNvPr id="11" name="Metin kutusu 10">
             <a:extLst>
               <a:ext uri="{FF2B5EF4-FFF2-40B4-BE49-F238E27FC236}">
-                <a16:creationId xmlns:a16="http://schemas.microsoft.com/office/drawing/2014/main" id="{CF022C9B-AA17-BFE0-0141-1D15AF26CD19}"/>
+                <a16:creationId xmlns:a16="http://schemas.microsoft.com/office/drawing/2014/main" id="{B2317EF9-9D8D-313F-171C-B3625339982F}"/>
               </a:ext>
             </a:extLst>
           </p:cNvPr>
-          <p:cNvSpPr>
-            <a:spLocks noGrp="1"/>
-          </p:cNvSpPr>
-          <p:nvPr>
-            <p:ph idx="1"/>
-          </p:nvPr>
+          <p:cNvSpPr txBox="1"/>
+          <p:nvPr/>
         </p:nvSpPr>
-        <p:spPr/>
+        <p:spPr>
+          <a:xfrm>
+            <a:off x="358587" y="290353"/>
+            <a:ext cx="10024693" cy="1200329"/>
+          </a:xfrm>
+          <a:prstGeom prst="rect">
+            <a:avLst/>
+          </a:prstGeom>
+          <a:noFill/>
+        </p:spPr>
         <p:txBody>
-          <a:bodyPr/>
+          <a:bodyPr rot="0" spcFirstLastPara="0" vertOverflow="overflow" horzOverflow="overflow" vert="horz" wrap="square" lIns="91440" tIns="45720" rIns="91440" bIns="45720" numCol="1" spcCol="0" rtlCol="0" fromWordArt="0" anchor="t" anchorCtr="0" forceAA="0" compatLnSpc="1">
+            <a:prstTxWarp prst="textNoShape">
+              <a:avLst/>
+            </a:prstTxWarp>
+            <a:spAutoFit/>
+          </a:bodyPr>
           <a:lstStyle/>
           <a:p>
-            <a:endParaRPr lang="tr-TR"/>
+            <a:r>
+              <a:rPr lang="tr-TR" sz="5400" b="1" cap="all" dirty="0">
+                <a:solidFill>
+                  <a:srgbClr val="FFFFFF"/>
+                </a:solidFill>
+                <a:ea typeface="+mn-lt"/>
+                <a:cs typeface="+mn-lt"/>
+              </a:rPr>
+              <a:t>ZAMAN FİZİBİLİTESİ</a:t>
+            </a:r>
+            <a:r>
+              <a:rPr lang="en-US" sz="5400" b="1" cap="all" dirty="0">
+                <a:solidFill>
+                  <a:srgbClr val="FFFFFF"/>
+                </a:solidFill>
+                <a:ea typeface="+mn-lt"/>
+                <a:cs typeface="+mn-lt"/>
+              </a:rPr>
+              <a:t> – Gantt</a:t>
+            </a:r>
+            <a:endParaRPr lang="tr-TR" sz="5400" dirty="0">
+              <a:ea typeface="+mn-lt"/>
+              <a:cs typeface="+mn-lt"/>
+            </a:endParaRPr>
+          </a:p>
+          <a:p>
+            <a:pPr algn="l"/>
+            <a:endParaRPr lang="tr-TR" dirty="0">
+              <a:solidFill>
+                <a:srgbClr val="000000"/>
+              </a:solidFill>
+            </a:endParaRPr>
           </a:p>
         </p:txBody>
       </p:sp>
       <p:pic>
         <p:nvPicPr>
-          <p:cNvPr id="3" name="Resim 2">
+          <p:cNvPr id="22" name="İçerik Yer Tutucusu 21">
             <a:extLst>
               <a:ext uri="{FF2B5EF4-FFF2-40B4-BE49-F238E27FC236}">
-                <a16:creationId xmlns:a16="http://schemas.microsoft.com/office/drawing/2014/main" id="{828CBCF5-CB16-5AE0-1DC3-E5842B855DC3}"/>
+                <a16:creationId xmlns:a16="http://schemas.microsoft.com/office/drawing/2014/main" id="{CC0A4A10-EAB0-E58A-BF39-AAC88E403CFB}"/>
               </a:ext>
             </a:extLst>
           </p:cNvPr>
           <p:cNvPicPr>
-            <a:picLocks noChangeAspect="1"/>
+            <a:picLocks noGrp="1" noChangeAspect="1"/>
           </p:cNvPicPr>
-          <p:nvPr/>
+          <p:nvPr>
+            <p:ph idx="1"/>
+          </p:nvPr>
         </p:nvPicPr>
         <p:blipFill>
           <a:blip r:embed="rId2"/>
@@ -21264,18 +22075,15 @@
         </p:blipFill>
         <p:spPr>
           <a:xfrm>
-            <a:off x="0" y="4157"/>
-            <a:ext cx="11687578" cy="6858000"/>
+            <a:off x="621792" y="1126012"/>
+            <a:ext cx="9628631" cy="5727376"/>
           </a:xfrm>
-          <a:prstGeom prst="rect">
-            <a:avLst/>
-          </a:prstGeom>
         </p:spPr>
       </p:pic>
     </p:spTree>
     <p:extLst>
       <p:ext uri="{BB962C8B-B14F-4D97-AF65-F5344CB8AC3E}">
-        <p14:creationId xmlns:p14="http://schemas.microsoft.com/office/powerpoint/2010/main" val="90391195"/>
+        <p14:creationId xmlns:p14="http://schemas.microsoft.com/office/powerpoint/2010/main" val="1010928475"/>
       </p:ext>
     </p:extLst>
   </p:cSld>
@@ -21318,7 +22126,12 @@
             <p:ph type="title"/>
           </p:nvPr>
         </p:nvSpPr>
-        <p:spPr/>
+        <p:spPr>
+          <a:xfrm>
+            <a:off x="393907" y="139688"/>
+            <a:ext cx="10771632" cy="1325563"/>
+          </a:xfrm>
+        </p:spPr>
         <p:txBody>
           <a:bodyPr>
             <a:normAutofit/>
@@ -21326,45 +22139,14 @@
           <a:lstStyle/>
           <a:p>
             <a:r>
-              <a:rPr lang="tr-TR" dirty="0"/>
+              <a:rPr lang="tr-TR"/>
               <a:t>Zaman Fizibilitesi</a:t>
             </a:r>
             <a:r>
-              <a:rPr lang="en-US" dirty="0"/>
+              <a:rPr lang="en-US"/>
               <a:t> – CPM</a:t>
             </a:r>
-            <a:endParaRPr lang="tr-TR" dirty="0"/>
-          </a:p>
-        </p:txBody>
-      </p:sp>
-      <p:sp>
-        <p:nvSpPr>
-          <p:cNvPr id="6" name="Slayt Numarası Yer Tutucusu 5">
-            <a:extLst>
-              <a:ext uri="{FF2B5EF4-FFF2-40B4-BE49-F238E27FC236}">
-                <a16:creationId xmlns:a16="http://schemas.microsoft.com/office/drawing/2014/main" id="{BE21A9CF-E5D6-2052-2F90-26D6887575D3}"/>
-              </a:ext>
-            </a:extLst>
-          </p:cNvPr>
-          <p:cNvSpPr>
-            <a:spLocks noGrp="1"/>
-          </p:cNvSpPr>
-          <p:nvPr>
-            <p:ph type="sldNum" sz="quarter" idx="12"/>
-          </p:nvPr>
-        </p:nvSpPr>
-        <p:spPr/>
-        <p:txBody>
-          <a:bodyPr/>
-          <a:lstStyle/>
-          <a:p>
-            <a:pPr rtl="0"/>
-            <a:fld id="{D8DA9DAA-006C-4F4B-980E-E3DF019B24E2}" type="slidenum">
-              <a:rPr lang="tr-TR" noProof="0" smtClean="0"/>
-              <a:pPr rtl="0"/>
-              <a:t>8</a:t>
-            </a:fld>
-            <a:endParaRPr lang="tr-TR" noProof="0"/>
+            <a:endParaRPr lang="tr-TR"/>
           </a:p>
         </p:txBody>
       </p:sp>
@@ -21467,13 +22249,13 @@
             <p:ph idx="1"/>
             <p:extLst>
               <p:ext uri="{D42A27DB-BD31-4B8C-83A1-F6EECF244321}">
-                <p14:modId xmlns:p14="http://schemas.microsoft.com/office/powerpoint/2010/main" val="1819054411"/>
+                <p14:modId xmlns:p14="http://schemas.microsoft.com/office/powerpoint/2010/main" val="3997568489"/>
               </p:ext>
             </p:extLst>
           </p:nvPr>
         </p:nvGraphicFramePr>
         <p:xfrm>
-          <a:off x="661734" y="1400556"/>
+          <a:off x="1575216" y="1372700"/>
           <a:ext cx="8408616" cy="1969421"/>
         </p:xfrm>
         <a:graphic>
@@ -21534,7 +22316,7 @@
                     <a:p>
                       <a:pPr algn="ctr" fontAlgn="b"/>
                       <a:r>
-                        <a:rPr lang="tr-TR" sz="1000" b="1" u="none" strike="noStrike" dirty="0">
+                        <a:rPr lang="tr-TR" sz="1000" b="1" u="none" strike="noStrike">
                           <a:solidFill>
                             <a:schemeClr val="bg1"/>
                           </a:solidFill>
@@ -21542,7 +22324,7 @@
                         </a:rPr>
                         <a:t>Faaliyetler</a:t>
                       </a:r>
-                      <a:endParaRPr lang="tr-TR" sz="1000" b="1" i="0" u="none" strike="noStrike" dirty="0">
+                      <a:endParaRPr lang="tr-TR" sz="1000" b="1" i="0" u="none" strike="noStrike">
                         <a:solidFill>
                           <a:schemeClr val="bg1"/>
                         </a:solidFill>
@@ -21775,15 +22557,16 @@
                     <a:p>
                       <a:pPr algn="ctr" fontAlgn="b"/>
                       <a:r>
-                        <a:rPr lang="tr-TR" sz="1000" u="none" strike="noStrike">
+                        <a:rPr lang="en-US" sz="1000" b="0" i="0" u="none" strike="noStrike" dirty="0">
                           <a:solidFill>
                             <a:schemeClr val="bg1"/>
                           </a:solidFill>
                           <a:effectLst/>
+                          <a:latin typeface="Arial" panose="020B0604020202020204" pitchFamily="34" charset="0"/>
                         </a:rPr>
-                        <a:t>4</a:t>
+                        <a:t>5</a:t>
                       </a:r>
-                      <a:endParaRPr lang="tr-TR" sz="1000" b="0" i="0" u="none" strike="noStrike">
+                      <a:endParaRPr lang="tr-TR" sz="1000" b="0" i="0" u="none" strike="noStrike" dirty="0">
                         <a:solidFill>
                           <a:schemeClr val="bg1"/>
                         </a:solidFill>
@@ -21945,7 +22728,7 @@
                     <a:lstStyle/>
                     <a:p>
                       <a:pPr algn="ctr" fontAlgn="b"/>
-                      <a:endParaRPr lang="tr-TR" sz="1000" b="0" i="0" u="none" strike="noStrike" dirty="0">
+                      <a:endParaRPr lang="tr-TR" sz="1000" b="0" i="0" u="none" strike="noStrike">
                         <a:solidFill>
                           <a:schemeClr val="bg1"/>
                         </a:solidFill>
@@ -22158,7 +22941,7 @@
                     <a:p>
                       <a:pPr algn="ctr" fontAlgn="b"/>
                       <a:r>
-                        <a:rPr lang="tr-TR" sz="1000" u="none" strike="noStrike" dirty="0">
+                        <a:rPr lang="tr-TR" sz="1000" u="none" strike="noStrike">
                           <a:solidFill>
                             <a:schemeClr val="bg1"/>
                           </a:solidFill>
@@ -22166,7 +22949,7 @@
                         </a:rPr>
                         <a:t>D</a:t>
                       </a:r>
-                      <a:endParaRPr lang="tr-TR" sz="1000" b="0" i="0" u="none" strike="noStrike" dirty="0">
+                      <a:endParaRPr lang="tr-TR" sz="1000" b="0" i="0" u="none" strike="noStrike">
                         <a:solidFill>
                           <a:schemeClr val="bg1"/>
                         </a:solidFill>
@@ -22755,14 +23538,14 @@
           <a:lstStyle/>
           <a:p>
             <a:r>
-              <a:rPr lang="en-US">
+              <a:rPr lang="en-US" dirty="0">
                 <a:solidFill>
                   <a:schemeClr val="bg1"/>
                 </a:solidFill>
               </a:rPr>
-              <a:t>A = 4</a:t>
+              <a:t>A = 5</a:t>
             </a:r>
-            <a:endParaRPr lang="tr-TR">
+            <a:endParaRPr lang="tr-TR" dirty="0">
               <a:solidFill>
                 <a:schemeClr val="bg1"/>
               </a:solidFill>
@@ -22960,7 +23743,7 @@
           <p:nvPr>
             <p:extLst>
               <p:ext uri="{D42A27DB-BD31-4B8C-83A1-F6EECF244321}">
-                <p14:modId xmlns:p14="http://schemas.microsoft.com/office/powerpoint/2010/main" val="2473315231"/>
+                <p14:modId xmlns:p14="http://schemas.microsoft.com/office/powerpoint/2010/main" val="1875397898"/>
               </p:ext>
             </p:extLst>
           </p:nvPr>
@@ -22998,14 +23781,14 @@
                     <a:lstStyle/>
                     <a:p>
                       <a:r>
-                        <a:rPr lang="en-US">
+                        <a:rPr lang="en-US" dirty="0">
                           <a:solidFill>
                             <a:schemeClr val="bg1"/>
                           </a:solidFill>
                         </a:rPr>
-                        <a:t>4</a:t>
+                        <a:t>5</a:t>
                       </a:r>
-                      <a:endParaRPr lang="tr-TR">
+                      <a:endParaRPr lang="tr-TR" dirty="0">
                         <a:solidFill>
                           <a:schemeClr val="bg1"/>
                         </a:solidFill>
@@ -23057,14 +23840,14 @@
                     <a:lstStyle/>
                     <a:p>
                       <a:r>
-                        <a:rPr lang="en-US">
+                        <a:rPr lang="en-US" dirty="0">
                           <a:solidFill>
                             <a:schemeClr val="bg1"/>
                           </a:solidFill>
                         </a:rPr>
-                        <a:t>4</a:t>
+                        <a:t>5</a:t>
                       </a:r>
-                      <a:endParaRPr lang="tr-TR">
+                      <a:endParaRPr lang="tr-TR" dirty="0">
                         <a:solidFill>
                           <a:schemeClr val="bg1"/>
                         </a:solidFill>
@@ -23135,7 +23918,7 @@
           <p:nvPr>
             <p:extLst>
               <p:ext uri="{D42A27DB-BD31-4B8C-83A1-F6EECF244321}">
-                <p14:modId xmlns:p14="http://schemas.microsoft.com/office/powerpoint/2010/main" val="937271184"/>
+                <p14:modId xmlns:p14="http://schemas.microsoft.com/office/powerpoint/2010/main" val="3316221634"/>
               </p:ext>
             </p:extLst>
           </p:nvPr>
@@ -23173,14 +23956,14 @@
                     <a:lstStyle/>
                     <a:p>
                       <a:r>
-                        <a:rPr lang="en-US">
+                        <a:rPr lang="en-US" dirty="0">
                           <a:solidFill>
                             <a:schemeClr val="bg1"/>
                           </a:solidFill>
                         </a:rPr>
-                        <a:t>12</a:t>
+                        <a:t>13</a:t>
                       </a:r>
-                      <a:endParaRPr lang="tr-TR">
+                      <a:endParaRPr lang="tr-TR" dirty="0">
                         <a:solidFill>
                           <a:schemeClr val="bg1"/>
                         </a:solidFill>
@@ -23232,14 +24015,14 @@
                     <a:lstStyle/>
                     <a:p>
                       <a:r>
-                        <a:rPr lang="en-US">
+                        <a:rPr lang="en-US" dirty="0">
                           <a:solidFill>
                             <a:schemeClr val="bg1"/>
                           </a:solidFill>
                         </a:rPr>
-                        <a:t>12</a:t>
+                        <a:t>13</a:t>
                       </a:r>
-                      <a:endParaRPr lang="tr-TR">
+                      <a:endParaRPr lang="tr-TR" dirty="0">
                         <a:solidFill>
                           <a:schemeClr val="bg1"/>
                         </a:solidFill>
@@ -23310,7 +24093,7 @@
           <p:nvPr>
             <p:extLst>
               <p:ext uri="{D42A27DB-BD31-4B8C-83A1-F6EECF244321}">
-                <p14:modId xmlns:p14="http://schemas.microsoft.com/office/powerpoint/2010/main" val="2951332471"/>
+                <p14:modId xmlns:p14="http://schemas.microsoft.com/office/powerpoint/2010/main" val="1127625104"/>
               </p:ext>
             </p:extLst>
           </p:nvPr>
@@ -23348,14 +24131,14 @@
                     <a:lstStyle/>
                     <a:p>
                       <a:r>
-                        <a:rPr lang="en-US">
+                        <a:rPr lang="en-US" dirty="0">
                           <a:solidFill>
                             <a:schemeClr val="bg1"/>
                           </a:solidFill>
                         </a:rPr>
-                        <a:t>24</a:t>
+                        <a:t>25</a:t>
                       </a:r>
-                      <a:endParaRPr lang="tr-TR">
+                      <a:endParaRPr lang="tr-TR" dirty="0">
                         <a:solidFill>
                           <a:schemeClr val="bg1"/>
                         </a:solidFill>
@@ -23412,7 +24195,7 @@
                             <a:schemeClr val="bg1"/>
                           </a:solidFill>
                         </a:rPr>
-                        <a:t>24</a:t>
+                        <a:t>25</a:t>
                       </a:r>
                       <a:endParaRPr lang="tr-TR" dirty="0">
                         <a:solidFill>
@@ -23485,7 +24268,7 @@
           <p:nvPr>
             <p:extLst>
               <p:ext uri="{D42A27DB-BD31-4B8C-83A1-F6EECF244321}">
-                <p14:modId xmlns:p14="http://schemas.microsoft.com/office/powerpoint/2010/main" val="1599884814"/>
+                <p14:modId xmlns:p14="http://schemas.microsoft.com/office/powerpoint/2010/main" val="672996603"/>
               </p:ext>
             </p:extLst>
           </p:nvPr>
@@ -23528,7 +24311,7 @@
                             <a:schemeClr val="bg1"/>
                           </a:solidFill>
                         </a:rPr>
-                        <a:t>37</a:t>
+                        <a:t>38</a:t>
                       </a:r>
                       <a:endParaRPr lang="tr-TR" dirty="0">
                         <a:solidFill>
@@ -23587,7 +24370,7 @@
                             <a:schemeClr val="bg1"/>
                           </a:solidFill>
                         </a:rPr>
-                        <a:t>37</a:t>
+                        <a:t>38</a:t>
                       </a:r>
                       <a:endParaRPr lang="tr-TR" dirty="0">
                         <a:solidFill>
@@ -23660,7 +24443,7 @@
           <p:nvPr>
             <p:extLst>
               <p:ext uri="{D42A27DB-BD31-4B8C-83A1-F6EECF244321}">
-                <p14:modId xmlns:p14="http://schemas.microsoft.com/office/powerpoint/2010/main" val="3919605555"/>
+                <p14:modId xmlns:p14="http://schemas.microsoft.com/office/powerpoint/2010/main" val="3321722483"/>
               </p:ext>
             </p:extLst>
           </p:nvPr>
@@ -23698,14 +24481,14 @@
                     <a:lstStyle/>
                     <a:p>
                       <a:r>
-                        <a:rPr lang="en-US">
+                        <a:rPr lang="en-US" dirty="0">
                           <a:solidFill>
                             <a:schemeClr val="bg1"/>
                           </a:solidFill>
                         </a:rPr>
-                        <a:t>34</a:t>
+                        <a:t>35</a:t>
                       </a:r>
-                      <a:endParaRPr lang="tr-TR">
+                      <a:endParaRPr lang="tr-TR" dirty="0">
                         <a:solidFill>
                           <a:schemeClr val="bg1"/>
                         </a:solidFill>
@@ -23757,14 +24540,14 @@
                     <a:lstStyle/>
                     <a:p>
                       <a:r>
-                        <a:rPr lang="en-US">
+                        <a:rPr lang="en-US" dirty="0">
                           <a:solidFill>
                             <a:schemeClr val="bg1"/>
                           </a:solidFill>
                         </a:rPr>
-                        <a:t>34</a:t>
+                        <a:t>35</a:t>
                       </a:r>
-                      <a:endParaRPr lang="tr-TR">
+                      <a:endParaRPr lang="tr-TR" dirty="0">
                         <a:solidFill>
                           <a:schemeClr val="bg1"/>
                         </a:solidFill>
@@ -23835,7 +24618,7 @@
           <p:nvPr>
             <p:extLst>
               <p:ext uri="{D42A27DB-BD31-4B8C-83A1-F6EECF244321}">
-                <p14:modId xmlns:p14="http://schemas.microsoft.com/office/powerpoint/2010/main" val="640488025"/>
+                <p14:modId xmlns:p14="http://schemas.microsoft.com/office/powerpoint/2010/main" val="247068703"/>
               </p:ext>
             </p:extLst>
           </p:nvPr>
@@ -23873,14 +24656,14 @@
                     <a:lstStyle/>
                     <a:p>
                       <a:r>
-                        <a:rPr lang="en-US">
+                        <a:rPr lang="en-US" dirty="0">
                           <a:solidFill>
                             <a:schemeClr val="bg1"/>
                           </a:solidFill>
                         </a:rPr>
-                        <a:t>34</a:t>
+                        <a:t>35</a:t>
                       </a:r>
-                      <a:endParaRPr lang="tr-TR">
+                      <a:endParaRPr lang="tr-TR" dirty="0">
                         <a:solidFill>
                           <a:schemeClr val="bg1"/>
                         </a:solidFill>
@@ -23932,14 +24715,14 @@
                     <a:lstStyle/>
                     <a:p>
                       <a:r>
-                        <a:rPr lang="en-US">
+                        <a:rPr lang="en-US" dirty="0">
                           <a:solidFill>
                             <a:schemeClr val="bg1"/>
                           </a:solidFill>
                         </a:rPr>
-                        <a:t>34</a:t>
+                        <a:t>35</a:t>
                       </a:r>
-                      <a:endParaRPr lang="tr-TR">
+                      <a:endParaRPr lang="tr-TR" dirty="0">
                         <a:solidFill>
                           <a:schemeClr val="bg1"/>
                         </a:solidFill>
@@ -24010,7 +24793,7 @@
           <p:nvPr>
             <p:extLst>
               <p:ext uri="{D42A27DB-BD31-4B8C-83A1-F6EECF244321}">
-                <p14:modId xmlns:p14="http://schemas.microsoft.com/office/powerpoint/2010/main" val="40246152"/>
+                <p14:modId xmlns:p14="http://schemas.microsoft.com/office/powerpoint/2010/main" val="4070185456"/>
               </p:ext>
             </p:extLst>
           </p:nvPr>
@@ -24048,14 +24831,14 @@
                     <a:lstStyle/>
                     <a:p>
                       <a:r>
-                        <a:rPr lang="en-US">
+                        <a:rPr lang="en-US" dirty="0">
                           <a:solidFill>
                             <a:schemeClr val="bg1"/>
                           </a:solidFill>
                         </a:rPr>
-                        <a:t>37</a:t>
+                        <a:t>38</a:t>
                       </a:r>
-                      <a:endParaRPr lang="tr-TR">
+                      <a:endParaRPr lang="tr-TR" dirty="0">
                         <a:solidFill>
                           <a:schemeClr val="bg1"/>
                         </a:solidFill>
@@ -24107,14 +24890,14 @@
                     <a:lstStyle/>
                     <a:p>
                       <a:r>
-                        <a:rPr lang="en-US">
+                        <a:rPr lang="en-US" dirty="0">
                           <a:solidFill>
                             <a:schemeClr val="bg1"/>
                           </a:solidFill>
                         </a:rPr>
-                        <a:t>37</a:t>
+                        <a:t>38</a:t>
                       </a:r>
-                      <a:endParaRPr lang="tr-TR">
+                      <a:endParaRPr lang="tr-TR" dirty="0">
                         <a:solidFill>
                           <a:schemeClr val="bg1"/>
                         </a:solidFill>
@@ -24565,37 +25348,6 @@
               <a:rPr lang="tr-TR"/>
               <a:t>Bu sebeple kullanıcılarımızın herhangi bir zorluk yaşayacaklarını düşünmüyoruz.</a:t>
             </a:r>
-          </a:p>
-        </p:txBody>
-      </p:sp>
-      <p:sp>
-        <p:nvSpPr>
-          <p:cNvPr id="6" name="Slayt Numarası Yer Tutucusu 5">
-            <a:extLst>
-              <a:ext uri="{FF2B5EF4-FFF2-40B4-BE49-F238E27FC236}">
-                <a16:creationId xmlns:a16="http://schemas.microsoft.com/office/drawing/2014/main" id="{BE21A9CF-E5D6-2052-2F90-26D6887575D3}"/>
-              </a:ext>
-            </a:extLst>
-          </p:cNvPr>
-          <p:cNvSpPr>
-            <a:spLocks noGrp="1"/>
-          </p:cNvSpPr>
-          <p:nvPr>
-            <p:ph type="sldNum" sz="quarter" idx="12"/>
-          </p:nvPr>
-        </p:nvSpPr>
-        <p:spPr/>
-        <p:txBody>
-          <a:bodyPr/>
-          <a:lstStyle/>
-          <a:p>
-            <a:pPr rtl="0"/>
-            <a:fld id="{D8DA9DAA-006C-4F4B-980E-E3DF019B24E2}" type="slidenum">
-              <a:rPr lang="tr-TR" noProof="0" smtClean="0"/>
-              <a:pPr rtl="0"/>
-              <a:t>9</a:t>
-            </a:fld>
-            <a:endParaRPr lang="tr-TR" noProof="0"/>
           </a:p>
         </p:txBody>
       </p:sp>
@@ -25531,6 +26283,15 @@
 </file>
 
 <file path=customXml/item2.xml><?xml version="1.0" encoding="utf-8"?>
+<p:properties xmlns:p="http://schemas.microsoft.com/office/2006/metadata/properties" xmlns:xsi="http://www.w3.org/2001/XMLSchema-instance" xmlns:pc="http://schemas.microsoft.com/office/infopath/2007/PartnerControls">
+  <documentManagement>
+    <Status xmlns="71af3243-3dd4-4a8d-8c0d-dd76da1f02a5">Not started</Status>
+    <MediaServiceKeyPoints xmlns="71af3243-3dd4-4a8d-8c0d-dd76da1f02a5" xsi:nil="true"/>
+  </documentManagement>
+</p:properties>
+</file>
+
+<file path=customXml/item3.xml><?xml version="1.0" encoding="utf-8"?>
 <ct:contentTypeSchema xmlns:ct="http://schemas.microsoft.com/office/2006/metadata/contentType" xmlns:ma="http://schemas.microsoft.com/office/2006/metadata/properties/metaAttributes" ct:_="" ma:_="" ma:contentTypeName="Document" ma:contentTypeID="0x01010079F111ED35F8CC479449609E8A0923A6" ma:contentTypeVersion="12" ma:contentTypeDescription="Create a new document." ma:contentTypeScope="" ma:versionID="426e97fa315356fffbdcd9876fe988c2">
   <xsd:schema xmlns:xsd="http://www.w3.org/2001/XMLSchema" xmlns:xs="http://www.w3.org/2001/XMLSchema" xmlns:p="http://schemas.microsoft.com/office/2006/metadata/properties" xmlns:ns2="71af3243-3dd4-4a8d-8c0d-dd76da1f02a5" xmlns:ns3="16c05727-aa75-4e4a-9b5f-8a80a1165891" targetNamespace="http://schemas.microsoft.com/office/2006/metadata/properties" ma:root="true" ma:fieldsID="14b8f0def80e6d70ce3def20c90759ae" ns2:_="" ns3:_="">
     <xsd:import namespace="71af3243-3dd4-4a8d-8c0d-dd76da1f02a5"/>
@@ -25751,15 +26512,6 @@
 </ct:contentTypeSchema>
 </file>
 
-<file path=customXml/item3.xml><?xml version="1.0" encoding="utf-8"?>
-<p:properties xmlns:p="http://schemas.microsoft.com/office/2006/metadata/properties" xmlns:xsi="http://www.w3.org/2001/XMLSchema-instance" xmlns:pc="http://schemas.microsoft.com/office/infopath/2007/PartnerControls">
-  <documentManagement>
-    <Status xmlns="71af3243-3dd4-4a8d-8c0d-dd76da1f02a5">Not started</Status>
-    <MediaServiceKeyPoints xmlns="71af3243-3dd4-4a8d-8c0d-dd76da1f02a5" xsi:nil="true"/>
-  </documentManagement>
-</p:properties>
-</file>
-
 <file path=customXml/itemProps1.xml><?xml version="1.0" encoding="utf-8"?>
 <ds:datastoreItem xmlns:ds="http://schemas.openxmlformats.org/officeDocument/2006/customXml" ds:itemID="{3C8E00D1-8EA3-4E42-801D-0253E1EAFC21}">
   <ds:schemaRefs>
@@ -25769,6 +26521,23 @@
 </file>
 
 <file path=customXml/itemProps2.xml><?xml version="1.0" encoding="utf-8"?>
+<ds:datastoreItem xmlns:ds="http://schemas.openxmlformats.org/officeDocument/2006/customXml" ds:itemID="{99919F73-B6C2-4A43-95E2-833EC48925FE}">
+  <ds:schemaRefs>
+    <ds:schemaRef ds:uri="16c05727-aa75-4e4a-9b5f-8a80a1165891"/>
+    <ds:schemaRef ds:uri="71af3243-3dd4-4a8d-8c0d-dd76da1f02a5"/>
+    <ds:schemaRef ds:uri="http://purl.org/dc/dcmitype/"/>
+    <ds:schemaRef ds:uri="http://purl.org/dc/elements/1.1/"/>
+    <ds:schemaRef ds:uri="http://purl.org/dc/terms/"/>
+    <ds:schemaRef ds:uri="http://schemas.microsoft.com/office/2006/documentManagement/types"/>
+    <ds:schemaRef ds:uri="http://schemas.microsoft.com/office/2006/metadata/properties"/>
+    <ds:schemaRef ds:uri="http://schemas.microsoft.com/office/infopath/2007/PartnerControls"/>
+    <ds:schemaRef ds:uri="http://schemas.openxmlformats.org/package/2006/metadata/core-properties"/>
+    <ds:schemaRef ds:uri="http://www.w3.org/XML/1998/namespace"/>
+  </ds:schemaRefs>
+</ds:datastoreItem>
+</file>
+
+<file path=customXml/itemProps3.xml><?xml version="1.0" encoding="utf-8"?>
 <ds:datastoreItem xmlns:ds="http://schemas.openxmlformats.org/officeDocument/2006/customXml" ds:itemID="{ABC329F5-30EE-4BF7-AA2A-B837B51416B4}">
   <ds:schemaRefs>
     <ds:schemaRef ds:uri="16c05727-aa75-4e4a-9b5f-8a80a1165891"/>
@@ -25785,21 +26554,4 @@
     <ds:schemaRef ds:uri="http://www.w3.org/2001/XMLSchema"/>
   </ds:schemaRefs>
 </ds:datastoreItem>
-</file>
-
-<file path=customXml/itemProps3.xml><?xml version="1.0" encoding="utf-8"?>
-<ds:datastoreItem xmlns:ds="http://schemas.openxmlformats.org/officeDocument/2006/customXml" ds:itemID="{99919F73-B6C2-4A43-95E2-833EC48925FE}">
-  <ds:schemaRefs>
-    <ds:schemaRef ds:uri="http://purl.org/dc/terms/"/>
-    <ds:schemaRef ds:uri="http://schemas.microsoft.com/office/infopath/2007/PartnerControls"/>
-    <ds:schemaRef ds:uri="http://schemas.openxmlformats.org/package/2006/metadata/core-properties"/>
-    <ds:schemaRef ds:uri="http://schemas.microsoft.com/office/2006/documentManagement/types"/>
-    <ds:schemaRef ds:uri="16c05727-aa75-4e4a-9b5f-8a80a1165891"/>
-    <ds:schemaRef ds:uri="http://purl.org/dc/elements/1.1/"/>
-    <ds:schemaRef ds:uri="71af3243-3dd4-4a8d-8c0d-dd76da1f02a5"/>
-    <ds:schemaRef ds:uri="http://schemas.microsoft.com/office/2006/metadata/properties"/>
-    <ds:schemaRef ds:uri="http://www.w3.org/XML/1998/namespace"/>
-    <ds:schemaRef ds:uri="http://purl.org/dc/dcmitype/"/>
-  </ds:schemaRefs>
-</ds:datastoreItem>
 </file>
--- a/EHotel Fizibilite Sunumu.pptx
+++ b/EHotel Fizibilite Sunumu.pptx
@@ -158,12 +158,9 @@
 <file path=ppt/revisionInfo.xml><?xml version="1.0" encoding="utf-8"?>
 <p1510:revInfo xmlns:a="http://schemas.openxmlformats.org/drawingml/2006/main" xmlns:r="http://schemas.openxmlformats.org/officeDocument/2006/relationships" xmlns:p1510="http://schemas.microsoft.com/office/powerpoint/2015/10/main">
   <p1510:revLst>
-    <p1510:client id="{1C5F913C-B950-4021-A1CB-4E2DBAB69586}" v="264" dt="2024-03-25T10:27:06.270"/>
-    <p1510:client id="{34355DC7-1BAA-459F-972A-ED1364E576A0}" v="74" dt="2024-03-25T10:14:45.334"/>
-    <p1510:client id="{3F4992A3-B2EA-42CF-907F-B3E883456614}" v="129" dt="2024-03-25T13:43:02.727"/>
-    <p1510:client id="{72A5B2A6-1F92-472D-B37B-AB03748A402D}" v="403" dt="2024-03-25T13:49:58.913"/>
-    <p1510:client id="{A8F09ED3-A51A-470A-AA82-0E5C9098925A}" v="927" dt="2024-03-25T12:38:44.841"/>
-    <p1510:client id="{C571DC71-9106-4B42-B114-AB5A84B66DD6}" v="236" dt="2024-03-25T10:42:29.159"/>
+    <p1510:client id="{31586074-0FF4-447C-8196-5B30EBB0673A}" v="517" dt="2024-03-28T12:56:52.608"/>
+    <p1510:client id="{3F4992A3-B2EA-42CF-907F-B3E883456614}" v="46" dt="2024-03-28T13:01:07.761"/>
+    <p1510:client id="{D33A65A9-EBD0-4FC3-98F9-D8CB66B3F9F1}" v="415" dt="2024-03-28T12:41:03.954"/>
   </p1510:revLst>
 </p1510:revInfo>
 </file>
@@ -4246,7 +4243,7 @@
           <a:p>
             <a:fld id="{AF536ADF-3EC2-4D6F-9F7F-1F88E3288139}" type="datetime1">
               <a:rPr lang="tr-TR" smtClean="0"/>
-              <a:t>25.03.2024</a:t>
+              <a:t>28.03.2024</a:t>
             </a:fld>
             <a:endParaRPr lang="tr-TR"/>
           </a:p>
@@ -4570,7 +4567,7 @@
             <a:pPr rtl="0"/>
             <a:fld id="{BA214D3A-912A-4866-90B4-0232CEDB2416}" type="datetime1">
               <a:rPr lang="tr-TR" noProof="0" smtClean="0"/>
-              <a:t>25.03.2024</a:t>
+              <a:t>28.03.2024</a:t>
             </a:fld>
             <a:endParaRPr lang="tr-TR" noProof="0"/>
           </a:p>
@@ -4885,7 +4882,7 @@
           <a:bodyPr/>
           <a:lstStyle/>
           <a:p>
-            <a:endParaRPr lang="tr-TR" dirty="0"/>
+            <a:endParaRPr lang="tr-TR"/>
           </a:p>
         </p:txBody>
       </p:sp>
@@ -16781,8 +16778,8 @@
           <a:chExt cx="0" cy="0"/>
         </a:xfrm>
       </p:grpSpPr>
-      <mc:AlternateContent xmlns:mc="http://schemas.openxmlformats.org/markup-compatibility/2006" xmlns:p14="http://schemas.microsoft.com/office/powerpoint/2010/main">
-        <mc:Choice Requires="p14">
+      <mc:AlternateContent xmlns:mc="http://schemas.openxmlformats.org/markup-compatibility/2006">
+        <mc:Choice xmlns:p14="http://schemas.microsoft.com/office/powerpoint/2010/main" Requires="p14">
           <p:contentPart p14:bwMode="auto" r:id="rId3">
             <p14:nvContentPartPr>
               <p14:cNvPr id="14" name="Mürekkep 13">
@@ -16801,7 +16798,7 @@
             </p14:xfrm>
           </p:contentPart>
         </mc:Choice>
-        <mc:Fallback xmlns="">
+        <mc:Fallback>
           <p:pic>
             <p:nvPicPr>
               <p:cNvPr id="14" name="Mürekkep 13">
@@ -16832,8 +16829,8 @@
           </p:pic>
         </mc:Fallback>
       </mc:AlternateContent>
-      <mc:AlternateContent xmlns:mc="http://schemas.openxmlformats.org/markup-compatibility/2006" xmlns:p14="http://schemas.microsoft.com/office/powerpoint/2010/main">
-        <mc:Choice Requires="p14">
+      <mc:AlternateContent xmlns:mc="http://schemas.openxmlformats.org/markup-compatibility/2006">
+        <mc:Choice xmlns:p14="http://schemas.microsoft.com/office/powerpoint/2010/main" Requires="p14">
           <p:contentPart p14:bwMode="auto" r:id="rId5">
             <p14:nvContentPartPr>
               <p14:cNvPr id="15" name="Mürekkep 14">
@@ -16852,7 +16849,7 @@
             </p14:xfrm>
           </p:contentPart>
         </mc:Choice>
-        <mc:Fallback xmlns="">
+        <mc:Fallback>
           <p:pic>
             <p:nvPicPr>
               <p:cNvPr id="15" name="Mürekkep 14">
@@ -16899,7 +16896,7 @@
             <p:ph idx="1"/>
             <p:extLst>
               <p:ext uri="{D42A27DB-BD31-4B8C-83A1-F6EECF244321}">
-                <p14:modId xmlns:p14="http://schemas.microsoft.com/office/powerpoint/2010/main" val="3247320692"/>
+                <p14:modId xmlns:p14="http://schemas.microsoft.com/office/powerpoint/2010/main" val="2280115314"/>
               </p:ext>
             </p:extLst>
           </p:nvPr>
@@ -17582,23 +17579,11 @@
                     <a:p>
                       <a:pPr algn="ctr" rtl="0"/>
                       <a:r>
-                        <a:rPr lang="tr-TR" sz="1200" dirty="0"/>
-                        <a:t>Proje bitiminden elde edilecek brüt gelir 800.000₺, net gelir </a:t>
+                        <a:rPr lang="tr-TR" sz="1200"/>
+                        <a:t>Proje bitiminden elde edilecek brüt gelir 800.000₺, net gelir 309.389,27₺. İnternet sitesinin yıllık bakım net geliri</a:t>
                       </a:r>
                       <a:r>
-                        <a:rPr lang="tr-TR" sz="1200" b="0" i="0" u="none" strike="noStrike" noProof="0" dirty="0">
-                          <a:solidFill>
-                            <a:srgbClr val="000000"/>
-                          </a:solidFill>
-                        </a:rPr>
-                        <a:t>384.711,85</a:t>
-                      </a:r>
-                      <a:r>
-                        <a:rPr lang="tr-TR" sz="1200" dirty="0"/>
-                        <a:t>₺. İnternet sitesinin yıllık bakım net geliri</a:t>
-                      </a:r>
-                      <a:r>
-                        <a:rPr lang="tr-TR" sz="1200" b="0" i="0" u="none" strike="noStrike" noProof="0" dirty="0">
+                        <a:rPr lang="tr-TR" sz="1200" b="0" i="0" u="none" strike="noStrike" noProof="0">
                           <a:solidFill>
                             <a:srgbClr val="000000"/>
                           </a:solidFill>
@@ -17606,14 +17591,14 @@
                         <a:t> 29.389,27</a:t>
                       </a:r>
                       <a:r>
-                        <a:rPr lang="tr-TR" sz="1200" dirty="0"/>
-                        <a:t>₺. Proje gideri 415.288,15₺.</a:t>
+                        <a:rPr lang="tr-TR" sz="1200"/>
+                        <a:t>₺. Proje gideri 490.613,73₺.</a:t>
                       </a:r>
                     </a:p>
                     <a:p>
                       <a:pPr algn="l" rtl="0"/>
                       <a:r>
-                        <a:rPr lang="tr-TR" sz="1200" b="1" noProof="0" dirty="0"/>
+                        <a:rPr lang="tr-TR" sz="1200" b="1" noProof="0"/>
                         <a:t>Puan: 90</a:t>
                       </a:r>
                     </a:p>
@@ -17665,11 +17650,11 @@
                     <a:p>
                       <a:pPr algn="ctr" rtl="0"/>
                       <a:r>
-                        <a:rPr lang="tr-TR" sz="1200" dirty="0"/>
+                        <a:rPr lang="tr-TR" sz="1200"/>
                         <a:t>Proje bitiminden elde edilecek brüt gelir 800.000₺, net gelir 246.282,47₺. İnternet sitesinin yıllık bakım net geliri</a:t>
                       </a:r>
                       <a:r>
-                        <a:rPr lang="tr-TR" sz="1200" b="0" i="0" u="none" strike="noStrike" noProof="0" dirty="0">
+                        <a:rPr lang="tr-TR" sz="1200" b="0" i="0" u="none" strike="noStrike" noProof="0">
                           <a:solidFill>
                             <a:srgbClr val="000000"/>
                           </a:solidFill>
@@ -17680,7 +17665,7 @@
                     <a:p>
                       <a:pPr algn="ctr" rtl="0"/>
                       <a:r>
-                        <a:rPr lang="tr-TR" sz="1200" b="0" i="0" u="none" strike="noStrike" noProof="0" dirty="0">
+                        <a:rPr lang="tr-TR" sz="1200" b="0" i="0" u="none" strike="noStrike" noProof="0">
                           <a:solidFill>
                             <a:srgbClr val="000000"/>
                           </a:solidFill>
@@ -17691,7 +17676,7 @@
                     <a:p>
                       <a:pPr algn="l" rtl="0"/>
                       <a:r>
-                        <a:rPr lang="tr-TR" sz="1200" b="1" noProof="0" dirty="0"/>
+                        <a:rPr lang="tr-TR" sz="1200" b="1" noProof="0"/>
                         <a:t>Puan: 50</a:t>
                       </a:r>
                     </a:p>
@@ -19291,7 +19276,7 @@
                     <a:p>
                       <a:pPr algn="ctr" rtl="0"/>
                       <a:r>
-                        <a:rPr lang="tr-TR" sz="1200" b="1" noProof="0" dirty="0"/>
+                        <a:rPr lang="tr-TR" sz="1200" b="1" noProof="0"/>
                         <a:t>63.5 Puan</a:t>
                       </a:r>
                     </a:p>
@@ -21378,7 +21363,7 @@
               <a:buChar char="v"/>
             </a:pPr>
             <a:r>
-              <a:rPr lang="tr-TR" sz="1500" b="1" dirty="0"/>
+              <a:rPr lang="tr-TR" sz="1500" b="1"/>
               <a:t> Gider:</a:t>
             </a:r>
           </a:p>
@@ -21392,7 +21377,67 @@
                 <a:ea typeface="+mn-lt"/>
                 <a:cs typeface="+mn-lt"/>
               </a:rPr>
-              <a:t>Bir personel maliyeti 55.000₺ toplam 5 personel çalışacak. Toplam 1.5 aylık süreç için personel maliyeti 337.096,77₺.</a:t>
+              <a:t>Bir personel maliyeti 55.000₺ toplam 5 personel çalışacak</a:t>
+            </a:r>
+            <a:r>
+              <a:rPr lang="en-US" sz="1500">
+                <a:solidFill>
+                  <a:schemeClr val="bg1"/>
+                </a:solidFill>
+                <a:ea typeface="+mn-lt"/>
+                <a:cs typeface="+mn-lt"/>
+              </a:rPr>
+              <a:t> </a:t>
+            </a:r>
+            <a:r>
+              <a:rPr lang="en-US" sz="1500" err="1">
+                <a:solidFill>
+                  <a:schemeClr val="bg1"/>
+                </a:solidFill>
+                <a:ea typeface="+mn-lt"/>
+                <a:cs typeface="+mn-lt"/>
+              </a:rPr>
+              <a:t>olup</a:t>
+            </a:r>
+            <a:r>
+              <a:rPr lang="tr-TR" sz="1500">
+                <a:solidFill>
+                  <a:schemeClr val="bg1"/>
+                </a:solidFill>
+                <a:ea typeface="+mn-lt"/>
+                <a:cs typeface="+mn-lt"/>
+              </a:rPr>
+              <a:t> </a:t>
+            </a:r>
+            <a:r>
+              <a:rPr lang="en-US" sz="1500">
+                <a:solidFill>
+                  <a:schemeClr val="bg1"/>
+                </a:solidFill>
+                <a:ea typeface="+mn-lt"/>
+                <a:cs typeface="+mn-lt"/>
+              </a:rPr>
+              <a:t>t</a:t>
+            </a:r>
+            <a:r>
+              <a:rPr lang="tr-TR" sz="1500" err="1">
+                <a:solidFill>
+                  <a:schemeClr val="bg1"/>
+                </a:solidFill>
+                <a:ea typeface="+mn-lt"/>
+                <a:cs typeface="+mn-lt"/>
+              </a:rPr>
+              <a:t>oplam</a:t>
+            </a:r>
+            <a:r>
+              <a:rPr lang="tr-TR" sz="1500">
+                <a:solidFill>
+                  <a:schemeClr val="bg1"/>
+                </a:solidFill>
+                <a:ea typeface="+mn-lt"/>
+                <a:cs typeface="+mn-lt"/>
+              </a:rPr>
+              <a:t> 1.5 aylık süreç için personel maliyeti 416.935,48₺.</a:t>
             </a:r>
           </a:p>
           <a:p>
@@ -21421,18 +21466,10 @@
                   <a:schemeClr val="bg1"/>
                 </a:solidFill>
               </a:rPr>
-              <a:t> 1.5 ayın sonundaki ofis</a:t>
-            </a:r>
-            <a:r>
-              <a:rPr lang="tr-TR" sz="1500" dirty="0">
-                <a:solidFill>
-                  <a:schemeClr val="bg1"/>
-                </a:solidFill>
-              </a:rPr>
-              <a:t> maliyeti 57.580,65</a:t>
-            </a:r>
-            <a:r>
-              <a:rPr lang="tr-TR" sz="1500" dirty="0">
+              <a:t> 1.5 ayın sonundaki ofis maliyeti 53.064,52</a:t>
+            </a:r>
+            <a:r>
+              <a:rPr lang="tr-TR" sz="1500">
                 <a:solidFill>
                   <a:schemeClr val="bg1"/>
                 </a:solidFill>
@@ -21441,7 +21478,7 @@
               </a:rPr>
               <a:t>₺.</a:t>
             </a:r>
-            <a:endParaRPr lang="tr-TR" sz="1500" dirty="0">
+            <a:endParaRPr lang="tr-TR" sz="1500">
               <a:solidFill>
                 <a:schemeClr val="bg1"/>
               </a:solidFill>
@@ -21450,7 +21487,7 @@
           <a:p>
             <a:pPr lvl="1"/>
             <a:r>
-              <a:rPr lang="tr-TR" sz="1500" dirty="0">
+              <a:rPr lang="tr-TR" sz="1500">
                 <a:solidFill>
                   <a:schemeClr val="bg1"/>
                 </a:solidFill>
@@ -21458,7 +21495,7 @@
               <a:t>İnternet</a:t>
             </a:r>
             <a:r>
-              <a:rPr lang="tr-TR" sz="1500" dirty="0">
+              <a:rPr lang="tr-TR" sz="1500">
                 <a:solidFill>
                   <a:schemeClr val="bg1"/>
                 </a:solidFill>
@@ -21468,7 +21505,7 @@
               <a:t> sitesinin yıllık bakım, </a:t>
             </a:r>
             <a:r>
-              <a:rPr lang="tr-TR" sz="1500" dirty="0" err="1">
+              <a:rPr lang="tr-TR" sz="1500" err="1">
                 <a:solidFill>
                   <a:schemeClr val="bg1"/>
                 </a:solidFill>
@@ -21478,16 +21515,6 @@
               <a:t>hosting</a:t>
             </a:r>
             <a:r>
-              <a:rPr lang="tr-TR" sz="1500" dirty="0">
-                <a:solidFill>
-                  <a:schemeClr val="bg1"/>
-                </a:solidFill>
-                <a:ea typeface="+mn-lt"/>
-                <a:cs typeface="+mn-lt"/>
-              </a:rPr>
-              <a:t> ve düzenleme maliyeti </a:t>
-            </a:r>
-            <a:r>
               <a:rPr lang="tr-TR" sz="1500">
                 <a:solidFill>
                   <a:schemeClr val="bg1"/>
@@ -21495,19 +21522,29 @@
                 <a:ea typeface="+mn-lt"/>
                 <a:cs typeface="+mn-lt"/>
               </a:rPr>
-              <a:t>20.670,73</a:t>
-            </a:r>
-            <a:r>
-              <a:rPr lang="tr-TR" sz="1500" dirty="0">
+              <a:t> ve düzenleme maliyeti 20.6</a:t>
+            </a:r>
+            <a:r>
+              <a:rPr lang="en-US" sz="1500">
                 <a:solidFill>
                   <a:schemeClr val="bg1"/>
                 </a:solidFill>
                 <a:ea typeface="+mn-lt"/>
                 <a:cs typeface="+mn-lt"/>
               </a:rPr>
-              <a:t>₺.</a:t>
-            </a:r>
-            <a:endParaRPr lang="en-US" sz="1500" dirty="0">
+              <a:t>1</a:t>
+            </a:r>
+            <a:r>
+              <a:rPr lang="tr-TR" sz="1500">
+                <a:solidFill>
+                  <a:schemeClr val="bg1"/>
+                </a:solidFill>
+                <a:ea typeface="+mn-lt"/>
+                <a:cs typeface="+mn-lt"/>
+              </a:rPr>
+              <a:t>0,73₺.</a:t>
+            </a:r>
+            <a:endParaRPr lang="en-US" sz="1500">
               <a:solidFill>
                 <a:schemeClr val="bg1"/>
               </a:solidFill>
@@ -21548,7 +21585,7 @@
               <a:t>proje</a:t>
             </a:r>
             <a:r>
-              <a:rPr lang="en-US" sz="1500" dirty="0">
+              <a:rPr lang="en-US" sz="1500">
                 <a:solidFill>
                   <a:schemeClr val="bg1"/>
                 </a:solidFill>
@@ -21568,17 +21605,17 @@
               <a:t>maliyeti</a:t>
             </a:r>
             <a:r>
-              <a:rPr lang="en-US" sz="1500" dirty="0">
+              <a:rPr lang="en-US" sz="1500">
                 <a:solidFill>
                   <a:schemeClr val="bg1"/>
                 </a:solidFill>
                 <a:ea typeface="+mn-lt"/>
                 <a:cs typeface="+mn-lt"/>
               </a:rPr>
-              <a:t> 415.288,15</a:t>
-            </a:r>
-            <a:r>
-              <a:rPr lang="tr-TR" sz="1500" dirty="0">
+              <a:t> 490.610,73</a:t>
+            </a:r>
+            <a:r>
+              <a:rPr lang="tr-TR" sz="1500">
                 <a:solidFill>
                   <a:schemeClr val="bg1"/>
                 </a:solidFill>
@@ -21587,7 +21624,7 @@
               </a:rPr>
               <a:t>₺.</a:t>
             </a:r>
-            <a:endParaRPr lang="tr-TR" sz="1500" dirty="0">
+            <a:endParaRPr lang="tr-TR" sz="1500">
               <a:solidFill>
                 <a:srgbClr val="FFFFFF"/>
               </a:solidFill>
@@ -21599,7 +21636,7 @@
             <a:pPr marL="457200" lvl="1" indent="0">
               <a:buNone/>
             </a:pPr>
-            <a:endParaRPr lang="tr-TR" sz="1500" dirty="0">
+            <a:endParaRPr lang="tr-TR" sz="1500">
               <a:solidFill>
                 <a:schemeClr val="bg1"/>
               </a:solidFill>
@@ -21611,24 +21648,24 @@
               <a:buChar char="v"/>
             </a:pPr>
             <a:r>
-              <a:rPr lang="tr-TR" sz="1500" b="1" dirty="0"/>
+              <a:rPr lang="tr-TR" sz="1500" b="1"/>
               <a:t> Gelir:</a:t>
             </a:r>
           </a:p>
           <a:p>
             <a:pPr lvl="1"/>
             <a:r>
-              <a:rPr lang="tr-TR" sz="1500" dirty="0">
+              <a:rPr lang="tr-TR" sz="1500">
                 <a:solidFill>
                   <a:schemeClr val="bg1"/>
                 </a:solidFill>
                 <a:latin typeface="Univers"/>
                 <a:cs typeface="Arial"/>
               </a:rPr>
-              <a:t>Teklif edilecek fiyat 800.000</a:t>
-            </a:r>
-            <a:r>
-              <a:rPr lang="tr-TR" sz="1500" dirty="0">
+              <a:t>Alınacak ücret 800.000</a:t>
+            </a:r>
+            <a:r>
+              <a:rPr lang="tr-TR" sz="1500">
                 <a:solidFill>
                   <a:schemeClr val="bg1"/>
                 </a:solidFill>
@@ -21637,7 +21674,7 @@
               </a:rPr>
               <a:t>₺.</a:t>
             </a:r>
-            <a:endParaRPr lang="tr-TR" sz="1500" dirty="0">
+            <a:endParaRPr lang="tr-TR" sz="1500">
               <a:solidFill>
                 <a:schemeClr val="bg1"/>
               </a:solidFill>
@@ -21648,17 +21685,27 @@
           <a:p>
             <a:pPr lvl="1"/>
             <a:r>
-              <a:rPr lang="tr-TR" sz="1500" dirty="0">
+              <a:rPr lang="tr-TR" sz="1500">
                 <a:solidFill>
                   <a:srgbClr val="FFFFFF"/>
                 </a:solidFill>
                 <a:latin typeface="Univers"/>
                 <a:cs typeface="Arial"/>
               </a:rPr>
-              <a:t>Proje bitiminden elde edilecek net gelir 384.711,85</a:t>
-            </a:r>
-            <a:r>
-              <a:rPr lang="tr-TR" sz="1500" dirty="0">
+              <a:t>Proje bitiminden elde edilecek net gelir </a:t>
+            </a:r>
+            <a:r>
+              <a:rPr lang="tr-TR" sz="1500">
+                <a:solidFill>
+                  <a:srgbClr val="FFFFFF"/>
+                </a:solidFill>
+                <a:ea typeface="+mn-lt"/>
+                <a:cs typeface="Arial"/>
+              </a:rPr>
+              <a:t>309.389,27</a:t>
+            </a:r>
+            <a:r>
+              <a:rPr lang="tr-TR" sz="1500">
                 <a:solidFill>
                   <a:srgbClr val="FFFFFF"/>
                 </a:solidFill>
@@ -21667,7 +21714,7 @@
               </a:rPr>
               <a:t>₺.</a:t>
             </a:r>
-            <a:endParaRPr lang="tr-TR" sz="1500" dirty="0">
+            <a:endParaRPr lang="tr-TR" sz="1500">
               <a:solidFill>
                 <a:srgbClr val="FFFFFF"/>
               </a:solidFill>
@@ -21678,7 +21725,7 @@
           <a:p>
             <a:pPr lvl="1"/>
             <a:r>
-              <a:rPr lang="tr-TR" sz="1500" dirty="0">
+              <a:rPr lang="tr-TR" sz="1500">
                 <a:solidFill>
                   <a:schemeClr val="bg1"/>
                 </a:solidFill>
@@ -21688,7 +21735,7 @@
               <a:t>İnternet sitesinin yıllık bakımından alınan ücret 50.000</a:t>
             </a:r>
             <a:r>
-              <a:rPr lang="tr-TR" sz="1500" dirty="0">
+              <a:rPr lang="tr-TR" sz="1500">
                 <a:solidFill>
                   <a:schemeClr val="bg1"/>
                 </a:solidFill>
@@ -21697,7 +21744,7 @@
               </a:rPr>
               <a:t>₺ gelen net gelir 29.389,27₺.</a:t>
             </a:r>
-            <a:endParaRPr lang="tr-TR" sz="1500" dirty="0">
+            <a:endParaRPr lang="tr-TR" sz="1500">
               <a:solidFill>
                 <a:srgbClr val="FFFFFF"/>
               </a:solidFill>
@@ -21778,10 +21825,10 @@
       </p:grpSpPr>
       <p:pic>
         <p:nvPicPr>
-          <p:cNvPr id="10" name="Resim 9" descr="ekran görüntüsü, metin, daire, diyagram içeren bir resim&#10;&#10;Açıklama otomatik olarak oluşturuldu">
+          <p:cNvPr id="2" name="Resim 1" descr="metin, ekran görüntüsü, sayı, numara, daire içeren bir resim&#10;&#10;Açıklama otomatik olarak oluşturuldu">
             <a:extLst>
               <a:ext uri="{FF2B5EF4-FFF2-40B4-BE49-F238E27FC236}">
-                <a16:creationId xmlns:a16="http://schemas.microsoft.com/office/drawing/2014/main" id="{2933FA04-4C3F-1129-4843-9261AF6EF886}"/>
+                <a16:creationId xmlns:a16="http://schemas.microsoft.com/office/drawing/2014/main" id="{9F4708B3-AE72-DEE1-9E66-43AA514D7E0A}"/>
               </a:ext>
             </a:extLst>
           </p:cNvPr>
@@ -21798,8 +21845,8 @@
         </p:blipFill>
         <p:spPr>
           <a:xfrm>
-            <a:off x="3545498" y="3555390"/>
-            <a:ext cx="5112727" cy="3228975"/>
+            <a:off x="797169" y="66979"/>
+            <a:ext cx="10609385" cy="3300903"/>
           </a:xfrm>
           <a:prstGeom prst="rect">
             <a:avLst/>
@@ -21808,10 +21855,10 @@
       </p:pic>
       <p:pic>
         <p:nvPicPr>
-          <p:cNvPr id="3" name="Resim 2">
+          <p:cNvPr id="3" name="Resim 2" descr="metin, ekran görüntüsü, yazı tipi, daire içeren bir resim&#10;&#10;Açıklama otomatik olarak oluşturuldu">
             <a:extLst>
               <a:ext uri="{FF2B5EF4-FFF2-40B4-BE49-F238E27FC236}">
-                <a16:creationId xmlns:a16="http://schemas.microsoft.com/office/drawing/2014/main" id="{A23F8F1C-0402-3FA9-B193-A711C869925F}"/>
+                <a16:creationId xmlns:a16="http://schemas.microsoft.com/office/drawing/2014/main" id="{FCBA3BA2-DEEB-EC86-6B6E-5A4938256037}"/>
               </a:ext>
             </a:extLst>
           </p:cNvPr>
@@ -21828,14 +21875,121 @@
         </p:blipFill>
         <p:spPr>
           <a:xfrm>
-            <a:off x="1161288" y="230000"/>
-            <a:ext cx="10024852" cy="3072610"/>
+            <a:off x="6091971" y="3483219"/>
+            <a:ext cx="5306891" cy="3291254"/>
           </a:xfrm>
           <a:prstGeom prst="rect">
             <a:avLst/>
           </a:prstGeom>
         </p:spPr>
       </p:pic>
+      <p:sp>
+        <p:nvSpPr>
+          <p:cNvPr id="4" name="Metin kutusu 3">
+            <a:extLst>
+              <a:ext uri="{FF2B5EF4-FFF2-40B4-BE49-F238E27FC236}">
+                <a16:creationId xmlns:a16="http://schemas.microsoft.com/office/drawing/2014/main" id="{2D5253D8-C4A5-FD85-BBD9-BB1E44A7B92C}"/>
+              </a:ext>
+            </a:extLst>
+          </p:cNvPr>
+          <p:cNvSpPr txBox="1"/>
+          <p:nvPr/>
+        </p:nvSpPr>
+        <p:spPr>
+          <a:xfrm>
+            <a:off x="797422" y="3811828"/>
+            <a:ext cx="5298830" cy="2739211"/>
+          </a:xfrm>
+          <a:prstGeom prst="rect">
+            <a:avLst/>
+          </a:prstGeom>
+          <a:noFill/>
+        </p:spPr>
+        <p:txBody>
+          <a:bodyPr rot="0" spcFirstLastPara="0" vertOverflow="overflow" horzOverflow="overflow" vert="horz" wrap="square" lIns="91440" tIns="45720" rIns="91440" bIns="45720" numCol="1" spcCol="0" rtlCol="0" fromWordArt="0" anchor="t" anchorCtr="0" forceAA="0" compatLnSpc="1">
+            <a:prstTxWarp prst="textNoShape">
+              <a:avLst/>
+            </a:prstTxWarp>
+            <a:spAutoFit/>
+          </a:bodyPr>
+          <a:lstStyle/>
+          <a:p>
+            <a:r>
+              <a:rPr lang="tr-TR" sz="2000" dirty="0">
+                <a:solidFill>
+                  <a:schemeClr val="bg1"/>
+                </a:solidFill>
+              </a:rPr>
+              <a:t>Başa baş gün noktası hesaplama yöntemi;</a:t>
+            </a:r>
+          </a:p>
+          <a:p>
+            <a:endParaRPr lang="tr-TR">
+              <a:solidFill>
+                <a:srgbClr val="FFFFFF"/>
+              </a:solidFill>
+            </a:endParaRPr>
+          </a:p>
+          <a:p>
+            <a:r>
+              <a:rPr lang="tr-TR" sz="1400">
+                <a:solidFill>
+                  <a:schemeClr val="bg1"/>
+                </a:solidFill>
+              </a:rPr>
+              <a:t>Toplam maliyeti, her gün ödenen ücrete bölerek bu ödemenin toplamda kaç günlük çalışmaya denk geldiğini hesapladık.</a:t>
+            </a:r>
+          </a:p>
+          <a:p>
+            <a:endParaRPr lang="tr-TR">
+              <a:solidFill>
+                <a:schemeClr val="bg1"/>
+              </a:solidFill>
+            </a:endParaRPr>
+          </a:p>
+          <a:p>
+            <a:r>
+              <a:rPr lang="tr-TR" sz="1400" dirty="0">
+                <a:solidFill>
+                  <a:schemeClr val="bg1"/>
+                </a:solidFill>
+              </a:rPr>
+              <a:t>Toplam Maliyet / (Alınacak Ücret /  Toplam Gün Sayısı) =</a:t>
+            </a:r>
+          </a:p>
+          <a:p>
+            <a:endParaRPr lang="tr-TR" sz="1400" dirty="0">
+              <a:solidFill>
+                <a:schemeClr val="bg1"/>
+              </a:solidFill>
+            </a:endParaRPr>
+          </a:p>
+          <a:p>
+            <a:r>
+              <a:rPr lang="tr-TR" sz="1400" dirty="0">
+                <a:solidFill>
+                  <a:schemeClr val="bg1"/>
+                </a:solidFill>
+              </a:rPr>
+              <a:t>490.000 / ( 800.000 / 47) = 28</a:t>
+            </a:r>
+          </a:p>
+          <a:p>
+            <a:endParaRPr lang="tr-TR" sz="1400" dirty="0">
+              <a:solidFill>
+                <a:schemeClr val="bg1"/>
+              </a:solidFill>
+            </a:endParaRPr>
+          </a:p>
+          <a:p>
+            <a:endParaRPr lang="tr-TR" dirty="0">
+              <a:solidFill>
+                <a:schemeClr val="bg1"/>
+              </a:solidFill>
+            </a:endParaRPr>
+          </a:p>
+        </p:txBody>
+      </p:sp>
     </p:spTree>
     <p:extLst>
       <p:ext uri="{BB962C8B-B14F-4D97-AF65-F5344CB8AC3E}">
@@ -22017,7 +22171,7 @@
           <a:lstStyle/>
           <a:p>
             <a:r>
-              <a:rPr lang="tr-TR" sz="5400" b="1" cap="all" dirty="0">
+              <a:rPr lang="tr-TR" sz="5400" b="1" cap="all">
                 <a:solidFill>
                   <a:srgbClr val="FFFFFF"/>
                 </a:solidFill>
@@ -22027,7 +22181,7 @@
               <a:t>ZAMAN FİZİBİLİTESİ</a:t>
             </a:r>
             <a:r>
-              <a:rPr lang="en-US" sz="5400" b="1" cap="all" dirty="0">
+              <a:rPr lang="en-US" sz="5400" b="1" cap="all">
                 <a:solidFill>
                   <a:srgbClr val="FFFFFF"/>
                 </a:solidFill>
@@ -22036,14 +22190,14 @@
               </a:rPr>
               <a:t> – Gantt</a:t>
             </a:r>
-            <a:endParaRPr lang="tr-TR" sz="5400" dirty="0">
+            <a:endParaRPr lang="tr-TR" sz="5400">
               <a:ea typeface="+mn-lt"/>
               <a:cs typeface="+mn-lt"/>
             </a:endParaRPr>
           </a:p>
           <a:p>
             <a:pPr algn="l"/>
-            <a:endParaRPr lang="tr-TR" dirty="0">
+            <a:endParaRPr lang="tr-TR">
               <a:solidFill>
                 <a:srgbClr val="000000"/>
               </a:solidFill>
@@ -22051,21 +22205,44 @@
           </a:p>
         </p:txBody>
       </p:sp>
+      <p:sp>
+        <p:nvSpPr>
+          <p:cNvPr id="3" name="İçerik Yer Tutucusu 2">
+            <a:extLst>
+              <a:ext uri="{FF2B5EF4-FFF2-40B4-BE49-F238E27FC236}">
+                <a16:creationId xmlns:a16="http://schemas.microsoft.com/office/drawing/2014/main" id="{970B000A-F99A-8B59-B436-68E46781A11C}"/>
+              </a:ext>
+            </a:extLst>
+          </p:cNvPr>
+          <p:cNvSpPr>
+            <a:spLocks noGrp="1"/>
+          </p:cNvSpPr>
+          <p:nvPr>
+            <p:ph idx="1"/>
+          </p:nvPr>
+        </p:nvSpPr>
+        <p:spPr/>
+        <p:txBody>
+          <a:bodyPr/>
+          <a:lstStyle/>
+          <a:p>
+            <a:endParaRPr lang="tr-TR"/>
+          </a:p>
+        </p:txBody>
+      </p:sp>
       <p:pic>
         <p:nvPicPr>
-          <p:cNvPr id="22" name="İçerik Yer Tutucusu 21">
+          <p:cNvPr id="5" name="Resim 4">
             <a:extLst>
               <a:ext uri="{FF2B5EF4-FFF2-40B4-BE49-F238E27FC236}">
-                <a16:creationId xmlns:a16="http://schemas.microsoft.com/office/drawing/2014/main" id="{CC0A4A10-EAB0-E58A-BF39-AAC88E403CFB}"/>
+                <a16:creationId xmlns:a16="http://schemas.microsoft.com/office/drawing/2014/main" id="{97BA0138-8FC9-4DB3-0DCB-AEB6AF65834F}"/>
               </a:ext>
             </a:extLst>
           </p:cNvPr>
           <p:cNvPicPr>
-            <a:picLocks noGrp="1" noChangeAspect="1"/>
+            <a:picLocks noChangeAspect="1"/>
           </p:cNvPicPr>
-          <p:nvPr>
-            <p:ph idx="1"/>
-          </p:nvPr>
+          <p:nvPr/>
         </p:nvPicPr>
         <p:blipFill>
           <a:blip r:embed="rId2"/>
@@ -22075,9 +22252,12 @@
         </p:blipFill>
         <p:spPr>
           <a:xfrm>
-            <a:off x="621792" y="1126012"/>
-            <a:ext cx="9628631" cy="5727376"/>
+            <a:off x="466079" y="1171226"/>
+            <a:ext cx="9809708" cy="5660136"/>
           </a:xfrm>
+          <a:prstGeom prst="rect">
+            <a:avLst/>
+          </a:prstGeom>
         </p:spPr>
       </p:pic>
     </p:spTree>
@@ -22249,14 +22429,14 @@
             <p:ph idx="1"/>
             <p:extLst>
               <p:ext uri="{D42A27DB-BD31-4B8C-83A1-F6EECF244321}">
-                <p14:modId xmlns:p14="http://schemas.microsoft.com/office/powerpoint/2010/main" val="3997568489"/>
+                <p14:modId xmlns:p14="http://schemas.microsoft.com/office/powerpoint/2010/main" val="897483487"/>
               </p:ext>
             </p:extLst>
           </p:nvPr>
         </p:nvGraphicFramePr>
         <p:xfrm>
-          <a:off x="1575216" y="1372700"/>
-          <a:ext cx="8408616" cy="1969421"/>
+          <a:off x="393906" y="1283535"/>
+          <a:ext cx="10164225" cy="2108408"/>
         </p:xfrm>
         <a:graphic>
           <a:graphicData uri="http://schemas.openxmlformats.org/drawingml/2006/table">
@@ -22265,42 +22445,42 @@
                 <a:tableStyleId>{5940675A-B579-460E-94D1-54222C63F5DA}</a:tableStyleId>
               </a:tblPr>
               <a:tblGrid>
-                <a:gridCol w="1752340">
+                <a:gridCol w="2118206">
                   <a:extLst>
                     <a:ext uri="{9D8B030D-6E8A-4147-A177-3AD203B41FA5}">
                       <a16:colId xmlns:a16="http://schemas.microsoft.com/office/drawing/2014/main" val="3288226570"/>
                     </a:ext>
                   </a:extLst>
                 </a:gridCol>
-                <a:gridCol w="1752340">
+                <a:gridCol w="1879135">
                   <a:extLst>
                     <a:ext uri="{9D8B030D-6E8A-4147-A177-3AD203B41FA5}">
                       <a16:colId xmlns:a16="http://schemas.microsoft.com/office/drawing/2014/main" val="2003916309"/>
                     </a:ext>
                   </a:extLst>
                 </a:gridCol>
-                <a:gridCol w="1752340">
+                <a:gridCol w="1977655">
                   <a:extLst>
                     <a:ext uri="{9D8B030D-6E8A-4147-A177-3AD203B41FA5}">
                       <a16:colId xmlns:a16="http://schemas.microsoft.com/office/drawing/2014/main" val="4104658731"/>
                     </a:ext>
                   </a:extLst>
                 </a:gridCol>
-                <a:gridCol w="967710">
+                <a:gridCol w="1880552">
                   <a:extLst>
                     <a:ext uri="{9D8B030D-6E8A-4147-A177-3AD203B41FA5}">
                       <a16:colId xmlns:a16="http://schemas.microsoft.com/office/drawing/2014/main" val="2661997036"/>
                     </a:ext>
                   </a:extLst>
                 </a:gridCol>
-                <a:gridCol w="1111559">
+                <a:gridCol w="1012462">
                   <a:extLst>
                     <a:ext uri="{9D8B030D-6E8A-4147-A177-3AD203B41FA5}">
                       <a16:colId xmlns:a16="http://schemas.microsoft.com/office/drawing/2014/main" val="2040400250"/>
                     </a:ext>
                   </a:extLst>
                 </a:gridCol>
-                <a:gridCol w="1072327">
+                <a:gridCol w="1296215">
                   <a:extLst>
                     <a:ext uri="{9D8B030D-6E8A-4147-A177-3AD203B41FA5}">
                       <a16:colId xmlns:a16="http://schemas.microsoft.com/office/drawing/2014/main" val="766312783"/>
@@ -22308,7 +22488,7 @@
                   </a:extLst>
                 </a:gridCol>
               </a:tblGrid>
-              <a:tr h="235389">
+              <a:tr h="252001">
                 <a:tc>
                   <a:txBody>
                     <a:bodyPr/>
@@ -22368,7 +22548,7 @@
                     <a:p>
                       <a:pPr algn="ctr" fontAlgn="b"/>
                       <a:r>
-                        <a:rPr lang="tr-TR" sz="1000" b="1" u="none" strike="noStrike">
+                        <a:rPr lang="tr-TR" sz="1000" b="1" u="none" strike="noStrike" dirty="0">
                           <a:solidFill>
                             <a:schemeClr val="bg1"/>
                           </a:solidFill>
@@ -22376,7 +22556,7 @@
                         </a:rPr>
                         <a:t>Önceki Faaliyetler</a:t>
                       </a:r>
-                      <a:endParaRPr lang="tr-TR" sz="1000" b="1" i="0" u="none" strike="noStrike">
+                      <a:endParaRPr lang="tr-TR" sz="1000" b="1" i="0" u="none" strike="noStrike" dirty="0">
                         <a:solidFill>
                           <a:schemeClr val="bg1"/>
                         </a:solidFill>
@@ -22394,7 +22574,7 @@
                     <a:p>
                       <a:pPr algn="ctr" fontAlgn="b"/>
                       <a:r>
-                        <a:rPr lang="tr-TR" sz="1000" b="1" u="none" strike="noStrike">
+                        <a:rPr lang="tr-TR" sz="1000" b="1" u="none" strike="noStrike" dirty="0">
                           <a:solidFill>
                             <a:schemeClr val="bg1"/>
                           </a:solidFill>
@@ -22402,7 +22582,52 @@
                         </a:rPr>
                         <a:t>Normal Süre</a:t>
                       </a:r>
-                      <a:endParaRPr lang="tr-TR" sz="1000" b="1" i="0" u="none" strike="noStrike">
+                      <a:r>
+                        <a:rPr lang="en-US" sz="1000" b="1" u="none" strike="noStrike" dirty="0">
+                          <a:solidFill>
+                            <a:schemeClr val="bg1"/>
+                          </a:solidFill>
+                          <a:effectLst/>
+                        </a:rPr>
+                        <a:t> ( </a:t>
+                      </a:r>
+                      <a:r>
+                        <a:rPr lang="en-US" sz="1000" b="1" u="none" strike="noStrike" dirty="0" err="1">
+                          <a:solidFill>
+                            <a:schemeClr val="bg1"/>
+                          </a:solidFill>
+                          <a:effectLst/>
+                        </a:rPr>
+                        <a:t>İş</a:t>
+                      </a:r>
+                      <a:r>
+                        <a:rPr lang="en-US" sz="1000" b="1" u="none" strike="noStrike" dirty="0">
+                          <a:solidFill>
+                            <a:schemeClr val="bg1"/>
+                          </a:solidFill>
+                          <a:effectLst/>
+                        </a:rPr>
+                        <a:t> </a:t>
+                      </a:r>
+                      <a:r>
+                        <a:rPr lang="en-US" sz="1000" b="1" u="none" strike="noStrike" dirty="0" err="1">
+                          <a:solidFill>
+                            <a:schemeClr val="bg1"/>
+                          </a:solidFill>
+                          <a:effectLst/>
+                        </a:rPr>
+                        <a:t>Günü</a:t>
+                      </a:r>
+                      <a:r>
+                        <a:rPr lang="en-US" sz="1000" b="1" u="none" strike="noStrike" dirty="0">
+                          <a:solidFill>
+                            <a:schemeClr val="bg1"/>
+                          </a:solidFill>
+                          <a:effectLst/>
+                        </a:rPr>
+                        <a:t> )</a:t>
+                      </a:r>
+                      <a:endParaRPr lang="tr-TR" sz="1000" b="1" i="0" u="none" strike="noStrike" dirty="0">
                         <a:solidFill>
                           <a:schemeClr val="bg1"/>
                         </a:solidFill>
@@ -22471,7 +22696,7 @@
                   </a:ext>
                 </a:extLst>
               </a:tr>
-              <a:tr h="235389">
+              <a:tr h="252001">
                 <a:tc>
                   <a:txBody>
                     <a:bodyPr/>
@@ -22617,7 +22842,7 @@
                   </a:ext>
                 </a:extLst>
               </a:tr>
-              <a:tr h="321698">
+              <a:tr h="344401">
                 <a:tc>
                   <a:txBody>
                     <a:bodyPr/>
@@ -22762,7 +22987,7 @@
                   </a:ext>
                 </a:extLst>
               </a:tr>
-              <a:tr h="235389">
+              <a:tr h="252001">
                 <a:tc>
                   <a:txBody>
                     <a:bodyPr/>
@@ -22907,7 +23132,7 @@
                   </a:ext>
                 </a:extLst>
               </a:tr>
-              <a:tr h="235389">
+              <a:tr h="252001">
                 <a:tc>
                   <a:txBody>
                     <a:bodyPr/>
@@ -23052,7 +23277,7 @@
                   </a:ext>
                 </a:extLst>
               </a:tr>
-              <a:tr h="235389">
+              <a:tr h="252001">
                 <a:tc>
                   <a:txBody>
                     <a:bodyPr/>
@@ -23215,7 +23440,7 @@
                   </a:ext>
                 </a:extLst>
               </a:tr>
-              <a:tr h="235389">
+              <a:tr h="252001">
                 <a:tc>
                   <a:txBody>
                     <a:bodyPr/>
@@ -23360,7 +23585,7 @@
                   </a:ext>
                 </a:extLst>
               </a:tr>
-              <a:tr h="235389">
+              <a:tr h="252001">
                 <a:tc>
                   <a:txBody>
                     <a:bodyPr/>
@@ -23538,14 +23763,14 @@
           <a:lstStyle/>
           <a:p>
             <a:r>
-              <a:rPr lang="en-US" dirty="0">
+              <a:rPr lang="en-US">
                 <a:solidFill>
                   <a:schemeClr val="bg1"/>
                 </a:solidFill>
               </a:rPr>
               <a:t>A = 5</a:t>
             </a:r>
-            <a:endParaRPr lang="tr-TR" dirty="0">
+            <a:endParaRPr lang="tr-TR">
               <a:solidFill>
                 <a:schemeClr val="bg1"/>
               </a:solidFill>
@@ -23781,14 +24006,14 @@
                     <a:lstStyle/>
                     <a:p>
                       <a:r>
-                        <a:rPr lang="en-US" dirty="0">
+                        <a:rPr lang="en-US">
                           <a:solidFill>
                             <a:schemeClr val="bg1"/>
                           </a:solidFill>
                         </a:rPr>
                         <a:t>5</a:t>
                       </a:r>
-                      <a:endParaRPr lang="tr-TR" dirty="0">
+                      <a:endParaRPr lang="tr-TR">
                         <a:solidFill>
                           <a:schemeClr val="bg1"/>
                         </a:solidFill>
@@ -23840,14 +24065,14 @@
                     <a:lstStyle/>
                     <a:p>
                       <a:r>
-                        <a:rPr lang="en-US" dirty="0">
+                        <a:rPr lang="en-US">
                           <a:solidFill>
                             <a:schemeClr val="bg1"/>
                           </a:solidFill>
                         </a:rPr>
                         <a:t>5</a:t>
                       </a:r>
-                      <a:endParaRPr lang="tr-TR" dirty="0">
+                      <a:endParaRPr lang="tr-TR">
                         <a:solidFill>
                           <a:schemeClr val="bg1"/>
                         </a:solidFill>
@@ -23956,14 +24181,14 @@
                     <a:lstStyle/>
                     <a:p>
                       <a:r>
-                        <a:rPr lang="en-US" dirty="0">
+                        <a:rPr lang="en-US">
                           <a:solidFill>
                             <a:schemeClr val="bg1"/>
                           </a:solidFill>
                         </a:rPr>
                         <a:t>13</a:t>
                       </a:r>
-                      <a:endParaRPr lang="tr-TR" dirty="0">
+                      <a:endParaRPr lang="tr-TR">
                         <a:solidFill>
                           <a:schemeClr val="bg1"/>
                         </a:solidFill>
@@ -24015,14 +24240,14 @@
                     <a:lstStyle/>
                     <a:p>
                       <a:r>
-                        <a:rPr lang="en-US" dirty="0">
+                        <a:rPr lang="en-US">
                           <a:solidFill>
                             <a:schemeClr val="bg1"/>
                           </a:solidFill>
                         </a:rPr>
                         <a:t>13</a:t>
                       </a:r>
-                      <a:endParaRPr lang="tr-TR" dirty="0">
+                      <a:endParaRPr lang="tr-TR">
                         <a:solidFill>
                           <a:schemeClr val="bg1"/>
                         </a:solidFill>
@@ -24131,14 +24356,14 @@
                     <a:lstStyle/>
                     <a:p>
                       <a:r>
-                        <a:rPr lang="en-US" dirty="0">
+                        <a:rPr lang="en-US">
                           <a:solidFill>
                             <a:schemeClr val="bg1"/>
                           </a:solidFill>
                         </a:rPr>
                         <a:t>25</a:t>
                       </a:r>
-                      <a:endParaRPr lang="tr-TR" dirty="0">
+                      <a:endParaRPr lang="tr-TR">
                         <a:solidFill>
                           <a:schemeClr val="bg1"/>
                         </a:solidFill>
@@ -24190,14 +24415,14 @@
                     <a:lstStyle/>
                     <a:p>
                       <a:r>
-                        <a:rPr lang="en-US" dirty="0">
+                        <a:rPr lang="en-US">
                           <a:solidFill>
                             <a:schemeClr val="bg1"/>
                           </a:solidFill>
                         </a:rPr>
                         <a:t>25</a:t>
                       </a:r>
-                      <a:endParaRPr lang="tr-TR" dirty="0">
+                      <a:endParaRPr lang="tr-TR">
                         <a:solidFill>
                           <a:schemeClr val="bg1"/>
                         </a:solidFill>
@@ -24306,14 +24531,14 @@
                     <a:lstStyle/>
                     <a:p>
                       <a:r>
-                        <a:rPr lang="en-US" dirty="0">
+                        <a:rPr lang="en-US">
                           <a:solidFill>
                             <a:schemeClr val="bg1"/>
                           </a:solidFill>
                         </a:rPr>
                         <a:t>38</a:t>
                       </a:r>
-                      <a:endParaRPr lang="tr-TR" dirty="0">
+                      <a:endParaRPr lang="tr-TR">
                         <a:solidFill>
                           <a:schemeClr val="bg1"/>
                         </a:solidFill>
@@ -24365,14 +24590,14 @@
                     <a:lstStyle/>
                     <a:p>
                       <a:r>
-                        <a:rPr lang="en-US" dirty="0">
+                        <a:rPr lang="en-US">
                           <a:solidFill>
                             <a:schemeClr val="bg1"/>
                           </a:solidFill>
                         </a:rPr>
                         <a:t>38</a:t>
                       </a:r>
-                      <a:endParaRPr lang="tr-TR" dirty="0">
+                      <a:endParaRPr lang="tr-TR">
                         <a:solidFill>
                           <a:schemeClr val="bg1"/>
                         </a:solidFill>
@@ -24481,14 +24706,14 @@
                     <a:lstStyle/>
                     <a:p>
                       <a:r>
-                        <a:rPr lang="en-US" dirty="0">
+                        <a:rPr lang="en-US">
                           <a:solidFill>
                             <a:schemeClr val="bg1"/>
                           </a:solidFill>
                         </a:rPr>
                         <a:t>35</a:t>
                       </a:r>
-                      <a:endParaRPr lang="tr-TR" dirty="0">
+                      <a:endParaRPr lang="tr-TR">
                         <a:solidFill>
                           <a:schemeClr val="bg1"/>
                         </a:solidFill>
@@ -24540,14 +24765,14 @@
                     <a:lstStyle/>
                     <a:p>
                       <a:r>
-                        <a:rPr lang="en-US" dirty="0">
+                        <a:rPr lang="en-US">
                           <a:solidFill>
                             <a:schemeClr val="bg1"/>
                           </a:solidFill>
                         </a:rPr>
                         <a:t>35</a:t>
                       </a:r>
-                      <a:endParaRPr lang="tr-TR" dirty="0">
+                      <a:endParaRPr lang="tr-TR">
                         <a:solidFill>
                           <a:schemeClr val="bg1"/>
                         </a:solidFill>
@@ -24656,14 +24881,14 @@
                     <a:lstStyle/>
                     <a:p>
                       <a:r>
-                        <a:rPr lang="en-US" dirty="0">
+                        <a:rPr lang="en-US">
                           <a:solidFill>
                             <a:schemeClr val="bg1"/>
                           </a:solidFill>
                         </a:rPr>
                         <a:t>35</a:t>
                       </a:r>
-                      <a:endParaRPr lang="tr-TR" dirty="0">
+                      <a:endParaRPr lang="tr-TR">
                         <a:solidFill>
                           <a:schemeClr val="bg1"/>
                         </a:solidFill>
@@ -24715,14 +24940,14 @@
                     <a:lstStyle/>
                     <a:p>
                       <a:r>
-                        <a:rPr lang="en-US" dirty="0">
+                        <a:rPr lang="en-US">
                           <a:solidFill>
                             <a:schemeClr val="bg1"/>
                           </a:solidFill>
                         </a:rPr>
                         <a:t>35</a:t>
                       </a:r>
-                      <a:endParaRPr lang="tr-TR" dirty="0">
+                      <a:endParaRPr lang="tr-TR">
                         <a:solidFill>
                           <a:schemeClr val="bg1"/>
                         </a:solidFill>
@@ -24831,14 +25056,14 @@
                     <a:lstStyle/>
                     <a:p>
                       <a:r>
-                        <a:rPr lang="en-US" dirty="0">
+                        <a:rPr lang="en-US">
                           <a:solidFill>
                             <a:schemeClr val="bg1"/>
                           </a:solidFill>
                         </a:rPr>
                         <a:t>38</a:t>
                       </a:r>
-                      <a:endParaRPr lang="tr-TR" dirty="0">
+                      <a:endParaRPr lang="tr-TR">
                         <a:solidFill>
                           <a:schemeClr val="bg1"/>
                         </a:solidFill>
@@ -24890,14 +25115,14 @@
                     <a:lstStyle/>
                     <a:p>
                       <a:r>
-                        <a:rPr lang="en-US" dirty="0">
+                        <a:rPr lang="en-US">
                           <a:solidFill>
                             <a:schemeClr val="bg1"/>
                           </a:solidFill>
                         </a:rPr>
                         <a:t>38</a:t>
                       </a:r>
-                      <a:endParaRPr lang="tr-TR" dirty="0">
+                      <a:endParaRPr lang="tr-TR">
                         <a:solidFill>
                           <a:schemeClr val="bg1"/>
                         </a:solidFill>
@@ -25173,8 +25398,8 @@
           </a:p>
         </p:txBody>
       </p:sp>
-      <mc:AlternateContent xmlns:mc="http://schemas.openxmlformats.org/markup-compatibility/2006" xmlns:p14="http://schemas.microsoft.com/office/powerpoint/2010/main">
-        <mc:Choice Requires="p14">
+      <mc:AlternateContent xmlns:mc="http://schemas.openxmlformats.org/markup-compatibility/2006">
+        <mc:Choice xmlns:p14="http://schemas.microsoft.com/office/powerpoint/2010/main" Requires="p14">
           <p:contentPart p14:bwMode="auto" r:id="rId2">
             <p14:nvContentPartPr>
               <p14:cNvPr id="47" name="Mürekkep 46">
@@ -25193,7 +25418,7 @@
             </p14:xfrm>
           </p:contentPart>
         </mc:Choice>
-        <mc:Fallback xmlns="">
+        <mc:Fallback>
           <p:pic>
             <p:nvPicPr>
               <p:cNvPr id="47" name="Mürekkep 46">
@@ -26283,15 +26508,6 @@
 </file>
 
 <file path=customXml/item2.xml><?xml version="1.0" encoding="utf-8"?>
-<p:properties xmlns:p="http://schemas.microsoft.com/office/2006/metadata/properties" xmlns:xsi="http://www.w3.org/2001/XMLSchema-instance" xmlns:pc="http://schemas.microsoft.com/office/infopath/2007/PartnerControls">
-  <documentManagement>
-    <Status xmlns="71af3243-3dd4-4a8d-8c0d-dd76da1f02a5">Not started</Status>
-    <MediaServiceKeyPoints xmlns="71af3243-3dd4-4a8d-8c0d-dd76da1f02a5" xsi:nil="true"/>
-  </documentManagement>
-</p:properties>
-</file>
-
-<file path=customXml/item3.xml><?xml version="1.0" encoding="utf-8"?>
 <ct:contentTypeSchema xmlns:ct="http://schemas.microsoft.com/office/2006/metadata/contentType" xmlns:ma="http://schemas.microsoft.com/office/2006/metadata/properties/metaAttributes" ct:_="" ma:_="" ma:contentTypeName="Document" ma:contentTypeID="0x01010079F111ED35F8CC479449609E8A0923A6" ma:contentTypeVersion="12" ma:contentTypeDescription="Create a new document." ma:contentTypeScope="" ma:versionID="426e97fa315356fffbdcd9876fe988c2">
   <xsd:schema xmlns:xsd="http://www.w3.org/2001/XMLSchema" xmlns:xs="http://www.w3.org/2001/XMLSchema" xmlns:p="http://schemas.microsoft.com/office/2006/metadata/properties" xmlns:ns2="71af3243-3dd4-4a8d-8c0d-dd76da1f02a5" xmlns:ns3="16c05727-aa75-4e4a-9b5f-8a80a1165891" targetNamespace="http://schemas.microsoft.com/office/2006/metadata/properties" ma:root="true" ma:fieldsID="14b8f0def80e6d70ce3def20c90759ae" ns2:_="" ns3:_="">
     <xsd:import namespace="71af3243-3dd4-4a8d-8c0d-dd76da1f02a5"/>
@@ -26512,6 +26728,15 @@
 </ct:contentTypeSchema>
 </file>
 
+<file path=customXml/item3.xml><?xml version="1.0" encoding="utf-8"?>
+<p:properties xmlns:p="http://schemas.microsoft.com/office/2006/metadata/properties" xmlns:xsi="http://www.w3.org/2001/XMLSchema-instance" xmlns:pc="http://schemas.microsoft.com/office/infopath/2007/PartnerControls">
+  <documentManagement>
+    <Status xmlns="71af3243-3dd4-4a8d-8c0d-dd76da1f02a5">Not started</Status>
+    <MediaServiceKeyPoints xmlns="71af3243-3dd4-4a8d-8c0d-dd76da1f02a5" xsi:nil="true"/>
+  </documentManagement>
+</p:properties>
+</file>
+
 <file path=customXml/itemProps1.xml><?xml version="1.0" encoding="utf-8"?>
 <ds:datastoreItem xmlns:ds="http://schemas.openxmlformats.org/officeDocument/2006/customXml" ds:itemID="{3C8E00D1-8EA3-4E42-801D-0253E1EAFC21}">
   <ds:schemaRefs>
@@ -26521,23 +26746,6 @@
 </file>
 
 <file path=customXml/itemProps2.xml><?xml version="1.0" encoding="utf-8"?>
-<ds:datastoreItem xmlns:ds="http://schemas.openxmlformats.org/officeDocument/2006/customXml" ds:itemID="{99919F73-B6C2-4A43-95E2-833EC48925FE}">
-  <ds:schemaRefs>
-    <ds:schemaRef ds:uri="16c05727-aa75-4e4a-9b5f-8a80a1165891"/>
-    <ds:schemaRef ds:uri="71af3243-3dd4-4a8d-8c0d-dd76da1f02a5"/>
-    <ds:schemaRef ds:uri="http://purl.org/dc/dcmitype/"/>
-    <ds:schemaRef ds:uri="http://purl.org/dc/elements/1.1/"/>
-    <ds:schemaRef ds:uri="http://purl.org/dc/terms/"/>
-    <ds:schemaRef ds:uri="http://schemas.microsoft.com/office/2006/documentManagement/types"/>
-    <ds:schemaRef ds:uri="http://schemas.microsoft.com/office/2006/metadata/properties"/>
-    <ds:schemaRef ds:uri="http://schemas.microsoft.com/office/infopath/2007/PartnerControls"/>
-    <ds:schemaRef ds:uri="http://schemas.openxmlformats.org/package/2006/metadata/core-properties"/>
-    <ds:schemaRef ds:uri="http://www.w3.org/XML/1998/namespace"/>
-  </ds:schemaRefs>
-</ds:datastoreItem>
-</file>
-
-<file path=customXml/itemProps3.xml><?xml version="1.0" encoding="utf-8"?>
 <ds:datastoreItem xmlns:ds="http://schemas.openxmlformats.org/officeDocument/2006/customXml" ds:itemID="{ABC329F5-30EE-4BF7-AA2A-B837B51416B4}">
   <ds:schemaRefs>
     <ds:schemaRef ds:uri="16c05727-aa75-4e4a-9b5f-8a80a1165891"/>
@@ -26554,4 +26762,21 @@
     <ds:schemaRef ds:uri="http://www.w3.org/2001/XMLSchema"/>
   </ds:schemaRefs>
 </ds:datastoreItem>
+</file>
+
+<file path=customXml/itemProps3.xml><?xml version="1.0" encoding="utf-8"?>
+<ds:datastoreItem xmlns:ds="http://schemas.openxmlformats.org/officeDocument/2006/customXml" ds:itemID="{99919F73-B6C2-4A43-95E2-833EC48925FE}">
+  <ds:schemaRefs>
+    <ds:schemaRef ds:uri="16c05727-aa75-4e4a-9b5f-8a80a1165891"/>
+    <ds:schemaRef ds:uri="71af3243-3dd4-4a8d-8c0d-dd76da1f02a5"/>
+    <ds:schemaRef ds:uri="http://purl.org/dc/dcmitype/"/>
+    <ds:schemaRef ds:uri="http://purl.org/dc/elements/1.1/"/>
+    <ds:schemaRef ds:uri="http://purl.org/dc/terms/"/>
+    <ds:schemaRef ds:uri="http://schemas.microsoft.com/office/2006/documentManagement/types"/>
+    <ds:schemaRef ds:uri="http://schemas.microsoft.com/office/2006/metadata/properties"/>
+    <ds:schemaRef ds:uri="http://schemas.microsoft.com/office/infopath/2007/PartnerControls"/>
+    <ds:schemaRef ds:uri="http://schemas.openxmlformats.org/package/2006/metadata/core-properties"/>
+    <ds:schemaRef ds:uri="http://www.w3.org/XML/1998/namespace"/>
+  </ds:schemaRefs>
+</ds:datastoreItem>
 </file>